--- a/dokumentasi/Slide.pptx
+++ b/dokumentasi/Slide.pptx
@@ -7,10 +7,10 @@
     <p:sldMasterId id="2147483653" r:id="rId3"/>
   </p:sldMasterIdLst>
   <p:notesMasterIdLst>
-    <p:notesMasterId r:id="rId11"/>
+    <p:notesMasterId r:id="rId14"/>
   </p:notesMasterIdLst>
   <p:handoutMasterIdLst>
-    <p:handoutMasterId r:id="rId12"/>
+    <p:handoutMasterId r:id="rId15"/>
   </p:handoutMasterIdLst>
   <p:sldIdLst>
     <p:sldId id="256" r:id="rId4"/>
@@ -18,8 +18,11 @@
     <p:sldId id="264" r:id="rId6"/>
     <p:sldId id="292" r:id="rId7"/>
     <p:sldId id="294" r:id="rId8"/>
-    <p:sldId id="298" r:id="rId9"/>
-    <p:sldId id="262" r:id="rId10"/>
+    <p:sldId id="299" r:id="rId9"/>
+    <p:sldId id="298" r:id="rId10"/>
+    <p:sldId id="300" r:id="rId11"/>
+    <p:sldId id="302" r:id="rId12"/>
+    <p:sldId id="262" r:id="rId13"/>
   </p:sldIdLst>
   <p:sldSz cx="9144000" cy="5143500" type="screen16x9"/>
   <p:notesSz cx="6858000" cy="9144000"/>
@@ -157,323 +160,6 @@
 </file>
 
 <file path=ppt/charts/chart1.xml><?xml version="1.0" encoding="utf-8"?>
-<c:chartSpace xmlns:c="http://schemas.openxmlformats.org/drawingml/2006/chart" xmlns:a="http://schemas.openxmlformats.org/drawingml/2006/main" xmlns:r="http://schemas.openxmlformats.org/officeDocument/2006/relationships" xmlns:c16r2="http://schemas.microsoft.com/office/drawing/2015/06/chart">
-  <c:date1904 val="0"/>
-  <c:lang val="en-US"/>
-  <c:roundedCorners val="0"/>
-  <mc:AlternateContent xmlns:mc="http://schemas.openxmlformats.org/markup-compatibility/2006">
-    <mc:Choice xmlns:c14="http://schemas.microsoft.com/office/drawing/2007/8/2/chart" Requires="c14">
-      <c14:style val="102"/>
-    </mc:Choice>
-    <mc:Fallback>
-      <c:style val="2"/>
-    </mc:Fallback>
-  </mc:AlternateContent>
-  <c:chart>
-    <c:autoTitleDeleted val="1"/>
-    <c:plotArea>
-      <c:layout>
-        <c:manualLayout>
-          <c:layoutTarget val="inner"/>
-          <c:xMode val="edge"/>
-          <c:yMode val="edge"/>
-          <c:x val="0.1317353627374736"/>
-          <c:y val="0.11934540032059297"/>
-          <c:w val="0.75426519560504668"/>
-          <c:h val="0.93788808900699538"/>
-        </c:manualLayout>
-      </c:layout>
-      <c:doughnutChart>
-        <c:varyColors val="1"/>
-        <c:ser>
-          <c:idx val="0"/>
-          <c:order val="0"/>
-          <c:tx>
-            <c:strRef>
-              <c:f>Sheet1!$B$1</c:f>
-              <c:strCache>
-                <c:ptCount val="1"/>
-                <c:pt idx="0">
-                  <c:v>Sales</c:v>
-                </c:pt>
-              </c:strCache>
-            </c:strRef>
-          </c:tx>
-          <c:spPr>
-            <a:solidFill>
-              <a:schemeClr val="bg1"/>
-            </a:solidFill>
-          </c:spPr>
-          <c:dPt>
-            <c:idx val="0"/>
-            <c:bubble3D val="0"/>
-            <c:spPr>
-              <a:solidFill>
-                <a:schemeClr val="accent4"/>
-              </a:solidFill>
-            </c:spPr>
-            <c:extLst>
-              <c:ext xmlns:c16="http://schemas.microsoft.com/office/drawing/2014/chart" uri="{C3380CC4-5D6E-409C-BE32-E72D297353CC}">
-                <c16:uniqueId val="{00000000-6CD9-43AF-B88D-7B176FEDECC9}"/>
-              </c:ext>
-            </c:extLst>
-          </c:dPt>
-          <c:dPt>
-            <c:idx val="1"/>
-            <c:bubble3D val="0"/>
-            <c:spPr>
-              <a:solidFill>
-                <a:schemeClr val="accent4">
-                  <a:alpha val="20000"/>
-                </a:schemeClr>
-              </a:solidFill>
-              <a:ln>
-                <a:noFill/>
-              </a:ln>
-            </c:spPr>
-            <c:extLst>
-              <c:ext xmlns:c16="http://schemas.microsoft.com/office/drawing/2014/chart" uri="{C3380CC4-5D6E-409C-BE32-E72D297353CC}">
-                <c16:uniqueId val="{00000002-6CD9-43AF-B88D-7B176FEDECC9}"/>
-              </c:ext>
-            </c:extLst>
-          </c:dPt>
-          <c:cat>
-            <c:strRef>
-              <c:f>Sheet1!$A$2:$A$3</c:f>
-              <c:strCache>
-                <c:ptCount val="2"/>
-                <c:pt idx="0">
-                  <c:v>1st Qtr</c:v>
-                </c:pt>
-                <c:pt idx="1">
-                  <c:v>2nd Qtr</c:v>
-                </c:pt>
-              </c:strCache>
-            </c:strRef>
-          </c:cat>
-          <c:val>
-            <c:numRef>
-              <c:f>Sheet1!$B$2:$B$3</c:f>
-              <c:numCache>
-                <c:formatCode>General</c:formatCode>
-                <c:ptCount val="2"/>
-                <c:pt idx="0">
-                  <c:v>80</c:v>
-                </c:pt>
-                <c:pt idx="1">
-                  <c:v>20</c:v>
-                </c:pt>
-              </c:numCache>
-            </c:numRef>
-          </c:val>
-          <c:extLst>
-            <c:ext xmlns:c16="http://schemas.microsoft.com/office/drawing/2014/chart" uri="{C3380CC4-5D6E-409C-BE32-E72D297353CC}">
-              <c16:uniqueId val="{00000003-6CD9-43AF-B88D-7B176FEDECC9}"/>
-            </c:ext>
-          </c:extLst>
-        </c:ser>
-        <c:dLbls>
-          <c:showLegendKey val="0"/>
-          <c:showVal val="0"/>
-          <c:showCatName val="0"/>
-          <c:showSerName val="0"/>
-          <c:showPercent val="0"/>
-          <c:showBubbleSize val="0"/>
-          <c:showLeaderLines val="1"/>
-        </c:dLbls>
-        <c:firstSliceAng val="0"/>
-        <c:holeSize val="75"/>
-      </c:doughnutChart>
-    </c:plotArea>
-    <c:plotVisOnly val="1"/>
-    <c:dispBlanksAs val="gap"/>
-    <c:showDLblsOverMax val="0"/>
-  </c:chart>
-  <c:txPr>
-    <a:bodyPr/>
-    <a:lstStyle/>
-    <a:p>
-      <a:pPr>
-        <a:defRPr sz="1800"/>
-      </a:pPr>
-      <a:endParaRPr lang="en-US"/>
-    </a:p>
-  </c:txPr>
-  <c:externalData r:id="rId1">
-    <c:autoUpdate val="0"/>
-  </c:externalData>
-</c:chartSpace>
-</file>
-
-<file path=ppt/charts/chart2.xml><?xml version="1.0" encoding="utf-8"?>
-<c:chartSpace xmlns:c="http://schemas.openxmlformats.org/drawingml/2006/chart" xmlns:a="http://schemas.openxmlformats.org/drawingml/2006/main" xmlns:r="http://schemas.openxmlformats.org/officeDocument/2006/relationships" xmlns:c16r2="http://schemas.microsoft.com/office/drawing/2015/06/chart">
-  <c:date1904 val="0"/>
-  <c:lang val="en-US"/>
-  <c:roundedCorners val="0"/>
-  <mc:AlternateContent xmlns:mc="http://schemas.openxmlformats.org/markup-compatibility/2006">
-    <mc:Choice xmlns:c14="http://schemas.microsoft.com/office/drawing/2007/8/2/chart" Requires="c14">
-      <c14:style val="102"/>
-    </mc:Choice>
-    <mc:Fallback>
-      <c:style val="2"/>
-    </mc:Fallback>
-  </mc:AlternateContent>
-  <c:chart>
-    <c:autoTitleDeleted val="0"/>
-    <c:plotArea>
-      <c:layout>
-        <c:manualLayout>
-          <c:layoutTarget val="inner"/>
-          <c:xMode val="edge"/>
-          <c:yMode val="edge"/>
-          <c:x val="1.2500000000000001E-2"/>
-          <c:y val="6.6397085942639003E-2"/>
-          <c:w val="0.96458333333333335"/>
-          <c:h val="0.86720582811472202"/>
-        </c:manualLayout>
-      </c:layout>
-      <c:barChart>
-        <c:barDir val="col"/>
-        <c:grouping val="percentStacked"/>
-        <c:varyColors val="0"/>
-        <c:dLbls>
-          <c:showLegendKey val="0"/>
-          <c:showVal val="0"/>
-          <c:showCatName val="0"/>
-          <c:showSerName val="0"/>
-          <c:showPercent val="0"/>
-          <c:showBubbleSize val="0"/>
-        </c:dLbls>
-        <c:gapWidth val="500"/>
-        <c:overlap val="100"/>
-        <c:axId val="845273808"/>
-        <c:axId val="845279792"/>
-      </c:barChart>
-      <c:catAx>
-        <c:axId val="845273808"/>
-        <c:scaling>
-          <c:orientation val="minMax"/>
-        </c:scaling>
-        <c:delete val="1"/>
-        <c:axPos val="b"/>
-        <c:numFmt formatCode="General" sourceLinked="0"/>
-        <c:majorTickMark val="out"/>
-        <c:minorTickMark val="none"/>
-        <c:tickLblPos val="nextTo"/>
-        <c:crossAx val="845279792"/>
-        <c:crosses val="autoZero"/>
-        <c:auto val="1"/>
-        <c:lblAlgn val="ctr"/>
-        <c:lblOffset val="100"/>
-        <c:noMultiLvlLbl val="0"/>
-      </c:catAx>
-      <c:valAx>
-        <c:axId val="845279792"/>
-        <c:scaling>
-          <c:orientation val="minMax"/>
-        </c:scaling>
-        <c:delete val="1"/>
-        <c:axPos val="l"/>
-        <c:majorGridlines>
-          <c:spPr>
-            <a:ln>
-              <a:noFill/>
-            </a:ln>
-          </c:spPr>
-        </c:majorGridlines>
-        <c:numFmt formatCode="0%" sourceLinked="1"/>
-        <c:majorTickMark val="out"/>
-        <c:minorTickMark val="none"/>
-        <c:tickLblPos val="nextTo"/>
-        <c:crossAx val="845273808"/>
-        <c:crosses val="autoZero"/>
-        <c:crossBetween val="between"/>
-      </c:valAx>
-    </c:plotArea>
-    <c:plotVisOnly val="1"/>
-    <c:dispBlanksAs val="gap"/>
-    <c:showDLblsOverMax val="0"/>
-  </c:chart>
-  <c:txPr>
-    <a:bodyPr/>
-    <a:lstStyle/>
-    <a:p>
-      <a:pPr>
-        <a:defRPr sz="1800"/>
-      </a:pPr>
-      <a:endParaRPr lang="en-US"/>
-    </a:p>
-  </c:txPr>
-  <c:externalData r:id="rId1">
-    <c:autoUpdate val="0"/>
-  </c:externalData>
-</c:chartSpace>
-</file>
-
-<file path=ppt/charts/chart3.xml><?xml version="1.0" encoding="utf-8"?>
-<c:chartSpace xmlns:c="http://schemas.openxmlformats.org/drawingml/2006/chart" xmlns:a="http://schemas.openxmlformats.org/drawingml/2006/main" xmlns:r="http://schemas.openxmlformats.org/officeDocument/2006/relationships" xmlns:c16r2="http://schemas.microsoft.com/office/drawing/2015/06/chart">
-  <c:date1904 val="0"/>
-  <c:lang val="en-US"/>
-  <c:roundedCorners val="0"/>
-  <mc:AlternateContent xmlns:mc="http://schemas.openxmlformats.org/markup-compatibility/2006">
-    <mc:Choice xmlns:c14="http://schemas.microsoft.com/office/drawing/2007/8/2/chart" Requires="c14">
-      <c14:style val="102"/>
-    </mc:Choice>
-    <mc:Fallback>
-      <c:style val="2"/>
-    </mc:Fallback>
-  </mc:AlternateContent>
-  <c:clrMapOvr bg1="lt1" tx1="dk1" bg2="lt2" tx2="dk2" accent1="accent1" accent2="accent2" accent3="accent3" accent4="accent4" accent5="accent5" accent6="accent6" hlink="hlink" folHlink="folHlink"/>
-  <c:chart>
-    <c:autoTitleDeleted val="1"/>
-    <c:plotArea>
-      <c:layout>
-        <c:manualLayout>
-          <c:layoutTarget val="inner"/>
-          <c:xMode val="edge"/>
-          <c:yMode val="edge"/>
-          <c:x val="1.4603495744203879E-3"/>
-          <c:y val="6.3117407827583447E-2"/>
-          <c:w val="0.99437804559682919"/>
-          <c:h val="0.92299783567200611"/>
-        </c:manualLayout>
-      </c:layout>
-      <c:doughnutChart>
-        <c:varyColors val="1"/>
-        <c:dLbls>
-          <c:showLegendKey val="0"/>
-          <c:showVal val="0"/>
-          <c:showCatName val="0"/>
-          <c:showSerName val="0"/>
-          <c:showPercent val="0"/>
-          <c:showBubbleSize val="0"/>
-          <c:showLeaderLines val="0"/>
-        </c:dLbls>
-        <c:firstSliceAng val="0"/>
-        <c:holeSize val="75"/>
-      </c:doughnutChart>
-    </c:plotArea>
-    <c:plotVisOnly val="1"/>
-    <c:dispBlanksAs val="gap"/>
-    <c:showDLblsOverMax val="0"/>
-  </c:chart>
-  <c:txPr>
-    <a:bodyPr/>
-    <a:lstStyle/>
-    <a:p>
-      <a:pPr>
-        <a:defRPr sz="1800"/>
-      </a:pPr>
-      <a:endParaRPr lang="en-US"/>
-    </a:p>
-  </c:txPr>
-  <c:externalData r:id="rId2">
-    <c:autoUpdate val="0"/>
-  </c:externalData>
-</c:chartSpace>
-</file>
-
-<file path=ppt/charts/chart4.xml><?xml version="1.0" encoding="utf-8"?>
 <c:chartSpace xmlns:c="http://schemas.openxmlformats.org/drawingml/2006/chart" xmlns:a="http://schemas.openxmlformats.org/drawingml/2006/main" xmlns:r="http://schemas.openxmlformats.org/officeDocument/2006/relationships" xmlns:c16r2="http://schemas.microsoft.com/office/drawing/2015/06/chart">
   <c:date1904 val="0"/>
   <c:lang val="en-US"/>
@@ -735,7 +421,7 @@
           <a:p>
             <a:fld id="{C77B8D37-F2C9-4AA7-9088-A1D556DE4F32}" type="datetimeFigureOut">
               <a:rPr lang="en-US" smtClean="0"/>
-              <a:t>5/24/2019</a:t>
+              <a:t>5/25/2019</a:t>
             </a:fld>
             <a:endParaRPr lang="en-US"/>
           </a:p>
@@ -900,7 +586,7 @@
           <a:p>
             <a:fld id="{276DAEFD-F0CA-40B0-91E7-913D9FD56239}" type="datetimeFigureOut">
               <a:rPr lang="ko-KR" altLang="en-US" smtClean="0"/>
-              <a:t>2019-05-24</a:t>
+              <a:t>2019-05-25</a:t>
             </a:fld>
             <a:endParaRPr lang="ko-KR" altLang="en-US"/>
           </a:p>
@@ -1243,6 +929,90 @@
     <p:extLst>
       <p:ext uri="{BB962C8B-B14F-4D97-AF65-F5344CB8AC3E}">
         <p14:creationId xmlns:p14="http://schemas.microsoft.com/office/powerpoint/2010/main" val="375356108"/>
+      </p:ext>
+    </p:extLst>
+  </p:cSld>
+  <p:clrMapOvr>
+    <a:masterClrMapping/>
+  </p:clrMapOvr>
+</p:notes>
+</file>
+
+<file path=ppt/notesSlides/notesSlide2.xml><?xml version="1.0" encoding="utf-8"?>
+<p:notes xmlns:a="http://schemas.openxmlformats.org/drawingml/2006/main" xmlns:r="http://schemas.openxmlformats.org/officeDocument/2006/relationships" xmlns:p="http://schemas.openxmlformats.org/presentationml/2006/main">
+  <p:cSld>
+    <p:spTree>
+      <p:nvGrpSpPr>
+        <p:cNvPr id="1" name=""/>
+        <p:cNvGrpSpPr/>
+        <p:nvPr/>
+      </p:nvGrpSpPr>
+      <p:grpSpPr>
+        <a:xfrm>
+          <a:off x="0" y="0"/>
+          <a:ext cx="0" cy="0"/>
+          <a:chOff x="0" y="0"/>
+          <a:chExt cx="0" cy="0"/>
+        </a:xfrm>
+      </p:grpSpPr>
+      <p:sp>
+        <p:nvSpPr>
+          <p:cNvPr id="2" name="Slide Image Placeholder 1"/>
+          <p:cNvSpPr>
+            <a:spLocks noGrp="1" noRot="1" noChangeAspect="1"/>
+          </p:cNvSpPr>
+          <p:nvPr>
+            <p:ph type="sldImg"/>
+          </p:nvPr>
+        </p:nvSpPr>
+        <p:spPr/>
+      </p:sp>
+      <p:sp>
+        <p:nvSpPr>
+          <p:cNvPr id="3" name="Notes Placeholder 2"/>
+          <p:cNvSpPr>
+            <a:spLocks noGrp="1"/>
+          </p:cNvSpPr>
+          <p:nvPr>
+            <p:ph type="body" idx="1"/>
+          </p:nvPr>
+        </p:nvSpPr>
+        <p:spPr/>
+        <p:txBody>
+          <a:bodyPr/>
+          <a:lstStyle/>
+          <a:p>
+            <a:endParaRPr lang="en-ID" dirty="0"/>
+          </a:p>
+        </p:txBody>
+      </p:sp>
+      <p:sp>
+        <p:nvSpPr>
+          <p:cNvPr id="4" name="Slide Number Placeholder 3"/>
+          <p:cNvSpPr>
+            <a:spLocks noGrp="1"/>
+          </p:cNvSpPr>
+          <p:nvPr>
+            <p:ph type="sldNum" sz="quarter" idx="5"/>
+          </p:nvPr>
+        </p:nvSpPr>
+        <p:spPr/>
+        <p:txBody>
+          <a:bodyPr/>
+          <a:lstStyle/>
+          <a:p>
+            <a:fld id="{96CE6118-A8F0-4C13-BF86-10944E626E13}" type="slidenum">
+              <a:rPr lang="ko-KR" altLang="en-US" smtClean="0"/>
+              <a:t>7</a:t>
+            </a:fld>
+            <a:endParaRPr lang="ko-KR" altLang="en-US"/>
+          </a:p>
+        </p:txBody>
+      </p:sp>
+    </p:spTree>
+    <p:extLst>
+      <p:ext uri="{BB962C8B-B14F-4D97-AF65-F5344CB8AC3E}">
+        <p14:creationId xmlns:p14="http://schemas.microsoft.com/office/powerpoint/2010/main" val="1411098605"/>
       </p:ext>
     </p:extLst>
   </p:cSld>
@@ -10568,7 +10338,7 @@
         </p:nvSpPr>
         <p:spPr>
           <a:xfrm>
-            <a:off x="6245398" y="4675224"/>
+            <a:off x="6156176" y="4639444"/>
             <a:ext cx="3240212" cy="504056"/>
           </a:xfrm>
         </p:spPr>
@@ -10596,6 +10366,108 @@
     <p:extLst>
       <p:ext uri="{BB962C8B-B14F-4D97-AF65-F5344CB8AC3E}">
         <p14:creationId xmlns:p14="http://schemas.microsoft.com/office/powerpoint/2010/main" val="2971841378"/>
+      </p:ext>
+    </p:extLst>
+  </p:cSld>
+  <p:clrMapOvr>
+    <a:masterClrMapping/>
+  </p:clrMapOvr>
+</p:sld>
+</file>
+
+<file path=ppt/slides/slide10.xml><?xml version="1.0" encoding="utf-8"?>
+<p:sld xmlns:a="http://schemas.openxmlformats.org/drawingml/2006/main" xmlns:r="http://schemas.openxmlformats.org/officeDocument/2006/relationships" xmlns:p="http://schemas.openxmlformats.org/presentationml/2006/main">
+  <p:cSld>
+    <p:spTree>
+      <p:nvGrpSpPr>
+        <p:cNvPr id="1" name=""/>
+        <p:cNvGrpSpPr/>
+        <p:nvPr/>
+      </p:nvGrpSpPr>
+      <p:grpSpPr>
+        <a:xfrm>
+          <a:off x="0" y="0"/>
+          <a:ext cx="0" cy="0"/>
+          <a:chOff x="0" y="0"/>
+          <a:chExt cx="0" cy="0"/>
+        </a:xfrm>
+      </p:grpSpPr>
+      <p:sp>
+        <p:nvSpPr>
+          <p:cNvPr id="2" name="Text Placeholder 1"/>
+          <p:cNvSpPr>
+            <a:spLocks noGrp="1"/>
+          </p:cNvSpPr>
+          <p:nvPr>
+            <p:ph type="body" sz="quarter" idx="10"/>
+          </p:nvPr>
+        </p:nvSpPr>
+        <p:spPr>
+          <a:xfrm>
+            <a:off x="467544" y="3853334"/>
+            <a:ext cx="9144000" cy="576063"/>
+          </a:xfrm>
+        </p:spPr>
+        <p:txBody>
+          <a:bodyPr/>
+          <a:lstStyle/>
+          <a:p>
+            <a:r>
+              <a:rPr lang="en-US" altLang="ko-KR" dirty="0">
+                <a:solidFill>
+                  <a:schemeClr val="accent2"/>
+                </a:solidFill>
+              </a:rPr>
+              <a:t>DEMO</a:t>
+            </a:r>
+            <a:endParaRPr lang="ko-KR" altLang="en-US" dirty="0">
+              <a:solidFill>
+                <a:schemeClr val="accent2"/>
+              </a:solidFill>
+            </a:endParaRPr>
+          </a:p>
+        </p:txBody>
+      </p:sp>
+      <p:pic>
+        <p:nvPicPr>
+          <p:cNvPr id="9" name="Picture 8">
+            <a:extLst>
+              <a:ext uri="{FF2B5EF4-FFF2-40B4-BE49-F238E27FC236}">
+                <a16:creationId xmlns:a16="http://schemas.microsoft.com/office/drawing/2014/main" id="{2D8B1C8F-C746-41D0-BADD-478710DC2B96}"/>
+              </a:ext>
+            </a:extLst>
+          </p:cNvPr>
+          <p:cNvPicPr>
+            <a:picLocks noChangeAspect="1"/>
+          </p:cNvPicPr>
+          <p:nvPr/>
+        </p:nvPicPr>
+        <p:blipFill>
+          <a:blip r:embed="rId2" cstate="print">
+            <a:extLst>
+              <a:ext uri="{28A0092B-C50C-407E-A947-70E740481C1C}">
+                <a14:useLocalDpi xmlns:a14="http://schemas.microsoft.com/office/drawing/2010/main" val="0"/>
+              </a:ext>
+            </a:extLst>
+          </a:blip>
+          <a:stretch>
+            <a:fillRect/>
+          </a:stretch>
+        </p:blipFill>
+        <p:spPr>
+          <a:xfrm>
+            <a:off x="3328564" y="3147814"/>
+            <a:ext cx="2486872" cy="993552"/>
+          </a:xfrm>
+          <a:prstGeom prst="rect">
+            <a:avLst/>
+          </a:prstGeom>
+        </p:spPr>
+      </p:pic>
+    </p:spTree>
+    <p:extLst>
+      <p:ext uri="{BB962C8B-B14F-4D97-AF65-F5344CB8AC3E}">
+        <p14:creationId xmlns:p14="http://schemas.microsoft.com/office/powerpoint/2010/main" val="61455909"/>
       </p:ext>
     </p:extLst>
   </p:cSld>
@@ -14188,30 +14060,6 @@
           <a:chExt cx="0" cy="0"/>
         </a:xfrm>
       </p:grpSpPr>
-      <p:graphicFrame>
-        <p:nvGraphicFramePr>
-          <p:cNvPr id="24" name="Chart 6">
-            <a:extLst>
-              <a:ext uri="{FF2B5EF4-FFF2-40B4-BE49-F238E27FC236}">
-                <a16:creationId xmlns:a16="http://schemas.microsoft.com/office/drawing/2014/main" id="{276ACCCC-5A77-4C72-AD2D-1AF7DE6B4316}"/>
-              </a:ext>
-            </a:extLst>
-          </p:cNvPr>
-          <p:cNvGraphicFramePr/>
-          <p:nvPr>
-            <p:extLst/>
-          </p:nvPr>
-        </p:nvGraphicFramePr>
-        <p:xfrm>
-          <a:off x="3652779" y="3296637"/>
-          <a:ext cx="1813332" cy="1680956"/>
-        </p:xfrm>
-        <a:graphic>
-          <a:graphicData uri="http://schemas.openxmlformats.org/drawingml/2006/chart">
-            <c:chart xmlns:c="http://schemas.openxmlformats.org/drawingml/2006/chart" xmlns:r="http://schemas.openxmlformats.org/officeDocument/2006/relationships" r:id="rId2"/>
-          </a:graphicData>
-        </a:graphic>
-      </p:graphicFrame>
       <p:sp>
         <p:nvSpPr>
           <p:cNvPr id="3" name="Text Placeholder 2"/>
@@ -14248,250 +14096,16 @@
           </a:p>
         </p:txBody>
       </p:sp>
-      <p:graphicFrame>
-        <p:nvGraphicFramePr>
-          <p:cNvPr id="4" name="Chart 3"/>
-          <p:cNvGraphicFramePr/>
-          <p:nvPr>
-            <p:extLst/>
-          </p:nvPr>
-        </p:nvGraphicFramePr>
-        <p:xfrm>
-          <a:off x="1504231" y="1203598"/>
-          <a:ext cx="6096000" cy="2104008"/>
-        </p:xfrm>
-        <a:graphic>
-          <a:graphicData uri="http://schemas.openxmlformats.org/drawingml/2006/chart">
-            <c:chart xmlns:c="http://schemas.openxmlformats.org/drawingml/2006/chart" xmlns:r="http://schemas.openxmlformats.org/officeDocument/2006/relationships" r:id="rId3"/>
-          </a:graphicData>
-        </a:graphic>
-      </p:graphicFrame>
-      <p:grpSp>
-        <p:nvGrpSpPr>
-          <p:cNvPr id="7" name="Group 6"/>
-          <p:cNvGrpSpPr/>
-          <p:nvPr/>
-        </p:nvGrpSpPr>
-        <p:grpSpPr>
-          <a:xfrm>
-            <a:off x="626918" y="2171956"/>
-            <a:ext cx="2000866" cy="1048024"/>
-            <a:chOff x="803640" y="3362835"/>
-            <a:chExt cx="2059657" cy="1048024"/>
-          </a:xfrm>
-        </p:grpSpPr>
-        <p:sp>
-          <p:nvSpPr>
-            <p:cNvPr id="8" name="TextBox 7"/>
-            <p:cNvSpPr txBox="1"/>
-            <p:nvPr/>
-          </p:nvSpPr>
-          <p:spPr>
-            <a:xfrm>
-              <a:off x="803640" y="3579862"/>
-              <a:ext cx="2059657" cy="830997"/>
-            </a:xfrm>
-            <a:prstGeom prst="rect">
-              <a:avLst/>
-            </a:prstGeom>
-            <a:noFill/>
-          </p:spPr>
-          <p:txBody>
-            <a:bodyPr wrap="square" rtlCol="0" anchor="ctr">
-              <a:spAutoFit/>
-            </a:bodyPr>
-            <a:lstStyle/>
-            <a:p>
-              <a:pPr algn="r"/>
-              <a:r>
-                <a:rPr lang="en-US" altLang="ko-KR" sz="1200" dirty="0">
-                  <a:solidFill>
-                    <a:schemeClr val="tx1">
-                      <a:lumMod val="75000"/>
-                      <a:lumOff val="25000"/>
-                    </a:schemeClr>
-                  </a:solidFill>
-                  <a:cs typeface="Arial" pitchFamily="34" charset="0"/>
-                </a:rPr>
-                <a:t>You can simply impress your audience and add a unique zing and appeal to your Presentations.     </a:t>
-              </a:r>
-              <a:endParaRPr lang="ko-KR" altLang="en-US" sz="1200" dirty="0">
-                <a:solidFill>
-                  <a:schemeClr val="tx1">
-                    <a:lumMod val="75000"/>
-                    <a:lumOff val="25000"/>
-                  </a:schemeClr>
-                </a:solidFill>
-                <a:cs typeface="Arial" pitchFamily="34" charset="0"/>
-              </a:endParaRPr>
-            </a:p>
-          </p:txBody>
-        </p:sp>
-        <p:sp>
-          <p:nvSpPr>
-            <p:cNvPr id="9" name="TextBox 8"/>
-            <p:cNvSpPr txBox="1"/>
-            <p:nvPr/>
-          </p:nvSpPr>
-          <p:spPr>
-            <a:xfrm>
-              <a:off x="803640" y="3362835"/>
-              <a:ext cx="2059657" cy="276999"/>
-            </a:xfrm>
-            <a:prstGeom prst="rect">
-              <a:avLst/>
-            </a:prstGeom>
-            <a:noFill/>
-          </p:spPr>
-          <p:txBody>
-            <a:bodyPr wrap="square" rtlCol="0" anchor="ctr">
-              <a:spAutoFit/>
-            </a:bodyPr>
-            <a:lstStyle/>
-            <a:p>
-              <a:pPr algn="r"/>
-              <a:r>
-                <a:rPr lang="en-US" altLang="ko-KR" sz="1200" b="1" dirty="0">
-                  <a:solidFill>
-                    <a:schemeClr val="tx1">
-                      <a:lumMod val="75000"/>
-                      <a:lumOff val="25000"/>
-                    </a:schemeClr>
-                  </a:solidFill>
-                  <a:cs typeface="Arial" pitchFamily="34" charset="0"/>
-                </a:rPr>
-                <a:t>Your Text  Here</a:t>
-              </a:r>
-              <a:endParaRPr lang="ko-KR" altLang="en-US" sz="1200" b="1" dirty="0">
-                <a:solidFill>
-                  <a:schemeClr val="tx1">
-                    <a:lumMod val="75000"/>
-                    <a:lumOff val="25000"/>
-                  </a:schemeClr>
-                </a:solidFill>
-                <a:cs typeface="Arial" pitchFamily="34" charset="0"/>
-              </a:endParaRPr>
-            </a:p>
-          </p:txBody>
-        </p:sp>
-      </p:grpSp>
-      <p:grpSp>
-        <p:nvGrpSpPr>
-          <p:cNvPr id="10" name="Group 9"/>
-          <p:cNvGrpSpPr/>
-          <p:nvPr/>
-        </p:nvGrpSpPr>
-        <p:grpSpPr>
-          <a:xfrm>
-            <a:off x="6387558" y="2171956"/>
-            <a:ext cx="2000866" cy="1048024"/>
-            <a:chOff x="803640" y="3362835"/>
-            <a:chExt cx="2059657" cy="1048024"/>
-          </a:xfrm>
-        </p:grpSpPr>
-        <p:sp>
-          <p:nvSpPr>
-            <p:cNvPr id="11" name="TextBox 10"/>
-            <p:cNvSpPr txBox="1"/>
-            <p:nvPr/>
-          </p:nvSpPr>
-          <p:spPr>
-            <a:xfrm>
-              <a:off x="803640" y="3579862"/>
-              <a:ext cx="2059657" cy="830997"/>
-            </a:xfrm>
-            <a:prstGeom prst="rect">
-              <a:avLst/>
-            </a:prstGeom>
-            <a:noFill/>
-          </p:spPr>
-          <p:txBody>
-            <a:bodyPr wrap="square" rtlCol="0" anchor="ctr">
-              <a:spAutoFit/>
-            </a:bodyPr>
-            <a:lstStyle/>
-            <a:p>
-              <a:r>
-                <a:rPr lang="en-US" altLang="ko-KR" sz="1200" dirty="0">
-                  <a:solidFill>
-                    <a:schemeClr val="tx1">
-                      <a:lumMod val="75000"/>
-                      <a:lumOff val="25000"/>
-                    </a:schemeClr>
-                  </a:solidFill>
-                  <a:cs typeface="Arial" pitchFamily="34" charset="0"/>
-                </a:rPr>
-                <a:t>You can simply impress your audience and add a unique zing and appeal to your Presentations.     </a:t>
-              </a:r>
-              <a:endParaRPr lang="ko-KR" altLang="en-US" sz="1200" dirty="0">
-                <a:solidFill>
-                  <a:schemeClr val="tx1">
-                    <a:lumMod val="75000"/>
-                    <a:lumOff val="25000"/>
-                  </a:schemeClr>
-                </a:solidFill>
-                <a:cs typeface="Arial" pitchFamily="34" charset="0"/>
-              </a:endParaRPr>
-            </a:p>
-          </p:txBody>
-        </p:sp>
-        <p:sp>
-          <p:nvSpPr>
-            <p:cNvPr id="12" name="TextBox 11"/>
-            <p:cNvSpPr txBox="1"/>
-            <p:nvPr/>
-          </p:nvSpPr>
-          <p:spPr>
-            <a:xfrm>
-              <a:off x="803640" y="3362835"/>
-              <a:ext cx="2059657" cy="276999"/>
-            </a:xfrm>
-            <a:prstGeom prst="rect">
-              <a:avLst/>
-            </a:prstGeom>
-            <a:noFill/>
-          </p:spPr>
-          <p:txBody>
-            <a:bodyPr wrap="square" rtlCol="0" anchor="ctr">
-              <a:spAutoFit/>
-            </a:bodyPr>
-            <a:lstStyle/>
-            <a:p>
-              <a:r>
-                <a:rPr lang="en-US" altLang="ko-KR" sz="1200" b="1" dirty="0">
-                  <a:solidFill>
-                    <a:schemeClr val="tx1">
-                      <a:lumMod val="75000"/>
-                      <a:lumOff val="25000"/>
-                    </a:schemeClr>
-                  </a:solidFill>
-                  <a:cs typeface="Arial" pitchFamily="34" charset="0"/>
-                </a:rPr>
-                <a:t>Your Text  Here</a:t>
-              </a:r>
-              <a:endParaRPr lang="ko-KR" altLang="en-US" sz="1200" b="1" dirty="0">
-                <a:solidFill>
-                  <a:schemeClr val="tx1">
-                    <a:lumMod val="75000"/>
-                    <a:lumOff val="25000"/>
-                  </a:schemeClr>
-                </a:solidFill>
-                <a:cs typeface="Arial" pitchFamily="34" charset="0"/>
-              </a:endParaRPr>
-            </a:p>
-          </p:txBody>
-        </p:sp>
-      </p:grpSp>
       <p:sp>
         <p:nvSpPr>
-          <p:cNvPr id="13" name="TextBox 12"/>
+          <p:cNvPr id="8" name="TextBox 7"/>
           <p:cNvSpPr txBox="1"/>
           <p:nvPr/>
         </p:nvSpPr>
         <p:spPr>
           <a:xfrm>
-            <a:off x="626190" y="1421363"/>
-            <a:ext cx="2001594" cy="646331"/>
+            <a:off x="179512" y="1389327"/>
+            <a:ext cx="2311377" cy="2554545"/>
           </a:xfrm>
           <a:prstGeom prst="rect">
             <a:avLst/>
@@ -14506,13 +14120,866 @@
           <a:p>
             <a:pPr algn="r"/>
             <a:r>
-              <a:rPr lang="en-US" altLang="ko-KR" b="1" dirty="0">
-                <a:solidFill>
-                  <a:schemeClr val="accent3"/>
+              <a:rPr lang="en-US" altLang="ko-KR" sz="1600" dirty="0">
+                <a:solidFill>
+                  <a:schemeClr val="tx1">
+                    <a:lumMod val="75000"/>
+                    <a:lumOff val="25000"/>
+                  </a:schemeClr>
                 </a:solidFill>
                 <a:cs typeface="Arial" pitchFamily="34" charset="0"/>
               </a:rPr>
-              <a:t>Modern  PowerPoint</a:t>
+              <a:t>Client </a:t>
+            </a:r>
+            <a:r>
+              <a:rPr lang="en-US" altLang="ko-KR" sz="1600" dirty="0" err="1">
+                <a:solidFill>
+                  <a:schemeClr val="tx1">
+                    <a:lumMod val="75000"/>
+                    <a:lumOff val="25000"/>
+                  </a:schemeClr>
+                </a:solidFill>
+                <a:cs typeface="Arial" pitchFamily="34" charset="0"/>
+              </a:rPr>
+              <a:t>dapat</a:t>
+            </a:r>
+            <a:r>
+              <a:rPr lang="en-US" altLang="ko-KR" sz="1600" dirty="0">
+                <a:solidFill>
+                  <a:schemeClr val="tx1">
+                    <a:lumMod val="75000"/>
+                    <a:lumOff val="25000"/>
+                  </a:schemeClr>
+                </a:solidFill>
+                <a:cs typeface="Arial" pitchFamily="34" charset="0"/>
+              </a:rPr>
+              <a:t> </a:t>
+            </a:r>
+            <a:r>
+              <a:rPr lang="en-US" altLang="ko-KR" sz="1600" dirty="0" err="1">
+                <a:solidFill>
+                  <a:schemeClr val="tx1">
+                    <a:lumMod val="75000"/>
+                    <a:lumOff val="25000"/>
+                  </a:schemeClr>
+                </a:solidFill>
+                <a:cs typeface="Arial" pitchFamily="34" charset="0"/>
+              </a:rPr>
+              <a:t>mengupload</a:t>
+            </a:r>
+            <a:r>
+              <a:rPr lang="en-US" altLang="ko-KR" sz="1600" dirty="0">
+                <a:solidFill>
+                  <a:schemeClr val="tx1">
+                    <a:lumMod val="75000"/>
+                    <a:lumOff val="25000"/>
+                  </a:schemeClr>
+                </a:solidFill>
+                <a:cs typeface="Arial" pitchFamily="34" charset="0"/>
+              </a:rPr>
+              <a:t> </a:t>
+            </a:r>
+            <a:r>
+              <a:rPr lang="en-US" altLang="ko-KR" sz="1600" dirty="0" err="1">
+                <a:solidFill>
+                  <a:schemeClr val="tx1">
+                    <a:lumMod val="75000"/>
+                    <a:lumOff val="25000"/>
+                  </a:schemeClr>
+                </a:solidFill>
+                <a:cs typeface="Arial" pitchFamily="34" charset="0"/>
+              </a:rPr>
+              <a:t>dokumen</a:t>
+            </a:r>
+            <a:r>
+              <a:rPr lang="en-US" altLang="ko-KR" sz="1600" dirty="0">
+                <a:solidFill>
+                  <a:schemeClr val="tx1">
+                    <a:lumMod val="75000"/>
+                    <a:lumOff val="25000"/>
+                  </a:schemeClr>
+                </a:solidFill>
+                <a:cs typeface="Arial" pitchFamily="34" charset="0"/>
+              </a:rPr>
+              <a:t> </a:t>
+            </a:r>
+            <a:r>
+              <a:rPr lang="en-US" altLang="ko-KR" sz="1600" dirty="0" err="1">
+                <a:solidFill>
+                  <a:schemeClr val="tx1">
+                    <a:lumMod val="75000"/>
+                    <a:lumOff val="25000"/>
+                  </a:schemeClr>
+                </a:solidFill>
+                <a:cs typeface="Arial" pitchFamily="34" charset="0"/>
+              </a:rPr>
+              <a:t>dalam</a:t>
+            </a:r>
+            <a:r>
+              <a:rPr lang="en-US" altLang="ko-KR" sz="1600" dirty="0">
+                <a:solidFill>
+                  <a:schemeClr val="tx1">
+                    <a:lumMod val="75000"/>
+                    <a:lumOff val="25000"/>
+                  </a:schemeClr>
+                </a:solidFill>
+                <a:cs typeface="Arial" pitchFamily="34" charset="0"/>
+              </a:rPr>
+              <a:t> </a:t>
+            </a:r>
+            <a:r>
+              <a:rPr lang="en-US" altLang="ko-KR" sz="1600" dirty="0" err="1">
+                <a:solidFill>
+                  <a:schemeClr val="tx1">
+                    <a:lumMod val="75000"/>
+                    <a:lumOff val="25000"/>
+                  </a:schemeClr>
+                </a:solidFill>
+                <a:cs typeface="Arial" pitchFamily="34" charset="0"/>
+              </a:rPr>
+              <a:t>bentuk</a:t>
+            </a:r>
+            <a:r>
+              <a:rPr lang="en-US" altLang="ko-KR" sz="1600" dirty="0">
+                <a:solidFill>
+                  <a:schemeClr val="tx1">
+                    <a:lumMod val="75000"/>
+                    <a:lumOff val="25000"/>
+                  </a:schemeClr>
+                </a:solidFill>
+                <a:cs typeface="Arial" pitchFamily="34" charset="0"/>
+              </a:rPr>
+              <a:t> file </a:t>
+            </a:r>
+            <a:r>
+              <a:rPr lang="en-US" altLang="ko-KR" sz="1600" dirty="0" err="1">
+                <a:solidFill>
+                  <a:schemeClr val="tx1">
+                    <a:lumMod val="75000"/>
+                    <a:lumOff val="25000"/>
+                  </a:schemeClr>
+                </a:solidFill>
+                <a:cs typeface="Arial" pitchFamily="34" charset="0"/>
+              </a:rPr>
+              <a:t>atau</a:t>
+            </a:r>
+            <a:r>
+              <a:rPr lang="en-US" altLang="ko-KR" sz="1600" dirty="0">
+                <a:solidFill>
+                  <a:schemeClr val="tx1">
+                    <a:lumMod val="75000"/>
+                    <a:lumOff val="25000"/>
+                  </a:schemeClr>
+                </a:solidFill>
+                <a:cs typeface="Arial" pitchFamily="34" charset="0"/>
+              </a:rPr>
+              <a:t> </a:t>
+            </a:r>
+            <a:r>
+              <a:rPr lang="en-US" altLang="ko-KR" sz="1600" dirty="0" err="1">
+                <a:solidFill>
+                  <a:schemeClr val="tx1">
+                    <a:lumMod val="75000"/>
+                    <a:lumOff val="25000"/>
+                  </a:schemeClr>
+                </a:solidFill>
+                <a:cs typeface="Arial" pitchFamily="34" charset="0"/>
+              </a:rPr>
+              <a:t>gambar</a:t>
+            </a:r>
+            <a:r>
+              <a:rPr lang="en-US" altLang="ko-KR" sz="1600" dirty="0">
+                <a:solidFill>
+                  <a:schemeClr val="tx1">
+                    <a:lumMod val="75000"/>
+                    <a:lumOff val="25000"/>
+                  </a:schemeClr>
+                </a:solidFill>
+                <a:cs typeface="Arial" pitchFamily="34" charset="0"/>
+              </a:rPr>
+              <a:t>.</a:t>
+            </a:r>
+          </a:p>
+          <a:p>
+            <a:pPr algn="r"/>
+            <a:endParaRPr lang="en-US" altLang="ko-KR" sz="1600" dirty="0">
+              <a:solidFill>
+                <a:schemeClr val="tx1">
+                  <a:lumMod val="75000"/>
+                  <a:lumOff val="25000"/>
+                </a:schemeClr>
+              </a:solidFill>
+              <a:cs typeface="Arial" pitchFamily="34" charset="0"/>
+            </a:endParaRPr>
+          </a:p>
+          <a:p>
+            <a:pPr algn="r"/>
+            <a:r>
+              <a:rPr lang="en-US" altLang="ko-KR" sz="1600" dirty="0">
+                <a:solidFill>
+                  <a:schemeClr val="tx1">
+                    <a:lumMod val="75000"/>
+                    <a:lumOff val="25000"/>
+                  </a:schemeClr>
+                </a:solidFill>
+                <a:cs typeface="Arial" pitchFamily="34" charset="0"/>
+              </a:rPr>
+              <a:t>Client </a:t>
+            </a:r>
+            <a:r>
+              <a:rPr lang="en-US" altLang="ko-KR" sz="1600" dirty="0" err="1">
+                <a:solidFill>
+                  <a:schemeClr val="tx1">
+                    <a:lumMod val="75000"/>
+                    <a:lumOff val="25000"/>
+                  </a:schemeClr>
+                </a:solidFill>
+                <a:cs typeface="Arial" pitchFamily="34" charset="0"/>
+              </a:rPr>
+              <a:t>akan</a:t>
+            </a:r>
+            <a:r>
+              <a:rPr lang="en-US" altLang="ko-KR" sz="1600" dirty="0">
+                <a:solidFill>
+                  <a:schemeClr val="tx1">
+                    <a:lumMod val="75000"/>
+                    <a:lumOff val="25000"/>
+                  </a:schemeClr>
+                </a:solidFill>
+                <a:cs typeface="Arial" pitchFamily="34" charset="0"/>
+              </a:rPr>
+              <a:t> </a:t>
+            </a:r>
+            <a:r>
+              <a:rPr lang="en-US" altLang="ko-KR" sz="1600" dirty="0" err="1">
+                <a:solidFill>
+                  <a:schemeClr val="tx1">
+                    <a:lumMod val="75000"/>
+                    <a:lumOff val="25000"/>
+                  </a:schemeClr>
+                </a:solidFill>
+                <a:cs typeface="Arial" pitchFamily="34" charset="0"/>
+              </a:rPr>
+              <a:t>memberikan</a:t>
+            </a:r>
+            <a:r>
+              <a:rPr lang="en-US" altLang="ko-KR" sz="1600" dirty="0">
+                <a:solidFill>
+                  <a:schemeClr val="tx1">
+                    <a:lumMod val="75000"/>
+                    <a:lumOff val="25000"/>
+                  </a:schemeClr>
+                </a:solidFill>
+                <a:cs typeface="Arial" pitchFamily="34" charset="0"/>
+              </a:rPr>
+              <a:t> </a:t>
+            </a:r>
+            <a:r>
+              <a:rPr lang="en-US" altLang="ko-KR" sz="1600" dirty="0" err="1">
+                <a:solidFill>
+                  <a:schemeClr val="tx1">
+                    <a:lumMod val="75000"/>
+                    <a:lumOff val="25000"/>
+                  </a:schemeClr>
+                </a:solidFill>
+                <a:cs typeface="Arial" pitchFamily="34" charset="0"/>
+              </a:rPr>
+              <a:t>konfirmasi</a:t>
+            </a:r>
+            <a:r>
+              <a:rPr lang="en-US" altLang="ko-KR" sz="1600" dirty="0">
+                <a:solidFill>
+                  <a:schemeClr val="tx1">
+                    <a:lumMod val="75000"/>
+                    <a:lumOff val="25000"/>
+                  </a:schemeClr>
+                </a:solidFill>
+                <a:cs typeface="Arial" pitchFamily="34" charset="0"/>
+              </a:rPr>
+              <a:t> </a:t>
+            </a:r>
+            <a:r>
+              <a:rPr lang="en-US" altLang="ko-KR" sz="1600" dirty="0" err="1">
+                <a:solidFill>
+                  <a:schemeClr val="tx1">
+                    <a:lumMod val="75000"/>
+                    <a:lumOff val="25000"/>
+                  </a:schemeClr>
+                </a:solidFill>
+                <a:cs typeface="Arial" pitchFamily="34" charset="0"/>
+              </a:rPr>
+              <a:t>apabila</a:t>
+            </a:r>
+            <a:r>
+              <a:rPr lang="en-US" altLang="ko-KR" sz="1600" dirty="0">
+                <a:solidFill>
+                  <a:schemeClr val="tx1">
+                    <a:lumMod val="75000"/>
+                    <a:lumOff val="25000"/>
+                  </a:schemeClr>
+                </a:solidFill>
+                <a:cs typeface="Arial" pitchFamily="34" charset="0"/>
+              </a:rPr>
+              <a:t> </a:t>
+            </a:r>
+            <a:r>
+              <a:rPr lang="en-US" altLang="ko-KR" sz="1600" dirty="0" err="1">
+                <a:solidFill>
+                  <a:schemeClr val="tx1">
+                    <a:lumMod val="75000"/>
+                    <a:lumOff val="25000"/>
+                  </a:schemeClr>
+                </a:solidFill>
+                <a:cs typeface="Arial" pitchFamily="34" charset="0"/>
+              </a:rPr>
+              <a:t>terdapat</a:t>
+            </a:r>
+            <a:r>
+              <a:rPr lang="en-US" altLang="ko-KR" sz="1600" dirty="0">
+                <a:solidFill>
+                  <a:schemeClr val="tx1">
+                    <a:lumMod val="75000"/>
+                    <a:lumOff val="25000"/>
+                  </a:schemeClr>
+                </a:solidFill>
+                <a:cs typeface="Arial" pitchFamily="34" charset="0"/>
+              </a:rPr>
+              <a:t> </a:t>
+            </a:r>
+            <a:r>
+              <a:rPr lang="en-US" altLang="ko-KR" sz="1600" dirty="0" err="1">
+                <a:solidFill>
+                  <a:schemeClr val="tx1">
+                    <a:lumMod val="75000"/>
+                    <a:lumOff val="25000"/>
+                  </a:schemeClr>
+                </a:solidFill>
+                <a:cs typeface="Arial" pitchFamily="34" charset="0"/>
+              </a:rPr>
+              <a:t>permintaan</a:t>
+            </a:r>
+            <a:r>
+              <a:rPr lang="en-US" altLang="ko-KR" sz="1600" dirty="0">
+                <a:solidFill>
+                  <a:schemeClr val="tx1">
+                    <a:lumMod val="75000"/>
+                    <a:lumOff val="25000"/>
+                  </a:schemeClr>
+                </a:solidFill>
+                <a:cs typeface="Arial" pitchFamily="34" charset="0"/>
+              </a:rPr>
+              <a:t> </a:t>
+            </a:r>
+            <a:r>
+              <a:rPr lang="en-US" altLang="ko-KR" sz="1600" dirty="0" err="1">
+                <a:solidFill>
+                  <a:schemeClr val="tx1">
+                    <a:lumMod val="75000"/>
+                    <a:lumOff val="25000"/>
+                  </a:schemeClr>
+                </a:solidFill>
+                <a:cs typeface="Arial" pitchFamily="34" charset="0"/>
+              </a:rPr>
+              <a:t>penerjemah</a:t>
+            </a:r>
+            <a:r>
+              <a:rPr lang="en-US" altLang="ko-KR" sz="1600" dirty="0">
+                <a:solidFill>
+                  <a:schemeClr val="tx1">
+                    <a:lumMod val="75000"/>
+                    <a:lumOff val="25000"/>
+                  </a:schemeClr>
+                </a:solidFill>
+                <a:cs typeface="Arial" pitchFamily="34" charset="0"/>
+              </a:rPr>
+              <a:t>. </a:t>
+            </a:r>
+            <a:endParaRPr lang="ko-KR" altLang="en-US" sz="1600" dirty="0">
+              <a:solidFill>
+                <a:schemeClr val="tx1">
+                  <a:lumMod val="75000"/>
+                  <a:lumOff val="25000"/>
+                </a:schemeClr>
+              </a:solidFill>
+              <a:cs typeface="Arial" pitchFamily="34" charset="0"/>
+            </a:endParaRPr>
+          </a:p>
+        </p:txBody>
+      </p:sp>
+      <p:sp>
+        <p:nvSpPr>
+          <p:cNvPr id="11" name="TextBox 10"/>
+          <p:cNvSpPr txBox="1"/>
+          <p:nvPr/>
+        </p:nvSpPr>
+        <p:spPr>
+          <a:xfrm>
+            <a:off x="6110020" y="1400707"/>
+            <a:ext cx="2712571" cy="2554545"/>
+          </a:xfrm>
+          <a:prstGeom prst="rect">
+            <a:avLst/>
+          </a:prstGeom>
+          <a:noFill/>
+        </p:spPr>
+        <p:txBody>
+          <a:bodyPr wrap="square" rtlCol="0" anchor="ctr">
+            <a:spAutoFit/>
+          </a:bodyPr>
+          <a:lstStyle/>
+          <a:p>
+            <a:r>
+              <a:rPr lang="en-US" altLang="ko-KR" sz="1600" dirty="0" err="1">
+                <a:solidFill>
+                  <a:schemeClr val="tx1">
+                    <a:lumMod val="75000"/>
+                    <a:lumOff val="25000"/>
+                  </a:schemeClr>
+                </a:solidFill>
+                <a:cs typeface="Arial" pitchFamily="34" charset="0"/>
+              </a:rPr>
+              <a:t>Penerjemah</a:t>
+            </a:r>
+            <a:r>
+              <a:rPr lang="en-US" altLang="ko-KR" sz="1600" dirty="0">
+                <a:solidFill>
+                  <a:schemeClr val="tx1">
+                    <a:lumMod val="75000"/>
+                    <a:lumOff val="25000"/>
+                  </a:schemeClr>
+                </a:solidFill>
+                <a:cs typeface="Arial" pitchFamily="34" charset="0"/>
+              </a:rPr>
+              <a:t> </a:t>
+            </a:r>
+            <a:r>
+              <a:rPr lang="en-US" altLang="ko-KR" sz="1600" dirty="0" err="1">
+                <a:solidFill>
+                  <a:schemeClr val="tx1">
+                    <a:lumMod val="75000"/>
+                    <a:lumOff val="25000"/>
+                  </a:schemeClr>
+                </a:solidFill>
+                <a:cs typeface="Arial" pitchFamily="34" charset="0"/>
+              </a:rPr>
+              <a:t>dapat</a:t>
+            </a:r>
+            <a:r>
+              <a:rPr lang="en-US" altLang="ko-KR" sz="1600" dirty="0">
+                <a:solidFill>
+                  <a:schemeClr val="tx1">
+                    <a:lumMod val="75000"/>
+                    <a:lumOff val="25000"/>
+                  </a:schemeClr>
+                </a:solidFill>
+                <a:cs typeface="Arial" pitchFamily="34" charset="0"/>
+              </a:rPr>
+              <a:t> </a:t>
+            </a:r>
+            <a:r>
+              <a:rPr lang="en-US" altLang="ko-KR" sz="1600" dirty="0" err="1">
+                <a:solidFill>
+                  <a:schemeClr val="tx1">
+                    <a:lumMod val="75000"/>
+                    <a:lumOff val="25000"/>
+                  </a:schemeClr>
+                </a:solidFill>
+                <a:cs typeface="Arial" pitchFamily="34" charset="0"/>
+              </a:rPr>
+              <a:t>mencari</a:t>
+            </a:r>
+            <a:r>
+              <a:rPr lang="en-US" altLang="ko-KR" sz="1600" dirty="0">
+                <a:solidFill>
+                  <a:schemeClr val="tx1">
+                    <a:lumMod val="75000"/>
+                    <a:lumOff val="25000"/>
+                  </a:schemeClr>
+                </a:solidFill>
+                <a:cs typeface="Arial" pitchFamily="34" charset="0"/>
+              </a:rPr>
+              <a:t> </a:t>
+            </a:r>
+            <a:r>
+              <a:rPr lang="en-US" altLang="ko-KR" sz="1600" dirty="0" err="1">
+                <a:solidFill>
+                  <a:schemeClr val="tx1">
+                    <a:lumMod val="75000"/>
+                    <a:lumOff val="25000"/>
+                  </a:schemeClr>
+                </a:solidFill>
+                <a:cs typeface="Arial" pitchFamily="34" charset="0"/>
+              </a:rPr>
+              <a:t>dokumen</a:t>
+            </a:r>
+            <a:r>
+              <a:rPr lang="en-US" altLang="ko-KR" sz="1600" dirty="0">
+                <a:solidFill>
+                  <a:schemeClr val="tx1">
+                    <a:lumMod val="75000"/>
+                    <a:lumOff val="25000"/>
+                  </a:schemeClr>
+                </a:solidFill>
+                <a:cs typeface="Arial" pitchFamily="34" charset="0"/>
+              </a:rPr>
+              <a:t> yang </a:t>
+            </a:r>
+            <a:r>
+              <a:rPr lang="en-US" altLang="ko-KR" sz="1600" dirty="0" err="1">
+                <a:solidFill>
+                  <a:schemeClr val="tx1">
+                    <a:lumMod val="75000"/>
+                    <a:lumOff val="25000"/>
+                  </a:schemeClr>
+                </a:solidFill>
+                <a:cs typeface="Arial" pitchFamily="34" charset="0"/>
+              </a:rPr>
+              <a:t>ingin</a:t>
+            </a:r>
+            <a:r>
+              <a:rPr lang="en-US" altLang="ko-KR" sz="1600" dirty="0">
+                <a:solidFill>
+                  <a:schemeClr val="tx1">
+                    <a:lumMod val="75000"/>
+                    <a:lumOff val="25000"/>
+                  </a:schemeClr>
+                </a:solidFill>
+                <a:cs typeface="Arial" pitchFamily="34" charset="0"/>
+              </a:rPr>
+              <a:t> </a:t>
+            </a:r>
+            <a:r>
+              <a:rPr lang="en-US" altLang="ko-KR" sz="1600" dirty="0" err="1">
+                <a:solidFill>
+                  <a:schemeClr val="tx1">
+                    <a:lumMod val="75000"/>
+                    <a:lumOff val="25000"/>
+                  </a:schemeClr>
+                </a:solidFill>
+                <a:cs typeface="Arial" pitchFamily="34" charset="0"/>
+              </a:rPr>
+              <a:t>diterjemahkan</a:t>
+            </a:r>
+            <a:r>
+              <a:rPr lang="en-US" altLang="ko-KR" sz="1600" dirty="0">
+                <a:solidFill>
+                  <a:schemeClr val="tx1">
+                    <a:lumMod val="75000"/>
+                    <a:lumOff val="25000"/>
+                  </a:schemeClr>
+                </a:solidFill>
+                <a:cs typeface="Arial" pitchFamily="34" charset="0"/>
+              </a:rPr>
+              <a:t> pada timeline.</a:t>
+            </a:r>
+          </a:p>
+          <a:p>
+            <a:endParaRPr lang="en-US" altLang="ko-KR" sz="1600" dirty="0">
+              <a:solidFill>
+                <a:schemeClr val="tx1">
+                  <a:lumMod val="75000"/>
+                  <a:lumOff val="25000"/>
+                </a:schemeClr>
+              </a:solidFill>
+              <a:cs typeface="Arial" pitchFamily="34" charset="0"/>
+            </a:endParaRPr>
+          </a:p>
+          <a:p>
+            <a:r>
+              <a:rPr lang="en-US" altLang="ko-KR" sz="1600" dirty="0" err="1">
+                <a:solidFill>
+                  <a:schemeClr val="tx1">
+                    <a:lumMod val="75000"/>
+                    <a:lumOff val="25000"/>
+                  </a:schemeClr>
+                </a:solidFill>
+                <a:cs typeface="Arial" pitchFamily="34" charset="0"/>
+              </a:rPr>
+              <a:t>Penerjemah</a:t>
+            </a:r>
+            <a:r>
+              <a:rPr lang="en-US" altLang="ko-KR" sz="1600" dirty="0">
+                <a:solidFill>
+                  <a:schemeClr val="tx1">
+                    <a:lumMod val="75000"/>
+                    <a:lumOff val="25000"/>
+                  </a:schemeClr>
+                </a:solidFill>
+                <a:cs typeface="Arial" pitchFamily="34" charset="0"/>
+              </a:rPr>
+              <a:t> </a:t>
+            </a:r>
+            <a:r>
+              <a:rPr lang="en-US" altLang="ko-KR" sz="1600" dirty="0" err="1">
+                <a:solidFill>
+                  <a:schemeClr val="tx1">
+                    <a:lumMod val="75000"/>
+                    <a:lumOff val="25000"/>
+                  </a:schemeClr>
+                </a:solidFill>
+                <a:cs typeface="Arial" pitchFamily="34" charset="0"/>
+              </a:rPr>
+              <a:t>perlu</a:t>
+            </a:r>
+            <a:r>
+              <a:rPr lang="en-US" altLang="ko-KR" sz="1600" dirty="0">
+                <a:solidFill>
+                  <a:schemeClr val="tx1">
+                    <a:lumMod val="75000"/>
+                    <a:lumOff val="25000"/>
+                  </a:schemeClr>
+                </a:solidFill>
+                <a:cs typeface="Arial" pitchFamily="34" charset="0"/>
+              </a:rPr>
+              <a:t> </a:t>
+            </a:r>
+            <a:r>
+              <a:rPr lang="en-US" altLang="ko-KR" sz="1600" dirty="0" err="1">
+                <a:solidFill>
+                  <a:schemeClr val="tx1">
+                    <a:lumMod val="75000"/>
+                    <a:lumOff val="25000"/>
+                  </a:schemeClr>
+                </a:solidFill>
+                <a:cs typeface="Arial" pitchFamily="34" charset="0"/>
+              </a:rPr>
+              <a:t>mengajukan</a:t>
+            </a:r>
+            <a:r>
+              <a:rPr lang="en-US" altLang="ko-KR" sz="1600" dirty="0">
+                <a:solidFill>
+                  <a:schemeClr val="tx1">
+                    <a:lumMod val="75000"/>
+                    <a:lumOff val="25000"/>
+                  </a:schemeClr>
+                </a:solidFill>
+                <a:cs typeface="Arial" pitchFamily="34" charset="0"/>
+              </a:rPr>
+              <a:t> </a:t>
+            </a:r>
+            <a:r>
+              <a:rPr lang="en-US" altLang="ko-KR" sz="1600" dirty="0" err="1">
+                <a:solidFill>
+                  <a:schemeClr val="tx1">
+                    <a:lumMod val="75000"/>
+                    <a:lumOff val="25000"/>
+                  </a:schemeClr>
+                </a:solidFill>
+                <a:cs typeface="Arial" pitchFamily="34" charset="0"/>
+              </a:rPr>
+              <a:t>permintaan</a:t>
+            </a:r>
+            <a:r>
+              <a:rPr lang="en-US" altLang="ko-KR" sz="1600" dirty="0">
+                <a:solidFill>
+                  <a:schemeClr val="tx1">
+                    <a:lumMod val="75000"/>
+                    <a:lumOff val="25000"/>
+                  </a:schemeClr>
+                </a:solidFill>
+                <a:cs typeface="Arial" pitchFamily="34" charset="0"/>
+              </a:rPr>
+              <a:t> </a:t>
+            </a:r>
+            <a:r>
+              <a:rPr lang="en-US" altLang="ko-KR" sz="1600" dirty="0" err="1">
+                <a:solidFill>
+                  <a:schemeClr val="tx1">
+                    <a:lumMod val="75000"/>
+                    <a:lumOff val="25000"/>
+                  </a:schemeClr>
+                </a:solidFill>
+                <a:cs typeface="Arial" pitchFamily="34" charset="0"/>
+              </a:rPr>
+              <a:t>untuk</a:t>
+            </a:r>
+            <a:r>
+              <a:rPr lang="en-US" altLang="ko-KR" sz="1600" dirty="0">
+                <a:solidFill>
+                  <a:schemeClr val="tx1">
+                    <a:lumMod val="75000"/>
+                    <a:lumOff val="25000"/>
+                  </a:schemeClr>
+                </a:solidFill>
+                <a:cs typeface="Arial" pitchFamily="34" charset="0"/>
+              </a:rPr>
+              <a:t>  </a:t>
+            </a:r>
+            <a:r>
+              <a:rPr lang="en-US" altLang="ko-KR" sz="1600" dirty="0" err="1">
+                <a:solidFill>
+                  <a:schemeClr val="tx1">
+                    <a:lumMod val="75000"/>
+                    <a:lumOff val="25000"/>
+                  </a:schemeClr>
+                </a:solidFill>
+                <a:cs typeface="Arial" pitchFamily="34" charset="0"/>
+              </a:rPr>
+              <a:t>menjadi</a:t>
+            </a:r>
+            <a:r>
+              <a:rPr lang="en-US" altLang="ko-KR" sz="1600" dirty="0">
+                <a:solidFill>
+                  <a:schemeClr val="tx1">
+                    <a:lumMod val="75000"/>
+                    <a:lumOff val="25000"/>
+                  </a:schemeClr>
+                </a:solidFill>
+                <a:cs typeface="Arial" pitchFamily="34" charset="0"/>
+              </a:rPr>
+              <a:t> </a:t>
+            </a:r>
+            <a:r>
+              <a:rPr lang="en-US" altLang="ko-KR" sz="1600" dirty="0" err="1">
+                <a:solidFill>
+                  <a:schemeClr val="tx1">
+                    <a:lumMod val="75000"/>
+                    <a:lumOff val="25000"/>
+                  </a:schemeClr>
+                </a:solidFill>
+                <a:cs typeface="Arial" pitchFamily="34" charset="0"/>
+              </a:rPr>
+              <a:t>penerjemah</a:t>
+            </a:r>
+            <a:r>
+              <a:rPr lang="en-US" altLang="ko-KR" sz="1600" dirty="0">
+                <a:solidFill>
+                  <a:schemeClr val="tx1">
+                    <a:lumMod val="75000"/>
+                    <a:lumOff val="25000"/>
+                  </a:schemeClr>
+                </a:solidFill>
+                <a:cs typeface="Arial" pitchFamily="34" charset="0"/>
+              </a:rPr>
+              <a:t> agar </a:t>
+            </a:r>
+            <a:r>
+              <a:rPr lang="en-US" altLang="ko-KR" sz="1600" dirty="0" err="1">
+                <a:solidFill>
+                  <a:schemeClr val="tx1">
+                    <a:lumMod val="75000"/>
+                    <a:lumOff val="25000"/>
+                  </a:schemeClr>
+                </a:solidFill>
+                <a:cs typeface="Arial" pitchFamily="34" charset="0"/>
+              </a:rPr>
+              <a:t>dapat</a:t>
+            </a:r>
+            <a:r>
+              <a:rPr lang="en-US" altLang="ko-KR" sz="1600" dirty="0">
+                <a:solidFill>
+                  <a:schemeClr val="tx1">
+                    <a:lumMod val="75000"/>
+                    <a:lumOff val="25000"/>
+                  </a:schemeClr>
+                </a:solidFill>
+                <a:cs typeface="Arial" pitchFamily="34" charset="0"/>
+              </a:rPr>
+              <a:t> </a:t>
+            </a:r>
+            <a:r>
+              <a:rPr lang="en-US" altLang="ko-KR" sz="1600" dirty="0" err="1">
+                <a:solidFill>
+                  <a:schemeClr val="tx1">
+                    <a:lumMod val="75000"/>
+                    <a:lumOff val="25000"/>
+                  </a:schemeClr>
+                </a:solidFill>
+                <a:cs typeface="Arial" pitchFamily="34" charset="0"/>
+              </a:rPr>
+              <a:t>mendownload</a:t>
+            </a:r>
+            <a:r>
+              <a:rPr lang="en-US" altLang="ko-KR" sz="1600" dirty="0">
+                <a:solidFill>
+                  <a:schemeClr val="tx1">
+                    <a:lumMod val="75000"/>
+                    <a:lumOff val="25000"/>
+                  </a:schemeClr>
+                </a:solidFill>
+                <a:cs typeface="Arial" pitchFamily="34" charset="0"/>
+              </a:rPr>
+              <a:t> file yang </a:t>
+            </a:r>
+            <a:r>
+              <a:rPr lang="en-US" altLang="ko-KR" sz="1600" dirty="0" err="1">
+                <a:solidFill>
+                  <a:schemeClr val="tx1">
+                    <a:lumMod val="75000"/>
+                    <a:lumOff val="25000"/>
+                  </a:schemeClr>
+                </a:solidFill>
+                <a:cs typeface="Arial" pitchFamily="34" charset="0"/>
+              </a:rPr>
+              <a:t>akan</a:t>
+            </a:r>
+            <a:r>
+              <a:rPr lang="en-US" altLang="ko-KR" sz="1600" dirty="0">
+                <a:solidFill>
+                  <a:schemeClr val="tx1">
+                    <a:lumMod val="75000"/>
+                    <a:lumOff val="25000"/>
+                  </a:schemeClr>
+                </a:solidFill>
+                <a:cs typeface="Arial" pitchFamily="34" charset="0"/>
+              </a:rPr>
+              <a:t> </a:t>
+            </a:r>
+            <a:r>
+              <a:rPr lang="en-US" altLang="ko-KR" sz="1600" dirty="0" err="1">
+                <a:solidFill>
+                  <a:schemeClr val="tx1">
+                    <a:lumMod val="75000"/>
+                    <a:lumOff val="25000"/>
+                  </a:schemeClr>
+                </a:solidFill>
+                <a:cs typeface="Arial" pitchFamily="34" charset="0"/>
+              </a:rPr>
+              <a:t>diterjemah</a:t>
+            </a:r>
+            <a:endParaRPr lang="ko-KR" altLang="en-US" sz="1600" dirty="0">
+              <a:solidFill>
+                <a:schemeClr val="tx1">
+                  <a:lumMod val="75000"/>
+                  <a:lumOff val="25000"/>
+                </a:schemeClr>
+              </a:solidFill>
+              <a:cs typeface="Arial" pitchFamily="34" charset="0"/>
+            </a:endParaRPr>
+          </a:p>
+        </p:txBody>
+      </p:sp>
+      <p:sp>
+        <p:nvSpPr>
+          <p:cNvPr id="13" name="TextBox 12"/>
+          <p:cNvSpPr txBox="1"/>
+          <p:nvPr/>
+        </p:nvSpPr>
+        <p:spPr>
+          <a:xfrm>
+            <a:off x="1420397" y="1156973"/>
+            <a:ext cx="2001594" cy="369332"/>
+          </a:xfrm>
+          <a:prstGeom prst="rect">
+            <a:avLst/>
+          </a:prstGeom>
+          <a:noFill/>
+        </p:spPr>
+        <p:txBody>
+          <a:bodyPr wrap="square" rtlCol="0" anchor="ctr">
+            <a:spAutoFit/>
+          </a:bodyPr>
+          <a:lstStyle/>
+          <a:p>
+            <a:pPr algn="r"/>
+            <a:r>
+              <a:rPr lang="en-US" altLang="ko-KR" b="1" dirty="0">
+                <a:solidFill>
+                  <a:schemeClr val="accent3"/>
+                </a:solidFill>
+                <a:cs typeface="Arial" pitchFamily="34" charset="0"/>
+              </a:rPr>
+              <a:t>Client</a:t>
             </a:r>
             <a:endParaRPr lang="ko-KR" altLang="en-US" b="1" dirty="0">
               <a:solidFill>
@@ -14531,8 +14998,8 @@
         </p:nvSpPr>
         <p:spPr>
           <a:xfrm>
-            <a:off x="6387558" y="1419622"/>
-            <a:ext cx="2001594" cy="646331"/>
+            <a:off x="4716016" y="1156973"/>
+            <a:ext cx="2001594" cy="369332"/>
           </a:xfrm>
           <a:prstGeom prst="rect">
             <a:avLst/>
@@ -14546,13 +15013,13 @@
           <a:lstStyle/>
           <a:p>
             <a:r>
-              <a:rPr lang="en-US" altLang="ko-KR" b="1" dirty="0">
+              <a:rPr lang="en-US" altLang="ko-KR" b="1" dirty="0" err="1">
                 <a:solidFill>
                   <a:schemeClr val="accent4"/>
                 </a:solidFill>
                 <a:cs typeface="Arial" pitchFamily="34" charset="0"/>
               </a:rPr>
-              <a:t>Modern  PowerPoint</a:t>
+              <a:t>Penerjemah</a:t>
             </a:r>
             <a:endParaRPr lang="ko-KR" altLang="en-US" b="1" dirty="0">
               <a:solidFill>
@@ -14560,257 +15027,6 @@
               </a:solidFill>
               <a:cs typeface="Arial" pitchFamily="34" charset="0"/>
             </a:endParaRPr>
-          </a:p>
-        </p:txBody>
-      </p:sp>
-      <p:graphicFrame>
-        <p:nvGraphicFramePr>
-          <p:cNvPr id="16" name="Chart 7"/>
-          <p:cNvGraphicFramePr/>
-          <p:nvPr>
-            <p:extLst/>
-          </p:nvPr>
-        </p:nvGraphicFramePr>
-        <p:xfrm>
-          <a:off x="3873595" y="3398224"/>
-          <a:ext cx="1371701" cy="1477782"/>
-        </p:xfrm>
-        <a:graphic>
-          <a:graphicData uri="http://schemas.openxmlformats.org/drawingml/2006/chart">
-            <c:chart xmlns:c="http://schemas.openxmlformats.org/drawingml/2006/chart" xmlns:r="http://schemas.openxmlformats.org/officeDocument/2006/relationships" r:id="rId4"/>
-          </a:graphicData>
-        </a:graphic>
-      </p:graphicFrame>
-      <p:sp>
-        <p:nvSpPr>
-          <p:cNvPr id="18" name="TextBox 17"/>
-          <p:cNvSpPr txBox="1"/>
-          <p:nvPr/>
-        </p:nvSpPr>
-        <p:spPr>
-          <a:xfrm>
-            <a:off x="4158985" y="3950489"/>
-            <a:ext cx="800920" cy="461665"/>
-          </a:xfrm>
-          <a:prstGeom prst="rect">
-            <a:avLst/>
-          </a:prstGeom>
-          <a:noFill/>
-        </p:spPr>
-        <p:txBody>
-          <a:bodyPr wrap="square" rtlCol="0" anchor="ctr">
-            <a:spAutoFit/>
-          </a:bodyPr>
-          <a:lstStyle/>
-          <a:p>
-            <a:pPr algn="ctr"/>
-            <a:r>
-              <a:rPr lang="en-US" altLang="ko-KR" sz="2400" b="1" dirty="0">
-                <a:solidFill>
-                  <a:schemeClr val="tx1">
-                    <a:lumMod val="75000"/>
-                    <a:lumOff val="25000"/>
-                  </a:schemeClr>
-                </a:solidFill>
-                <a:cs typeface="Arial" pitchFamily="34" charset="0"/>
-              </a:rPr>
-              <a:t>80%</a:t>
-            </a:r>
-            <a:endParaRPr lang="ko-KR" altLang="en-US" sz="2400" b="1" dirty="0">
-              <a:solidFill>
-                <a:schemeClr val="tx1">
-                  <a:lumMod val="75000"/>
-                  <a:lumOff val="25000"/>
-                </a:schemeClr>
-              </a:solidFill>
-              <a:cs typeface="Arial" pitchFamily="34" charset="0"/>
-            </a:endParaRPr>
-          </a:p>
-        </p:txBody>
-      </p:sp>
-      <p:sp>
-        <p:nvSpPr>
-          <p:cNvPr id="19" name="Right Arrow 18"/>
-          <p:cNvSpPr/>
-          <p:nvPr/>
-        </p:nvSpPr>
-        <p:spPr>
-          <a:xfrm>
-            <a:off x="755576" y="3363838"/>
-            <a:ext cx="2816263" cy="1558484"/>
-          </a:xfrm>
-          <a:prstGeom prst="rightArrow">
-            <a:avLst>
-              <a:gd name="adj1" fmla="val 78163"/>
-              <a:gd name="adj2" fmla="val 43898"/>
-            </a:avLst>
-          </a:prstGeom>
-          <a:solidFill>
-            <a:schemeClr val="accent4"/>
-          </a:solidFill>
-          <a:ln>
-            <a:noFill/>
-          </a:ln>
-        </p:spPr>
-        <p:style>
-          <a:lnRef idx="2">
-            <a:schemeClr val="accent1">
-              <a:shade val="50000"/>
-            </a:schemeClr>
-          </a:lnRef>
-          <a:fillRef idx="1">
-            <a:schemeClr val="accent1"/>
-          </a:fillRef>
-          <a:effectRef idx="0">
-            <a:schemeClr val="accent1"/>
-          </a:effectRef>
-          <a:fontRef idx="minor">
-            <a:schemeClr val="lt1"/>
-          </a:fontRef>
-        </p:style>
-        <p:txBody>
-          <a:bodyPr rot="0" spcFirstLastPara="0" vertOverflow="overflow" horzOverflow="overflow" vert="horz" wrap="square" lIns="91440" tIns="45720" rIns="91440" bIns="45720" numCol="1" spcCol="0" rtlCol="0" fromWordArt="0" anchor="ctr" anchorCtr="0" forceAA="0" compatLnSpc="1">
-            <a:prstTxWarp prst="textNoShape">
-              <a:avLst/>
-            </a:prstTxWarp>
-            <a:noAutofit/>
-          </a:bodyPr>
-          <a:lstStyle/>
-          <a:p>
-            <a:pPr algn="ctr"/>
-            <a:endParaRPr lang="ko-KR" altLang="en-US"/>
-          </a:p>
-        </p:txBody>
-      </p:sp>
-      <p:grpSp>
-        <p:nvGrpSpPr>
-          <p:cNvPr id="20" name="Group 19"/>
-          <p:cNvGrpSpPr/>
-          <p:nvPr/>
-        </p:nvGrpSpPr>
-        <p:grpSpPr>
-          <a:xfrm>
-            <a:off x="1043608" y="3711401"/>
-            <a:ext cx="1776191" cy="863358"/>
-            <a:chOff x="803640" y="3362835"/>
-            <a:chExt cx="2059657" cy="863358"/>
-          </a:xfrm>
-        </p:grpSpPr>
-        <p:sp>
-          <p:nvSpPr>
-            <p:cNvPr id="21" name="TextBox 20"/>
-            <p:cNvSpPr txBox="1"/>
-            <p:nvPr/>
-          </p:nvSpPr>
-          <p:spPr>
-            <a:xfrm>
-              <a:off x="803640" y="3579862"/>
-              <a:ext cx="2059657" cy="646331"/>
-            </a:xfrm>
-            <a:prstGeom prst="rect">
-              <a:avLst/>
-            </a:prstGeom>
-            <a:noFill/>
-          </p:spPr>
-          <p:txBody>
-            <a:bodyPr wrap="square" rtlCol="0" anchor="ctr">
-              <a:spAutoFit/>
-            </a:bodyPr>
-            <a:lstStyle/>
-            <a:p>
-              <a:r>
-                <a:rPr lang="en-US" altLang="ko-KR" sz="1200" dirty="0">
-                  <a:solidFill>
-                    <a:schemeClr val="bg1"/>
-                  </a:solidFill>
-                  <a:cs typeface="Arial" pitchFamily="34" charset="0"/>
-                </a:rPr>
-                <a:t>You can simply impress your audience and add a unique zing. </a:t>
-              </a:r>
-              <a:endParaRPr lang="ko-KR" altLang="en-US" sz="1200" dirty="0">
-                <a:solidFill>
-                  <a:schemeClr val="bg1"/>
-                </a:solidFill>
-                <a:cs typeface="Arial" pitchFamily="34" charset="0"/>
-              </a:endParaRPr>
-            </a:p>
-          </p:txBody>
-        </p:sp>
-        <p:sp>
-          <p:nvSpPr>
-            <p:cNvPr id="22" name="TextBox 21"/>
-            <p:cNvSpPr txBox="1"/>
-            <p:nvPr/>
-          </p:nvSpPr>
-          <p:spPr>
-            <a:xfrm>
-              <a:off x="803640" y="3362835"/>
-              <a:ext cx="2059657" cy="276999"/>
-            </a:xfrm>
-            <a:prstGeom prst="rect">
-              <a:avLst/>
-            </a:prstGeom>
-            <a:noFill/>
-          </p:spPr>
-          <p:txBody>
-            <a:bodyPr wrap="square" rtlCol="0" anchor="ctr">
-              <a:spAutoFit/>
-            </a:bodyPr>
-            <a:lstStyle/>
-            <a:p>
-              <a:r>
-                <a:rPr lang="en-US" altLang="ko-KR" sz="1200" b="1" dirty="0">
-                  <a:solidFill>
-                    <a:schemeClr val="bg1"/>
-                  </a:solidFill>
-                  <a:cs typeface="Arial" pitchFamily="34" charset="0"/>
-                </a:rPr>
-                <a:t>Your Text  Here</a:t>
-              </a:r>
-              <a:endParaRPr lang="ko-KR" altLang="en-US" sz="1200" b="1" dirty="0">
-                <a:solidFill>
-                  <a:schemeClr val="bg1"/>
-                </a:solidFill>
-                <a:cs typeface="Arial" pitchFamily="34" charset="0"/>
-              </a:endParaRPr>
-            </a:p>
-          </p:txBody>
-        </p:sp>
-      </p:grpSp>
-      <p:sp>
-        <p:nvSpPr>
-          <p:cNvPr id="23" name="TextBox 22"/>
-          <p:cNvSpPr txBox="1"/>
-          <p:nvPr/>
-        </p:nvSpPr>
-        <p:spPr>
-          <a:xfrm>
-            <a:off x="5508104" y="3635248"/>
-            <a:ext cx="3320319" cy="1015663"/>
-          </a:xfrm>
-          <a:prstGeom prst="rect">
-            <a:avLst/>
-          </a:prstGeom>
-          <a:noFill/>
-        </p:spPr>
-        <p:txBody>
-          <a:bodyPr wrap="square" rtlCol="0" anchor="ctr">
-            <a:spAutoFit/>
-          </a:bodyPr>
-          <a:lstStyle/>
-          <a:p>
-            <a:r>
-              <a:rPr lang="en-US" altLang="ko-KR" sz="1200" dirty="0">
-                <a:solidFill>
-                  <a:schemeClr val="tx1">
-                    <a:lumMod val="75000"/>
-                    <a:lumOff val="25000"/>
-                  </a:schemeClr>
-                </a:solidFill>
-                <a:cs typeface="Arial" pitchFamily="34" charset="0"/>
-              </a:rPr>
-              <a:t>Get a modern PowerPoint  Presentation that is beautifully designed.  Easy to change colors, photos and Text. You can simply impress your audience and add a unique zing and appeal to your Presentations. </a:t>
-            </a:r>
           </a:p>
         </p:txBody>
       </p:sp>
@@ -14829,7 +15045,7 @@
           <p:nvPr/>
         </p:nvPicPr>
         <p:blipFill>
-          <a:blip r:embed="rId5" cstate="print">
+          <a:blip r:embed="rId2" cstate="print">
             <a:extLst>
               <a:ext uri="{28A0092B-C50C-407E-A947-70E740481C1C}">
                 <a14:useLocalDpi xmlns:a14="http://schemas.microsoft.com/office/drawing/2010/main" val="0"/>
@@ -14864,7 +15080,7 @@
         </p:nvSpPr>
         <p:spPr>
           <a:xfrm>
-            <a:off x="2819799" y="1742787"/>
+            <a:off x="2592785" y="1785832"/>
             <a:ext cx="928123" cy="928123"/>
           </a:xfrm>
           <a:custGeom>
@@ -15256,7 +15472,7 @@
         </p:nvSpPr>
         <p:spPr>
           <a:xfrm>
-            <a:off x="5273704" y="1779657"/>
+            <a:off x="5007139" y="1785832"/>
             <a:ext cx="917943" cy="917943"/>
           </a:xfrm>
           <a:custGeom>
@@ -15676,6 +15892,158 @@
           </a:p>
         </p:txBody>
       </p:sp>
+      <p:sp>
+        <p:nvSpPr>
+          <p:cNvPr id="28" name="TextBox 27">
+            <a:extLst>
+              <a:ext uri="{FF2B5EF4-FFF2-40B4-BE49-F238E27FC236}">
+                <a16:creationId xmlns:a16="http://schemas.microsoft.com/office/drawing/2014/main" id="{0DC17A5E-1699-49AF-B391-40AE7289B593}"/>
+              </a:ext>
+            </a:extLst>
+          </p:cNvPr>
+          <p:cNvSpPr txBox="1"/>
+          <p:nvPr/>
+        </p:nvSpPr>
+        <p:spPr>
+          <a:xfrm>
+            <a:off x="2926076" y="3637296"/>
+            <a:ext cx="2001594" cy="369332"/>
+          </a:xfrm>
+          <a:prstGeom prst="rect">
+            <a:avLst/>
+          </a:prstGeom>
+          <a:noFill/>
+        </p:spPr>
+        <p:txBody>
+          <a:bodyPr wrap="square" rtlCol="0" anchor="ctr">
+            <a:spAutoFit/>
+          </a:bodyPr>
+          <a:lstStyle/>
+          <a:p>
+            <a:pPr algn="r"/>
+            <a:r>
+              <a:rPr lang="en-US" altLang="ko-KR" b="1" dirty="0">
+                <a:solidFill>
+                  <a:schemeClr val="accent3"/>
+                </a:solidFill>
+                <a:cs typeface="Arial" pitchFamily="34" charset="0"/>
+              </a:rPr>
+              <a:t>User Story</a:t>
+            </a:r>
+            <a:endParaRPr lang="ko-KR" altLang="en-US" b="1" dirty="0">
+              <a:solidFill>
+                <a:schemeClr val="accent3"/>
+              </a:solidFill>
+              <a:cs typeface="Arial" pitchFamily="34" charset="0"/>
+            </a:endParaRPr>
+          </a:p>
+        </p:txBody>
+      </p:sp>
+      <p:sp>
+        <p:nvSpPr>
+          <p:cNvPr id="2" name="TextBox 1">
+            <a:extLst>
+              <a:ext uri="{FF2B5EF4-FFF2-40B4-BE49-F238E27FC236}">
+                <a16:creationId xmlns:a16="http://schemas.microsoft.com/office/drawing/2014/main" id="{5E57003E-F8C9-4945-8B00-65CF42DC6621}"/>
+              </a:ext>
+            </a:extLst>
+          </p:cNvPr>
+          <p:cNvSpPr txBox="1"/>
+          <p:nvPr/>
+        </p:nvSpPr>
+        <p:spPr>
+          <a:xfrm>
+            <a:off x="1918419" y="4094126"/>
+            <a:ext cx="4608512" cy="830997"/>
+          </a:xfrm>
+          <a:prstGeom prst="rect">
+            <a:avLst/>
+          </a:prstGeom>
+          <a:noFill/>
+        </p:spPr>
+        <p:txBody>
+          <a:bodyPr wrap="square" rtlCol="0">
+            <a:spAutoFit/>
+          </a:bodyPr>
+          <a:lstStyle/>
+          <a:p>
+            <a:pPr algn="ctr"/>
+            <a:r>
+              <a:rPr lang="en-US" sz="1600" dirty="0" err="1"/>
+              <a:t>Sebagai</a:t>
+            </a:r>
+            <a:r>
+              <a:rPr lang="en-US" sz="1600" dirty="0"/>
+              <a:t> client, </a:t>
+            </a:r>
+            <a:r>
+              <a:rPr lang="en-US" sz="1600" dirty="0" err="1"/>
+              <a:t>saya</a:t>
+            </a:r>
+            <a:r>
+              <a:rPr lang="en-US" sz="1600" dirty="0"/>
+              <a:t> </a:t>
+            </a:r>
+            <a:r>
+              <a:rPr lang="en-US" sz="1600" dirty="0" err="1"/>
+              <a:t>ingin</a:t>
+            </a:r>
+            <a:r>
+              <a:rPr lang="en-US" sz="1600" dirty="0"/>
+              <a:t> </a:t>
+            </a:r>
+            <a:r>
+              <a:rPr lang="en-US" sz="1600" dirty="0" err="1"/>
+              <a:t>ada</a:t>
+            </a:r>
+            <a:r>
+              <a:rPr lang="en-US" sz="1600" dirty="0"/>
+              <a:t> </a:t>
+            </a:r>
+            <a:r>
+              <a:rPr lang="en-US" sz="1600" dirty="0" err="1"/>
+              <a:t>penerjemah</a:t>
+            </a:r>
+            <a:r>
+              <a:rPr lang="en-US" sz="1600" dirty="0"/>
+              <a:t> yang </a:t>
+            </a:r>
+            <a:r>
+              <a:rPr lang="en-US" sz="1600" dirty="0" err="1"/>
+              <a:t>membantu</a:t>
+            </a:r>
+            <a:r>
+              <a:rPr lang="en-US" sz="1600" dirty="0"/>
+              <a:t> </a:t>
+            </a:r>
+            <a:r>
+              <a:rPr lang="en-US" sz="1600" dirty="0" err="1"/>
+              <a:t>menerjemahkan</a:t>
+            </a:r>
+            <a:r>
+              <a:rPr lang="en-US" sz="1600" dirty="0"/>
+              <a:t> </a:t>
+            </a:r>
+            <a:r>
+              <a:rPr lang="en-US" sz="1600" dirty="0" err="1"/>
+              <a:t>dokumen</a:t>
+            </a:r>
+            <a:r>
+              <a:rPr lang="en-US" sz="1600" dirty="0"/>
+              <a:t> yang </a:t>
+            </a:r>
+            <a:r>
+              <a:rPr lang="en-US" sz="1600" dirty="0" err="1"/>
+              <a:t>saya</a:t>
+            </a:r>
+            <a:r>
+              <a:rPr lang="en-US" sz="1600" dirty="0"/>
+              <a:t> upload</a:t>
+            </a:r>
+            <a:endParaRPr lang="en-ID" sz="1600" dirty="0"/>
+          </a:p>
+        </p:txBody>
+      </p:sp>
     </p:spTree>
     <p:extLst>
       <p:ext uri="{BB962C8B-B14F-4D97-AF65-F5344CB8AC3E}">
@@ -15946,62 +16314,14 @@
       </p:cxnSp>
       <p:sp>
         <p:nvSpPr>
-          <p:cNvPr id="14" name="TextBox 13"/>
-          <p:cNvSpPr txBox="1"/>
-          <p:nvPr/>
-        </p:nvSpPr>
-        <p:spPr>
-          <a:xfrm>
-            <a:off x="5992957" y="2541687"/>
-            <a:ext cx="2539483" cy="646331"/>
-          </a:xfrm>
-          <a:prstGeom prst="rect">
-            <a:avLst/>
-          </a:prstGeom>
-          <a:noFill/>
-        </p:spPr>
-        <p:txBody>
-          <a:bodyPr wrap="square" rtlCol="0">
-            <a:spAutoFit/>
-          </a:bodyPr>
-          <a:lstStyle/>
-          <a:p>
-            <a:r>
-              <a:rPr lang="en-US" altLang="ko-KR" sz="1200" dirty="0">
-                <a:solidFill>
-                  <a:schemeClr val="tx1">
-                    <a:lumMod val="75000"/>
-                    <a:lumOff val="25000"/>
-                  </a:schemeClr>
-                </a:solidFill>
-                <a:latin typeface="Arial" pitchFamily="34" charset="0"/>
-                <a:cs typeface="Arial" pitchFamily="34" charset="0"/>
-              </a:rPr>
-              <a:t>You can simply impress your audience and add a unique zing and appeal to your Presentations.   </a:t>
-            </a:r>
-            <a:endParaRPr lang="ko-KR" altLang="en-US" sz="1200" dirty="0">
-              <a:solidFill>
-                <a:schemeClr val="tx1">
-                  <a:lumMod val="75000"/>
-                  <a:lumOff val="25000"/>
-                </a:schemeClr>
-              </a:solidFill>
-              <a:latin typeface="Arial" pitchFamily="34" charset="0"/>
-              <a:cs typeface="Arial" pitchFamily="34" charset="0"/>
-            </a:endParaRPr>
-          </a:p>
-        </p:txBody>
-      </p:sp>
-      <p:sp>
-        <p:nvSpPr>
           <p:cNvPr id="15" name="TextBox 14"/>
           <p:cNvSpPr txBox="1"/>
           <p:nvPr/>
         </p:nvSpPr>
         <p:spPr>
           <a:xfrm>
-            <a:off x="611560" y="2541687"/>
-            <a:ext cx="2539483" cy="646331"/>
+            <a:off x="461890" y="2037615"/>
+            <a:ext cx="2539483" cy="523220"/>
           </a:xfrm>
           <a:prstGeom prst="rect">
             <a:avLst/>
@@ -16016,7 +16336,7 @@
           <a:p>
             <a:pPr algn="r"/>
             <a:r>
-              <a:rPr lang="en-US" altLang="ko-KR" sz="1200" dirty="0">
+              <a:rPr lang="en-US" altLang="ko-KR" sz="1400" b="1" dirty="0">
                 <a:solidFill>
                   <a:schemeClr val="tx1">
                     <a:lumMod val="75000"/>
@@ -16026,9 +16346,25 @@
                 <a:latin typeface="Arial" pitchFamily="34" charset="0"/>
                 <a:cs typeface="Arial" pitchFamily="34" charset="0"/>
               </a:rPr>
-              <a:t>You can simply impress your audience and add a unique zing and appeal to your Presentations.   </a:t>
-            </a:r>
-            <a:endParaRPr lang="ko-KR" altLang="en-US" sz="1200" dirty="0">
+              <a:t>Visual Code</a:t>
+            </a:r>
+          </a:p>
+          <a:p>
+            <a:pPr algn="r"/>
+            <a:r>
+              <a:rPr lang="en-US" altLang="ko-KR" sz="1400" b="1" dirty="0">
+                <a:solidFill>
+                  <a:schemeClr val="tx1">
+                    <a:lumMod val="75000"/>
+                    <a:lumOff val="25000"/>
+                  </a:schemeClr>
+                </a:solidFill>
+                <a:latin typeface="Arial" pitchFamily="34" charset="0"/>
+                <a:cs typeface="Arial" pitchFamily="34" charset="0"/>
+              </a:rPr>
+              <a:t>XAMPP</a:t>
+            </a:r>
+            <a:endParaRPr lang="ko-KR" altLang="en-US" sz="1400" b="1" dirty="0">
               <a:solidFill>
                 <a:schemeClr val="tx1">
                   <a:lumMod val="75000"/>
@@ -16073,7 +16409,7 @@
                 <a:latin typeface="Arial" pitchFamily="34" charset="0"/>
                 <a:cs typeface="Arial" pitchFamily="34" charset="0"/>
               </a:rPr>
-              <a:t>Your Text  Here</a:t>
+              <a:t>Framework</a:t>
             </a:r>
             <a:endParaRPr lang="ko-KR" altLang="en-US" sz="1400" dirty="0">
               <a:solidFill>
@@ -16118,7 +16454,7 @@
                 <a:latin typeface="Arial" pitchFamily="34" charset="0"/>
                 <a:cs typeface="Arial" pitchFamily="34" charset="0"/>
               </a:rPr>
-              <a:t>Your Text  Here</a:t>
+              <a:t>PC/Laptop &amp; Software</a:t>
             </a:r>
             <a:endParaRPr lang="ko-KR" altLang="en-US" sz="1400" dirty="0">
               <a:solidFill>
@@ -16164,7 +16500,17 @@
                 <a:latin typeface="Arial" pitchFamily="34" charset="0"/>
                 <a:cs typeface="Arial" pitchFamily="34" charset="0"/>
               </a:rPr>
-              <a:t>Your Text  Here</a:t>
+              <a:t>Bahasa </a:t>
+            </a:r>
+            <a:r>
+              <a:rPr lang="en-US" altLang="ko-KR" sz="1400" dirty="0" err="1">
+                <a:solidFill>
+                  <a:schemeClr val="bg1"/>
+                </a:solidFill>
+                <a:latin typeface="Arial" pitchFamily="34" charset="0"/>
+                <a:cs typeface="Arial" pitchFamily="34" charset="0"/>
+              </a:rPr>
+              <a:t>Pemrograman</a:t>
             </a:r>
             <a:endParaRPr lang="ko-KR" altLang="en-US" sz="1400" dirty="0">
               <a:solidFill>
@@ -16209,7 +16555,7 @@
                 <a:latin typeface="Arial" pitchFamily="34" charset="0"/>
                 <a:cs typeface="Arial" pitchFamily="34" charset="0"/>
               </a:rPr>
-              <a:t>Your Text  Here</a:t>
+              <a:t>Database</a:t>
             </a:r>
             <a:endParaRPr lang="ko-KR" altLang="en-US" sz="1400" dirty="0">
               <a:solidFill>
@@ -16230,7 +16576,7 @@
         <p:spPr>
           <a:xfrm>
             <a:off x="439999" y="1606029"/>
-            <a:ext cx="2539483" cy="461665"/>
+            <a:ext cx="2539483" cy="738664"/>
           </a:xfrm>
           <a:prstGeom prst="rect">
             <a:avLst/>
@@ -16245,7 +16591,7 @@
           <a:p>
             <a:pPr algn="r"/>
             <a:r>
-              <a:rPr lang="en-US" altLang="ko-KR" sz="1200" dirty="0">
+              <a:rPr lang="en-US" altLang="ko-KR" sz="1400" b="1" dirty="0">
                 <a:solidFill>
                   <a:schemeClr val="tx1">
                     <a:lumMod val="75000"/>
@@ -16255,9 +16601,28 @@
                 <a:latin typeface="Arial" pitchFamily="34" charset="0"/>
                 <a:cs typeface="Arial" pitchFamily="34" charset="0"/>
               </a:rPr>
-              <a:t>You can simply impress your audience and add a unique zing.</a:t>
-            </a:r>
-            <a:endParaRPr lang="ko-KR" altLang="en-US" sz="1200" dirty="0">
+              <a:t>Core I7</a:t>
+            </a:r>
+          </a:p>
+          <a:p>
+            <a:pPr algn="r"/>
+            <a:r>
+              <a:rPr lang="en-US" altLang="ko-KR" sz="1400" b="1" dirty="0">
+                <a:solidFill>
+                  <a:schemeClr val="tx1">
+                    <a:lumMod val="75000"/>
+                    <a:lumOff val="25000"/>
+                  </a:schemeClr>
+                </a:solidFill>
+                <a:latin typeface="Arial" pitchFamily="34" charset="0"/>
+                <a:cs typeface="Arial" pitchFamily="34" charset="0"/>
+              </a:rPr>
+              <a:t>Ram 8 GB</a:t>
+            </a:r>
+          </a:p>
+          <a:p>
+            <a:pPr algn="r"/>
+            <a:endParaRPr lang="ko-KR" altLang="en-US" sz="1400" dirty="0">
               <a:solidFill>
                 <a:schemeClr val="tx1">
                   <a:lumMod val="75000"/>
@@ -16279,7 +16644,7 @@
         <p:spPr>
           <a:xfrm>
             <a:off x="497085" y="3805517"/>
-            <a:ext cx="2539483" cy="461665"/>
+            <a:ext cx="2539483" cy="307777"/>
           </a:xfrm>
           <a:prstGeom prst="rect">
             <a:avLst/>
@@ -16294,7 +16659,7 @@
           <a:p>
             <a:pPr algn="r"/>
             <a:r>
-              <a:rPr lang="en-US" altLang="ko-KR" sz="1200" dirty="0">
+              <a:rPr lang="en-US" altLang="ko-KR" sz="1400" b="1" dirty="0">
                 <a:solidFill>
                   <a:schemeClr val="tx1">
                     <a:lumMod val="75000"/>
@@ -16304,9 +16669,9 @@
                 <a:latin typeface="Arial" pitchFamily="34" charset="0"/>
                 <a:cs typeface="Arial" pitchFamily="34" charset="0"/>
               </a:rPr>
-              <a:t>You can simply impress your audience and add a unique zing.</a:t>
-            </a:r>
-            <a:endParaRPr lang="ko-KR" altLang="en-US" sz="1200" dirty="0">
+              <a:t>MySQL</a:t>
+            </a:r>
+            <a:endParaRPr lang="ko-KR" altLang="en-US" sz="1400" b="1" dirty="0">
               <a:solidFill>
                 <a:schemeClr val="tx1">
                   <a:lumMod val="75000"/>
@@ -16328,7 +16693,7 @@
         <p:spPr>
           <a:xfrm>
             <a:off x="5735324" y="1606029"/>
-            <a:ext cx="2539483" cy="461665"/>
+            <a:ext cx="2539483" cy="307777"/>
           </a:xfrm>
           <a:prstGeom prst="rect">
             <a:avLst/>
@@ -16342,7 +16707,7 @@
           <a:lstStyle/>
           <a:p>
             <a:r>
-              <a:rPr lang="en-US" altLang="ko-KR" sz="1200" dirty="0">
+              <a:rPr lang="en-US" altLang="ko-KR" sz="1400" b="1" dirty="0">
                 <a:solidFill>
                   <a:schemeClr val="tx1">
                     <a:lumMod val="75000"/>
@@ -16352,9 +16717,9 @@
                 <a:latin typeface="Arial" pitchFamily="34" charset="0"/>
                 <a:cs typeface="Arial" pitchFamily="34" charset="0"/>
               </a:rPr>
-              <a:t>You can simply impress your audience and add a unique zing.</a:t>
-            </a:r>
-            <a:endParaRPr lang="ko-KR" altLang="en-US" sz="1200" dirty="0">
+              <a:t>Laravel</a:t>
+            </a:r>
+            <a:endParaRPr lang="ko-KR" altLang="en-US" sz="1400" b="1" dirty="0">
               <a:solidFill>
                 <a:schemeClr val="tx1">
                   <a:lumMod val="75000"/>
@@ -16376,7 +16741,7 @@
         <p:spPr>
           <a:xfrm>
             <a:off x="6136973" y="3999851"/>
-            <a:ext cx="2539483" cy="461665"/>
+            <a:ext cx="2539483" cy="307777"/>
           </a:xfrm>
           <a:prstGeom prst="rect">
             <a:avLst/>
@@ -16390,7 +16755,7 @@
           <a:lstStyle/>
           <a:p>
             <a:r>
-              <a:rPr lang="en-US" altLang="ko-KR" sz="1200" dirty="0">
+              <a:rPr lang="en-US" altLang="ko-KR" sz="1400" b="1" dirty="0">
                 <a:solidFill>
                   <a:schemeClr val="tx1">
                     <a:lumMod val="75000"/>
@@ -16400,9 +16765,9 @@
                 <a:latin typeface="Arial" pitchFamily="34" charset="0"/>
                 <a:cs typeface="Arial" pitchFamily="34" charset="0"/>
               </a:rPr>
-              <a:t>You can simply impress your audience and add a unique zing.</a:t>
-            </a:r>
-            <a:endParaRPr lang="ko-KR" altLang="en-US" sz="1200" dirty="0">
+              <a:t>PHP</a:t>
+            </a:r>
+            <a:endParaRPr lang="ko-KR" altLang="en-US" sz="1400" b="1" dirty="0">
               <a:solidFill>
                 <a:schemeClr val="tx1">
                   <a:lumMod val="75000"/>
@@ -16673,20 +17038,25 @@
             <p:ph type="body" sz="quarter" idx="10"/>
           </p:nvPr>
         </p:nvSpPr>
-        <p:spPr/>
+        <p:spPr>
+          <a:xfrm>
+            <a:off x="1923366" y="-80607"/>
+            <a:ext cx="8676456" cy="576064"/>
+          </a:xfrm>
+        </p:spPr>
         <p:txBody>
           <a:bodyPr/>
           <a:lstStyle/>
           <a:p>
             <a:r>
-              <a:rPr lang="en-US" altLang="ko-KR" dirty="0"/>
+              <a:rPr lang="en-US" altLang="ko-KR" sz="1400" b="1" dirty="0"/>
               <a:t>Hasil &amp; </a:t>
             </a:r>
             <a:r>
-              <a:rPr lang="en-US" altLang="ko-KR" dirty="0" err="1"/>
+              <a:rPr lang="en-US" altLang="ko-KR" sz="1400" b="1" dirty="0" err="1"/>
               <a:t>Pembahasan</a:t>
             </a:r>
-            <a:endParaRPr lang="ko-KR" altLang="en-US" dirty="0"/>
+            <a:endParaRPr lang="ko-KR" altLang="en-US" sz="1400" b="1" dirty="0"/>
           </a:p>
         </p:txBody>
       </p:sp>
@@ -16700,3812 +17070,114 @@
             <p:ph type="body" sz="quarter" idx="11"/>
           </p:nvPr>
         </p:nvSpPr>
-        <p:spPr/>
+        <p:spPr>
+          <a:xfrm>
+            <a:off x="467544" y="973014"/>
+            <a:ext cx="8676456" cy="288032"/>
+          </a:xfrm>
+        </p:spPr>
         <p:txBody>
           <a:bodyPr/>
           <a:lstStyle/>
           <a:p>
             <a:pPr lvl="0"/>
             <a:r>
-              <a:rPr lang="en-US" altLang="ko-KR" dirty="0"/>
-              <a:t>Insert the title of your subtitle Here</a:t>
+              <a:rPr lang="en-US" altLang="ko-KR" b="1" dirty="0">
+                <a:solidFill>
+                  <a:srgbClr val="2B8FED"/>
+                </a:solidFill>
+              </a:rPr>
+              <a:t>Use Case Diagram</a:t>
             </a:r>
           </a:p>
         </p:txBody>
       </p:sp>
-      <p:sp>
-        <p:nvSpPr>
-          <p:cNvPr id="5" name="Oval 4"/>
-          <p:cNvSpPr/>
+      <p:pic>
+        <p:nvPicPr>
+          <p:cNvPr id="35" name="Picture 34">
+            <a:extLst>
+              <a:ext uri="{FF2B5EF4-FFF2-40B4-BE49-F238E27FC236}">
+                <a16:creationId xmlns:a16="http://schemas.microsoft.com/office/drawing/2014/main" id="{14146F34-C2B3-46CB-ADBB-2487210C2558}"/>
+              </a:ext>
+            </a:extLst>
+          </p:cNvPr>
+          <p:cNvPicPr>
+            <a:picLocks noChangeAspect="1"/>
+          </p:cNvPicPr>
           <p:nvPr/>
-        </p:nvSpPr>
+        </p:nvPicPr>
+        <p:blipFill>
+          <a:blip r:embed="rId2" cstate="print">
+            <a:extLst>
+              <a:ext uri="{28A0092B-C50C-407E-A947-70E740481C1C}">
+                <a14:useLocalDpi xmlns:a14="http://schemas.microsoft.com/office/drawing/2010/main" val="0"/>
+              </a:ext>
+            </a:extLst>
+          </a:blip>
+          <a:stretch>
+            <a:fillRect/>
+          </a:stretch>
+        </p:blipFill>
         <p:spPr>
           <a:xfrm>
-            <a:off x="583302" y="1491582"/>
-            <a:ext cx="609223" cy="609223"/>
+            <a:off x="395536" y="17900"/>
+            <a:ext cx="2486872" cy="993552"/>
           </a:xfrm>
-          <a:prstGeom prst="ellipse">
+          <a:prstGeom prst="rect">
             <a:avLst/>
           </a:prstGeom>
-          <a:noFill/>
-          <a:ln w="50800">
-            <a:solidFill>
-              <a:schemeClr val="accent1"/>
-            </a:solidFill>
-          </a:ln>
         </p:spPr>
-        <p:style>
-          <a:lnRef idx="2">
-            <a:schemeClr val="accent1">
-              <a:shade val="50000"/>
-            </a:schemeClr>
-          </a:lnRef>
-          <a:fillRef idx="1">
-            <a:schemeClr val="accent1"/>
-          </a:fillRef>
-          <a:effectRef idx="0">
-            <a:schemeClr val="accent1"/>
-          </a:effectRef>
-          <a:fontRef idx="minor">
-            <a:schemeClr val="lt1"/>
-          </a:fontRef>
-        </p:style>
-        <p:txBody>
-          <a:bodyPr rtlCol="0" anchor="ctr"/>
-          <a:lstStyle/>
-          <a:p>
-            <a:pPr algn="ctr"/>
-            <a:endParaRPr lang="ko-KR" altLang="en-US"/>
-          </a:p>
-        </p:txBody>
-      </p:sp>
-      <p:sp>
-        <p:nvSpPr>
-          <p:cNvPr id="6" name="Oval 5"/>
-          <p:cNvSpPr/>
+      </p:pic>
+      <p:pic>
+        <p:nvPicPr>
+          <p:cNvPr id="5" name="Picture 4">
+            <a:extLst>
+              <a:ext uri="{FF2B5EF4-FFF2-40B4-BE49-F238E27FC236}">
+                <a16:creationId xmlns:a16="http://schemas.microsoft.com/office/drawing/2014/main" id="{31CAC355-25EE-4C59-BA89-92D01E8534B7}"/>
+              </a:ext>
+            </a:extLst>
+          </p:cNvPr>
+          <p:cNvPicPr>
+            <a:picLocks noChangeAspect="1"/>
+          </p:cNvPicPr>
           <p:nvPr/>
-        </p:nvSpPr>
+        </p:nvPicPr>
+        <p:blipFill>
+          <a:blip r:embed="rId3">
+            <a:extLst>
+              <a:ext uri="{28A0092B-C50C-407E-A947-70E740481C1C}">
+                <a14:useLocalDpi xmlns:a14="http://schemas.microsoft.com/office/drawing/2010/main" val="0"/>
+              </a:ext>
+            </a:extLst>
+          </a:blip>
+          <a:stretch>
+            <a:fillRect/>
+          </a:stretch>
+        </p:blipFill>
         <p:spPr>
           <a:xfrm>
-            <a:off x="583302" y="2687121"/>
-            <a:ext cx="609223" cy="609223"/>
+            <a:off x="2339752" y="1253936"/>
+            <a:ext cx="3600400" cy="3871664"/>
           </a:xfrm>
-          <a:prstGeom prst="ellipse">
+          <a:prstGeom prst="rect">
             <a:avLst/>
           </a:prstGeom>
-          <a:noFill/>
-          <a:ln w="50800">
-            <a:solidFill>
-              <a:schemeClr val="accent1"/>
-            </a:solidFill>
-          </a:ln>
-        </p:spPr>
-        <p:style>
-          <a:lnRef idx="2">
-            <a:schemeClr val="accent1">
-              <a:shade val="50000"/>
-            </a:schemeClr>
-          </a:lnRef>
-          <a:fillRef idx="1">
-            <a:schemeClr val="accent1"/>
-          </a:fillRef>
-          <a:effectRef idx="0">
-            <a:schemeClr val="accent1"/>
-          </a:effectRef>
-          <a:fontRef idx="minor">
-            <a:schemeClr val="lt1"/>
-          </a:fontRef>
-        </p:style>
-        <p:txBody>
-          <a:bodyPr rtlCol="0" anchor="ctr"/>
-          <a:lstStyle/>
-          <a:p>
-            <a:pPr algn="ctr"/>
-            <a:endParaRPr lang="ko-KR" altLang="en-US"/>
-          </a:p>
-        </p:txBody>
-      </p:sp>
-      <p:sp>
-        <p:nvSpPr>
-          <p:cNvPr id="7" name="Oval 6"/>
-          <p:cNvSpPr/>
-          <p:nvPr/>
-        </p:nvSpPr>
-        <p:spPr>
-          <a:xfrm>
-            <a:off x="583302" y="3882659"/>
-            <a:ext cx="609223" cy="609223"/>
-          </a:xfrm>
-          <a:prstGeom prst="ellipse">
-            <a:avLst/>
-          </a:prstGeom>
-          <a:noFill/>
-          <a:ln w="50800">
-            <a:solidFill>
-              <a:schemeClr val="accent1"/>
-            </a:solidFill>
-          </a:ln>
-        </p:spPr>
-        <p:style>
-          <a:lnRef idx="2">
-            <a:schemeClr val="accent1">
-              <a:shade val="50000"/>
-            </a:schemeClr>
-          </a:lnRef>
-          <a:fillRef idx="1">
-            <a:schemeClr val="accent1"/>
-          </a:fillRef>
-          <a:effectRef idx="0">
-            <a:schemeClr val="accent1"/>
-          </a:effectRef>
-          <a:fontRef idx="minor">
-            <a:schemeClr val="lt1"/>
-          </a:fontRef>
-        </p:style>
-        <p:txBody>
-          <a:bodyPr rtlCol="0" anchor="ctr"/>
-          <a:lstStyle/>
-          <a:p>
-            <a:pPr algn="ctr"/>
-            <a:endParaRPr lang="ko-KR" altLang="en-US"/>
-          </a:p>
-        </p:txBody>
-      </p:sp>
-      <p:sp>
-        <p:nvSpPr>
-          <p:cNvPr id="8" name="Oval 21"/>
-          <p:cNvSpPr>
-            <a:spLocks noChangeAspect="1"/>
-          </p:cNvSpPr>
-          <p:nvPr/>
-        </p:nvSpPr>
-        <p:spPr>
-          <a:xfrm>
-            <a:off x="725272" y="1632193"/>
-            <a:ext cx="325283" cy="328000"/>
-          </a:xfrm>
-          <a:custGeom>
-            <a:avLst/>
-            <a:gdLst/>
-            <a:ahLst/>
-            <a:cxnLst/>
-            <a:rect l="l" t="t" r="r" b="b"/>
-            <a:pathLst>
-              <a:path w="1652142" h="1665940">
-                <a:moveTo>
-                  <a:pt x="898689" y="548008"/>
-                </a:moveTo>
-                <a:cubicBezTo>
-                  <a:pt x="737950" y="504938"/>
-                  <a:pt x="572731" y="600328"/>
-                  <a:pt x="529661" y="761066"/>
-                </a:cubicBezTo>
-                <a:cubicBezTo>
-                  <a:pt x="486591" y="921805"/>
-                  <a:pt x="581980" y="1087025"/>
-                  <a:pt x="742719" y="1130094"/>
-                </a:cubicBezTo>
-                <a:cubicBezTo>
-                  <a:pt x="903458" y="1173164"/>
-                  <a:pt x="1068677" y="1077775"/>
-                  <a:pt x="1111747" y="917036"/>
-                </a:cubicBezTo>
-                <a:cubicBezTo>
-                  <a:pt x="1154817" y="756297"/>
-                  <a:pt x="1059428" y="591077"/>
-                  <a:pt x="898689" y="548008"/>
-                </a:cubicBezTo>
-                <a:close/>
-                <a:moveTo>
-                  <a:pt x="952303" y="347916"/>
-                </a:moveTo>
-                <a:cubicBezTo>
-                  <a:pt x="1223549" y="420596"/>
-                  <a:pt x="1384519" y="699404"/>
-                  <a:pt x="1311839" y="970650"/>
-                </a:cubicBezTo>
-                <a:cubicBezTo>
-                  <a:pt x="1239159" y="1241896"/>
-                  <a:pt x="960351" y="1402866"/>
-                  <a:pt x="689105" y="1330186"/>
-                </a:cubicBezTo>
-                <a:cubicBezTo>
-                  <a:pt x="417859" y="1257506"/>
-                  <a:pt x="256889" y="978698"/>
-                  <a:pt x="329569" y="707451"/>
-                </a:cubicBezTo>
-                <a:cubicBezTo>
-                  <a:pt x="402249" y="436205"/>
-                  <a:pt x="681057" y="275235"/>
-                  <a:pt x="952303" y="347916"/>
-                </a:cubicBezTo>
-                <a:close/>
-                <a:moveTo>
-                  <a:pt x="971799" y="275155"/>
-                </a:moveTo>
-                <a:cubicBezTo>
-                  <a:pt x="660368" y="191707"/>
-                  <a:pt x="340256" y="376524"/>
-                  <a:pt x="256808" y="687955"/>
-                </a:cubicBezTo>
-                <a:cubicBezTo>
-                  <a:pt x="173361" y="999387"/>
-                  <a:pt x="358178" y="1319499"/>
-                  <a:pt x="669609" y="1402947"/>
-                </a:cubicBezTo>
-                <a:cubicBezTo>
-                  <a:pt x="981040" y="1486395"/>
-                  <a:pt x="1301152" y="1301577"/>
-                  <a:pt x="1384600" y="990146"/>
-                </a:cubicBezTo>
-                <a:cubicBezTo>
-                  <a:pt x="1468047" y="678715"/>
-                  <a:pt x="1283230" y="358603"/>
-                  <a:pt x="971799" y="275155"/>
-                </a:cubicBezTo>
-                <a:close/>
-                <a:moveTo>
-                  <a:pt x="1652142" y="394531"/>
-                </a:moveTo>
-                <a:lnTo>
-                  <a:pt x="1649662" y="403784"/>
-                </a:lnTo>
-                <a:lnTo>
-                  <a:pt x="1647140" y="399895"/>
-                </a:lnTo>
-                <a:close/>
-                <a:moveTo>
-                  <a:pt x="1158157" y="65026"/>
-                </a:moveTo>
-                <a:lnTo>
-                  <a:pt x="1154679" y="271718"/>
-                </a:lnTo>
-                <a:lnTo>
-                  <a:pt x="1148331" y="270017"/>
-                </a:lnTo>
-                <a:cubicBezTo>
-                  <a:pt x="1200055" y="299127"/>
-                  <a:pt x="1246804" y="334821"/>
-                  <a:pt x="1286346" y="377149"/>
-                </a:cubicBezTo>
-                <a:lnTo>
-                  <a:pt x="1470353" y="331395"/>
-                </a:lnTo>
-                <a:lnTo>
-                  <a:pt x="1588305" y="553229"/>
-                </a:lnTo>
-                <a:lnTo>
-                  <a:pt x="1457194" y="671432"/>
-                </a:lnTo>
-                <a:cubicBezTo>
-                  <a:pt x="1473630" y="731297"/>
-                  <a:pt x="1481376" y="793983"/>
-                  <a:pt x="1478595" y="857704"/>
-                </a:cubicBezTo>
-                <a:lnTo>
-                  <a:pt x="1642362" y="948616"/>
-                </a:lnTo>
-                <a:lnTo>
-                  <a:pt x="1577335" y="1191298"/>
-                </a:lnTo>
-                <a:lnTo>
-                  <a:pt x="1378614" y="1187955"/>
-                </a:lnTo>
-                <a:cubicBezTo>
-                  <a:pt x="1353489" y="1229936"/>
-                  <a:pt x="1323048" y="1267799"/>
-                  <a:pt x="1288939" y="1301599"/>
-                </a:cubicBezTo>
-                <a:lnTo>
-                  <a:pt x="1354201" y="1471932"/>
-                </a:lnTo>
-                <a:lnTo>
-                  <a:pt x="1148396" y="1616039"/>
-                </a:lnTo>
-                <a:lnTo>
-                  <a:pt x="992294" y="1480516"/>
-                </a:lnTo>
-                <a:lnTo>
-                  <a:pt x="1011291" y="1467215"/>
-                </a:lnTo>
-                <a:cubicBezTo>
-                  <a:pt x="951500" y="1486565"/>
-                  <a:pt x="888271" y="1495869"/>
-                  <a:pt x="823805" y="1495510"/>
-                </a:cubicBezTo>
-                <a:lnTo>
-                  <a:pt x="729193" y="1665940"/>
-                </a:lnTo>
-                <a:lnTo>
-                  <a:pt x="486511" y="1600914"/>
-                </a:lnTo>
-                <a:lnTo>
-                  <a:pt x="489790" y="1406012"/>
-                </a:lnTo>
-                <a:cubicBezTo>
-                  <a:pt x="438364" y="1376702"/>
-                  <a:pt x="391917" y="1340859"/>
-                  <a:pt x="352658" y="1298452"/>
-                </a:cubicBezTo>
-                <a:lnTo>
-                  <a:pt x="355803" y="1305197"/>
-                </a:lnTo>
-                <a:lnTo>
-                  <a:pt x="152856" y="1344512"/>
-                </a:lnTo>
-                <a:lnTo>
-                  <a:pt x="46675" y="1116809"/>
-                </a:lnTo>
-                <a:lnTo>
-                  <a:pt x="183929" y="1005520"/>
-                </a:lnTo>
-                <a:cubicBezTo>
-                  <a:pt x="169279" y="951824"/>
-                  <a:pt x="161626" y="895865"/>
-                  <a:pt x="161615" y="838915"/>
-                </a:cubicBezTo>
-                <a:lnTo>
-                  <a:pt x="0" y="749197"/>
-                </a:lnTo>
-                <a:lnTo>
-                  <a:pt x="65026" y="506515"/>
-                </a:lnTo>
-                <a:lnTo>
-                  <a:pt x="250227" y="509630"/>
-                </a:lnTo>
-                <a:cubicBezTo>
-                  <a:pt x="275353" y="465291"/>
-                  <a:pt x="305693" y="424864"/>
-                  <a:pt x="340015" y="388679"/>
-                </a:cubicBezTo>
-                <a:lnTo>
-                  <a:pt x="277984" y="197357"/>
-                </a:lnTo>
-                <a:lnTo>
-                  <a:pt x="491050" y="64219"/>
-                </a:lnTo>
-                <a:lnTo>
-                  <a:pt x="639843" y="207726"/>
-                </a:lnTo>
-                <a:lnTo>
-                  <a:pt x="638348" y="208660"/>
-                </a:lnTo>
-                <a:cubicBezTo>
-                  <a:pt x="696840" y="190256"/>
-                  <a:pt x="758594" y="181748"/>
-                  <a:pt x="821488" y="182440"/>
-                </a:cubicBezTo>
-                <a:lnTo>
-                  <a:pt x="815140" y="180739"/>
-                </a:lnTo>
-                <a:lnTo>
-                  <a:pt x="915476" y="0"/>
-                </a:lnTo>
-                <a:close/>
-              </a:path>
-            </a:pathLst>
-          </a:custGeom>
-          <a:solidFill>
-            <a:schemeClr val="accent1"/>
-          </a:solidFill>
           <a:ln>
             <a:noFill/>
           </a:ln>
+          <a:effectLst>
+            <a:outerShdw blurRad="190500" algn="tl" rotWithShape="0">
+              <a:srgbClr val="000000">
+                <a:alpha val="70000"/>
+              </a:srgbClr>
+            </a:outerShdw>
+          </a:effectLst>
         </p:spPr>
-        <p:style>
-          <a:lnRef idx="2">
-            <a:schemeClr val="accent1">
-              <a:shade val="50000"/>
-            </a:schemeClr>
-          </a:lnRef>
-          <a:fillRef idx="1">
-            <a:schemeClr val="accent1"/>
-          </a:fillRef>
-          <a:effectRef idx="0">
-            <a:schemeClr val="accent1"/>
-          </a:effectRef>
-          <a:fontRef idx="minor">
-            <a:schemeClr val="lt1"/>
-          </a:fontRef>
-        </p:style>
-        <p:txBody>
-          <a:bodyPr rot="0" spcFirstLastPara="0" vertOverflow="overflow" horzOverflow="overflow" vert="horz" wrap="square" lIns="91440" tIns="45720" rIns="91440" bIns="45720" numCol="1" spcCol="0" rtlCol="0" fromWordArt="0" anchor="ctr" anchorCtr="0" forceAA="0" compatLnSpc="1">
-            <a:prstTxWarp prst="textNoShape">
-              <a:avLst/>
-            </a:prstTxWarp>
-            <a:noAutofit/>
-          </a:bodyPr>
-          <a:lstStyle/>
-          <a:p>
-            <a:pPr algn="ctr"/>
-            <a:endParaRPr lang="ko-KR" altLang="en-US"/>
-          </a:p>
-        </p:txBody>
-      </p:sp>
-      <p:sp>
-        <p:nvSpPr>
-          <p:cNvPr id="9" name="Rectangle 16"/>
-          <p:cNvSpPr/>
-          <p:nvPr/>
-        </p:nvSpPr>
-        <p:spPr>
-          <a:xfrm rot="2700000">
-            <a:off x="771788" y="3979080"/>
-            <a:ext cx="232250" cy="416381"/>
-          </a:xfrm>
-          <a:custGeom>
-            <a:avLst/>
-            <a:gdLst/>
-            <a:ahLst/>
-            <a:cxnLst/>
-            <a:rect l="l" t="t" r="r" b="b"/>
-            <a:pathLst>
-              <a:path w="2232248" h="4001999">
-                <a:moveTo>
-                  <a:pt x="1116887" y="0"/>
-                </a:moveTo>
-                <a:cubicBezTo>
-                  <a:pt x="1270748" y="4762"/>
-                  <a:pt x="1433283" y="120651"/>
-                  <a:pt x="1447291" y="308459"/>
-                </a:cubicBezTo>
-                <a:cubicBezTo>
-                  <a:pt x="1483174" y="544979"/>
-                  <a:pt x="1283237" y="603082"/>
-                  <a:pt x="1339988" y="887363"/>
-                </a:cubicBezTo>
-                <a:lnTo>
-                  <a:pt x="2232248" y="887363"/>
-                </a:lnTo>
-                <a:lnTo>
-                  <a:pt x="2232248" y="1778237"/>
-                </a:lnTo>
-                <a:cubicBezTo>
-                  <a:pt x="1956566" y="1829261"/>
-                  <a:pt x="1897086" y="1634366"/>
-                  <a:pt x="1663321" y="1669832"/>
-                </a:cubicBezTo>
-                <a:cubicBezTo>
-                  <a:pt x="1475513" y="1683840"/>
-                  <a:pt x="1359624" y="1846375"/>
-                  <a:pt x="1354862" y="2000236"/>
-                </a:cubicBezTo>
-                <a:cubicBezTo>
-                  <a:pt x="1358037" y="2135389"/>
-                  <a:pt x="1477787" y="2334920"/>
-                  <a:pt x="1701420" y="2336507"/>
-                </a:cubicBezTo>
-                <a:cubicBezTo>
-                  <a:pt x="1972077" y="2308709"/>
-                  <a:pt x="1932339" y="2176007"/>
-                  <a:pt x="2232248" y="2187989"/>
-                </a:cubicBezTo>
-                <a:lnTo>
-                  <a:pt x="2232248" y="3119611"/>
-                </a:lnTo>
-                <a:lnTo>
-                  <a:pt x="1303259" y="3119611"/>
-                </a:lnTo>
-                <a:cubicBezTo>
-                  <a:pt x="1289664" y="3424971"/>
-                  <a:pt x="1423682" y="3383289"/>
-                  <a:pt x="1451633" y="3655441"/>
-                </a:cubicBezTo>
-                <a:cubicBezTo>
-                  <a:pt x="1450046" y="3879074"/>
-                  <a:pt x="1250515" y="3998824"/>
-                  <a:pt x="1115362" y="4001999"/>
-                </a:cubicBezTo>
-                <a:cubicBezTo>
-                  <a:pt x="961501" y="3997237"/>
-                  <a:pt x="798966" y="3881348"/>
-                  <a:pt x="784958" y="3693540"/>
-                </a:cubicBezTo>
-                <a:cubicBezTo>
-                  <a:pt x="749282" y="3458385"/>
-                  <a:pt x="946712" y="3399594"/>
-                  <a:pt x="892811" y="3119611"/>
-                </a:cubicBezTo>
-                <a:lnTo>
-                  <a:pt x="0" y="3119611"/>
-                </a:lnTo>
-                <a:lnTo>
-                  <a:pt x="0" y="2203607"/>
-                </a:lnTo>
-                <a:cubicBezTo>
-                  <a:pt x="285884" y="2145799"/>
-                  <a:pt x="343730" y="2346665"/>
-                  <a:pt x="580754" y="2310706"/>
-                </a:cubicBezTo>
-                <a:cubicBezTo>
-                  <a:pt x="768562" y="2296698"/>
-                  <a:pt x="884451" y="2134163"/>
-                  <a:pt x="889213" y="1980302"/>
-                </a:cubicBezTo>
-                <a:cubicBezTo>
-                  <a:pt x="886038" y="1845149"/>
-                  <a:pt x="766288" y="1645618"/>
-                  <a:pt x="542655" y="1644031"/>
-                </a:cubicBezTo>
-                <a:cubicBezTo>
-                  <a:pt x="268493" y="1672188"/>
-                  <a:pt x="312817" y="1807984"/>
-                  <a:pt x="0" y="1792208"/>
-                </a:cubicBezTo>
-                <a:lnTo>
-                  <a:pt x="0" y="887363"/>
-                </a:lnTo>
-                <a:lnTo>
-                  <a:pt x="928847" y="887363"/>
-                </a:lnTo>
-                <a:cubicBezTo>
-                  <a:pt x="944034" y="576570"/>
-                  <a:pt x="808718" y="620178"/>
-                  <a:pt x="780616" y="346558"/>
-                </a:cubicBezTo>
-                <a:cubicBezTo>
-                  <a:pt x="782203" y="122925"/>
-                  <a:pt x="981734" y="3175"/>
-                  <a:pt x="1116887" y="0"/>
-                </a:cubicBezTo>
-                <a:close/>
-              </a:path>
-            </a:pathLst>
-          </a:custGeom>
-          <a:solidFill>
-            <a:schemeClr val="accent1"/>
-          </a:solidFill>
-          <a:ln>
-            <a:noFill/>
-          </a:ln>
-        </p:spPr>
-        <p:style>
-          <a:lnRef idx="2">
-            <a:schemeClr val="accent1">
-              <a:shade val="50000"/>
-            </a:schemeClr>
-          </a:lnRef>
-          <a:fillRef idx="1">
-            <a:schemeClr val="accent1"/>
-          </a:fillRef>
-          <a:effectRef idx="0">
-            <a:schemeClr val="accent1"/>
-          </a:effectRef>
-          <a:fontRef idx="minor">
-            <a:schemeClr val="lt1"/>
-          </a:fontRef>
-        </p:style>
-        <p:txBody>
-          <a:bodyPr rtlCol="0" anchor="ctr"/>
-          <a:lstStyle/>
-          <a:p>
-            <a:pPr algn="ctr"/>
-            <a:endParaRPr lang="ko-KR" altLang="en-US"/>
-          </a:p>
-        </p:txBody>
-      </p:sp>
-      <p:sp>
-        <p:nvSpPr>
-          <p:cNvPr id="10" name="Rectangle 9"/>
-          <p:cNvSpPr/>
-          <p:nvPr/>
-        </p:nvSpPr>
-        <p:spPr>
-          <a:xfrm>
-            <a:off x="749711" y="2855005"/>
-            <a:ext cx="292306" cy="273624"/>
-          </a:xfrm>
-          <a:custGeom>
-            <a:avLst/>
-            <a:gdLst>
-              <a:gd name="connsiteX0" fmla="*/ 833935 w 3239999"/>
-              <a:gd name="connsiteY0" fmla="*/ 22 h 3032924"/>
-              <a:gd name="connsiteX1" fmla="*/ 1576606 w 3239999"/>
-              <a:gd name="connsiteY1" fmla="*/ 402054 h 3032924"/>
-              <a:gd name="connsiteX2" fmla="*/ 1576606 w 3239999"/>
-              <a:gd name="connsiteY2" fmla="*/ 430441 h 3032924"/>
-              <a:gd name="connsiteX3" fmla="*/ 1576606 w 3239999"/>
-              <a:gd name="connsiteY3" fmla="*/ 526981 h 3032924"/>
-              <a:gd name="connsiteX4" fmla="*/ 1576606 w 3239999"/>
-              <a:gd name="connsiteY4" fmla="*/ 2765302 h 3032924"/>
-              <a:gd name="connsiteX5" fmla="*/ 378630 w 3239999"/>
-              <a:gd name="connsiteY5" fmla="*/ 2472117 h 3032924"/>
-              <a:gd name="connsiteX6" fmla="*/ 384918 w 3239999"/>
-              <a:gd name="connsiteY6" fmla="*/ 526981 h 3032924"/>
-              <a:gd name="connsiteX7" fmla="*/ 239143 w 3239999"/>
-              <a:gd name="connsiteY7" fmla="*/ 526981 h 3032924"/>
-              <a:gd name="connsiteX8" fmla="*/ 239143 w 3239999"/>
-              <a:gd name="connsiteY8" fmla="*/ 2776423 h 3032924"/>
-              <a:gd name="connsiteX9" fmla="*/ 1576606 w 3239999"/>
-              <a:gd name="connsiteY9" fmla="*/ 2776423 h 3032924"/>
-              <a:gd name="connsiteX10" fmla="*/ 1576606 w 3239999"/>
-              <a:gd name="connsiteY10" fmla="*/ 2778202 h 3032924"/>
-              <a:gd name="connsiteX11" fmla="*/ 1663394 w 3239999"/>
-              <a:gd name="connsiteY11" fmla="*/ 2778202 h 3032924"/>
-              <a:gd name="connsiteX12" fmla="*/ 1663394 w 3239999"/>
-              <a:gd name="connsiteY12" fmla="*/ 2776423 h 3032924"/>
-              <a:gd name="connsiteX13" fmla="*/ 3000856 w 3239999"/>
-              <a:gd name="connsiteY13" fmla="*/ 2776423 h 3032924"/>
-              <a:gd name="connsiteX14" fmla="*/ 3000856 w 3239999"/>
-              <a:gd name="connsiteY14" fmla="*/ 526981 h 3032924"/>
-              <a:gd name="connsiteX15" fmla="*/ 2855082 w 3239999"/>
-              <a:gd name="connsiteY15" fmla="*/ 526981 h 3032924"/>
-              <a:gd name="connsiteX16" fmla="*/ 2861369 w 3239999"/>
-              <a:gd name="connsiteY16" fmla="*/ 2472117 h 3032924"/>
-              <a:gd name="connsiteX17" fmla="*/ 1663394 w 3239999"/>
-              <a:gd name="connsiteY17" fmla="*/ 2765302 h 3032924"/>
-              <a:gd name="connsiteX18" fmla="*/ 1663394 w 3239999"/>
-              <a:gd name="connsiteY18" fmla="*/ 526981 h 3032924"/>
-              <a:gd name="connsiteX19" fmla="*/ 1663394 w 3239999"/>
-              <a:gd name="connsiteY19" fmla="*/ 430441 h 3032924"/>
-              <a:gd name="connsiteX20" fmla="*/ 1663394 w 3239999"/>
-              <a:gd name="connsiteY20" fmla="*/ 402054 h 3032924"/>
-              <a:gd name="connsiteX21" fmla="*/ 2406065 w 3239999"/>
-              <a:gd name="connsiteY21" fmla="*/ 22 h 3032924"/>
-              <a:gd name="connsiteX22" fmla="*/ 2853673 w 3239999"/>
-              <a:gd name="connsiteY22" fmla="*/ 91100 h 3032924"/>
-              <a:gd name="connsiteX23" fmla="*/ 2854770 w 3239999"/>
-              <a:gd name="connsiteY23" fmla="*/ 430441 h 3032924"/>
-              <a:gd name="connsiteX24" fmla="*/ 3120669 w 3239999"/>
-              <a:gd name="connsiteY24" fmla="*/ 428517 h 3032924"/>
-              <a:gd name="connsiteX25" fmla="*/ 3120669 w 3239999"/>
-              <a:gd name="connsiteY25" fmla="*/ 738345 h 3032924"/>
-              <a:gd name="connsiteX26" fmla="*/ 3239999 w 3239999"/>
-              <a:gd name="connsiteY26" fmla="*/ 738345 h 3032924"/>
-              <a:gd name="connsiteX27" fmla="*/ 3239999 w 3239999"/>
-              <a:gd name="connsiteY27" fmla="*/ 3032924 h 3032924"/>
-              <a:gd name="connsiteX28" fmla="*/ 0 w 3239999"/>
-              <a:gd name="connsiteY28" fmla="*/ 3032924 h 3032924"/>
-              <a:gd name="connsiteX29" fmla="*/ 0 w 3239999"/>
-              <a:gd name="connsiteY29" fmla="*/ 738345 h 3032924"/>
-              <a:gd name="connsiteX30" fmla="*/ 102477 w 3239999"/>
-              <a:gd name="connsiteY30" fmla="*/ 738345 h 3032924"/>
-              <a:gd name="connsiteX31" fmla="*/ 102477 w 3239999"/>
-              <a:gd name="connsiteY31" fmla="*/ 428517 h 3032924"/>
-              <a:gd name="connsiteX32" fmla="*/ 385229 w 3239999"/>
-              <a:gd name="connsiteY32" fmla="*/ 430441 h 3032924"/>
-              <a:gd name="connsiteX33" fmla="*/ 386326 w 3239999"/>
-              <a:gd name="connsiteY33" fmla="*/ 91100 h 3032924"/>
-              <a:gd name="connsiteX34" fmla="*/ 833935 w 3239999"/>
-              <a:gd name="connsiteY34" fmla="*/ 22 h 3032924"/>
-              <a:gd name="connsiteX0" fmla="*/ 833935 w 3239999"/>
-              <a:gd name="connsiteY0" fmla="*/ 22 h 3032924"/>
-              <a:gd name="connsiteX1" fmla="*/ 1576606 w 3239999"/>
-              <a:gd name="connsiteY1" fmla="*/ 402054 h 3032924"/>
-              <a:gd name="connsiteX2" fmla="*/ 1576606 w 3239999"/>
-              <a:gd name="connsiteY2" fmla="*/ 430441 h 3032924"/>
-              <a:gd name="connsiteX3" fmla="*/ 1576606 w 3239999"/>
-              <a:gd name="connsiteY3" fmla="*/ 526981 h 3032924"/>
-              <a:gd name="connsiteX4" fmla="*/ 1576606 w 3239999"/>
-              <a:gd name="connsiteY4" fmla="*/ 2765302 h 3032924"/>
-              <a:gd name="connsiteX5" fmla="*/ 378630 w 3239999"/>
-              <a:gd name="connsiteY5" fmla="*/ 2472117 h 3032924"/>
-              <a:gd name="connsiteX6" fmla="*/ 384918 w 3239999"/>
-              <a:gd name="connsiteY6" fmla="*/ 526981 h 3032924"/>
-              <a:gd name="connsiteX7" fmla="*/ 239143 w 3239999"/>
-              <a:gd name="connsiteY7" fmla="*/ 526981 h 3032924"/>
-              <a:gd name="connsiteX8" fmla="*/ 239143 w 3239999"/>
-              <a:gd name="connsiteY8" fmla="*/ 2776423 h 3032924"/>
-              <a:gd name="connsiteX9" fmla="*/ 1576606 w 3239999"/>
-              <a:gd name="connsiteY9" fmla="*/ 2776423 h 3032924"/>
-              <a:gd name="connsiteX10" fmla="*/ 1576606 w 3239999"/>
-              <a:gd name="connsiteY10" fmla="*/ 2778202 h 3032924"/>
-              <a:gd name="connsiteX11" fmla="*/ 1663394 w 3239999"/>
-              <a:gd name="connsiteY11" fmla="*/ 2778202 h 3032924"/>
-              <a:gd name="connsiteX12" fmla="*/ 1663394 w 3239999"/>
-              <a:gd name="connsiteY12" fmla="*/ 2776423 h 3032924"/>
-              <a:gd name="connsiteX13" fmla="*/ 3000856 w 3239999"/>
-              <a:gd name="connsiteY13" fmla="*/ 2776423 h 3032924"/>
-              <a:gd name="connsiteX14" fmla="*/ 3000856 w 3239999"/>
-              <a:gd name="connsiteY14" fmla="*/ 526981 h 3032924"/>
-              <a:gd name="connsiteX15" fmla="*/ 2855082 w 3239999"/>
-              <a:gd name="connsiteY15" fmla="*/ 526981 h 3032924"/>
-              <a:gd name="connsiteX16" fmla="*/ 2861369 w 3239999"/>
-              <a:gd name="connsiteY16" fmla="*/ 2472117 h 3032924"/>
-              <a:gd name="connsiteX17" fmla="*/ 1663394 w 3239999"/>
-              <a:gd name="connsiteY17" fmla="*/ 2765302 h 3032924"/>
-              <a:gd name="connsiteX18" fmla="*/ 1663394 w 3239999"/>
-              <a:gd name="connsiteY18" fmla="*/ 526981 h 3032924"/>
-              <a:gd name="connsiteX19" fmla="*/ 1663394 w 3239999"/>
-              <a:gd name="connsiteY19" fmla="*/ 430441 h 3032924"/>
-              <a:gd name="connsiteX20" fmla="*/ 1663394 w 3239999"/>
-              <a:gd name="connsiteY20" fmla="*/ 402054 h 3032924"/>
-              <a:gd name="connsiteX21" fmla="*/ 2406065 w 3239999"/>
-              <a:gd name="connsiteY21" fmla="*/ 22 h 3032924"/>
-              <a:gd name="connsiteX22" fmla="*/ 2853673 w 3239999"/>
-              <a:gd name="connsiteY22" fmla="*/ 91100 h 3032924"/>
-              <a:gd name="connsiteX23" fmla="*/ 2854770 w 3239999"/>
-              <a:gd name="connsiteY23" fmla="*/ 430441 h 3032924"/>
-              <a:gd name="connsiteX24" fmla="*/ 3120669 w 3239999"/>
-              <a:gd name="connsiteY24" fmla="*/ 428517 h 3032924"/>
-              <a:gd name="connsiteX25" fmla="*/ 3120669 w 3239999"/>
-              <a:gd name="connsiteY25" fmla="*/ 738345 h 3032924"/>
-              <a:gd name="connsiteX26" fmla="*/ 3239999 w 3239999"/>
-              <a:gd name="connsiteY26" fmla="*/ 738345 h 3032924"/>
-              <a:gd name="connsiteX27" fmla="*/ 3239999 w 3239999"/>
-              <a:gd name="connsiteY27" fmla="*/ 3032924 h 3032924"/>
-              <a:gd name="connsiteX28" fmla="*/ 0 w 3239999"/>
-              <a:gd name="connsiteY28" fmla="*/ 3032924 h 3032924"/>
-              <a:gd name="connsiteX29" fmla="*/ 0 w 3239999"/>
-              <a:gd name="connsiteY29" fmla="*/ 738345 h 3032924"/>
-              <a:gd name="connsiteX30" fmla="*/ 102477 w 3239999"/>
-              <a:gd name="connsiteY30" fmla="*/ 738345 h 3032924"/>
-              <a:gd name="connsiteX31" fmla="*/ 102477 w 3239999"/>
-              <a:gd name="connsiteY31" fmla="*/ 428517 h 3032924"/>
-              <a:gd name="connsiteX32" fmla="*/ 385229 w 3239999"/>
-              <a:gd name="connsiteY32" fmla="*/ 430441 h 3032924"/>
-              <a:gd name="connsiteX33" fmla="*/ 386326 w 3239999"/>
-              <a:gd name="connsiteY33" fmla="*/ 91100 h 3032924"/>
-              <a:gd name="connsiteX34" fmla="*/ 833935 w 3239999"/>
-              <a:gd name="connsiteY34" fmla="*/ 22 h 3032924"/>
-              <a:gd name="connsiteX0" fmla="*/ 833935 w 3239999"/>
-              <a:gd name="connsiteY0" fmla="*/ 22 h 3032924"/>
-              <a:gd name="connsiteX1" fmla="*/ 1576606 w 3239999"/>
-              <a:gd name="connsiteY1" fmla="*/ 402054 h 3032924"/>
-              <a:gd name="connsiteX2" fmla="*/ 1576606 w 3239999"/>
-              <a:gd name="connsiteY2" fmla="*/ 430441 h 3032924"/>
-              <a:gd name="connsiteX3" fmla="*/ 1576606 w 3239999"/>
-              <a:gd name="connsiteY3" fmla="*/ 526981 h 3032924"/>
-              <a:gd name="connsiteX4" fmla="*/ 1576606 w 3239999"/>
-              <a:gd name="connsiteY4" fmla="*/ 2765302 h 3032924"/>
-              <a:gd name="connsiteX5" fmla="*/ 378630 w 3239999"/>
-              <a:gd name="connsiteY5" fmla="*/ 2472117 h 3032924"/>
-              <a:gd name="connsiteX6" fmla="*/ 384918 w 3239999"/>
-              <a:gd name="connsiteY6" fmla="*/ 526981 h 3032924"/>
-              <a:gd name="connsiteX7" fmla="*/ 239143 w 3239999"/>
-              <a:gd name="connsiteY7" fmla="*/ 526981 h 3032924"/>
-              <a:gd name="connsiteX8" fmla="*/ 239143 w 3239999"/>
-              <a:gd name="connsiteY8" fmla="*/ 2776423 h 3032924"/>
-              <a:gd name="connsiteX9" fmla="*/ 1576606 w 3239999"/>
-              <a:gd name="connsiteY9" fmla="*/ 2776423 h 3032924"/>
-              <a:gd name="connsiteX10" fmla="*/ 1576606 w 3239999"/>
-              <a:gd name="connsiteY10" fmla="*/ 2778202 h 3032924"/>
-              <a:gd name="connsiteX11" fmla="*/ 1663394 w 3239999"/>
-              <a:gd name="connsiteY11" fmla="*/ 2778202 h 3032924"/>
-              <a:gd name="connsiteX12" fmla="*/ 1663394 w 3239999"/>
-              <a:gd name="connsiteY12" fmla="*/ 2776423 h 3032924"/>
-              <a:gd name="connsiteX13" fmla="*/ 3000856 w 3239999"/>
-              <a:gd name="connsiteY13" fmla="*/ 2776423 h 3032924"/>
-              <a:gd name="connsiteX14" fmla="*/ 3000856 w 3239999"/>
-              <a:gd name="connsiteY14" fmla="*/ 526981 h 3032924"/>
-              <a:gd name="connsiteX15" fmla="*/ 2855082 w 3239999"/>
-              <a:gd name="connsiteY15" fmla="*/ 526981 h 3032924"/>
-              <a:gd name="connsiteX16" fmla="*/ 2861369 w 3239999"/>
-              <a:gd name="connsiteY16" fmla="*/ 2472117 h 3032924"/>
-              <a:gd name="connsiteX17" fmla="*/ 1663394 w 3239999"/>
-              <a:gd name="connsiteY17" fmla="*/ 2765302 h 3032924"/>
-              <a:gd name="connsiteX18" fmla="*/ 1663394 w 3239999"/>
-              <a:gd name="connsiteY18" fmla="*/ 526981 h 3032924"/>
-              <a:gd name="connsiteX19" fmla="*/ 1663394 w 3239999"/>
-              <a:gd name="connsiteY19" fmla="*/ 430441 h 3032924"/>
-              <a:gd name="connsiteX20" fmla="*/ 1663394 w 3239999"/>
-              <a:gd name="connsiteY20" fmla="*/ 402054 h 3032924"/>
-              <a:gd name="connsiteX21" fmla="*/ 2406065 w 3239999"/>
-              <a:gd name="connsiteY21" fmla="*/ 22 h 3032924"/>
-              <a:gd name="connsiteX22" fmla="*/ 2853673 w 3239999"/>
-              <a:gd name="connsiteY22" fmla="*/ 91100 h 3032924"/>
-              <a:gd name="connsiteX23" fmla="*/ 2854770 w 3239999"/>
-              <a:gd name="connsiteY23" fmla="*/ 430441 h 3032924"/>
-              <a:gd name="connsiteX24" fmla="*/ 3120669 w 3239999"/>
-              <a:gd name="connsiteY24" fmla="*/ 428517 h 3032924"/>
-              <a:gd name="connsiteX25" fmla="*/ 3120669 w 3239999"/>
-              <a:gd name="connsiteY25" fmla="*/ 738345 h 3032924"/>
-              <a:gd name="connsiteX26" fmla="*/ 3239999 w 3239999"/>
-              <a:gd name="connsiteY26" fmla="*/ 738345 h 3032924"/>
-              <a:gd name="connsiteX27" fmla="*/ 3239999 w 3239999"/>
-              <a:gd name="connsiteY27" fmla="*/ 3032924 h 3032924"/>
-              <a:gd name="connsiteX28" fmla="*/ 0 w 3239999"/>
-              <a:gd name="connsiteY28" fmla="*/ 3032924 h 3032924"/>
-              <a:gd name="connsiteX29" fmla="*/ 0 w 3239999"/>
-              <a:gd name="connsiteY29" fmla="*/ 738345 h 3032924"/>
-              <a:gd name="connsiteX30" fmla="*/ 102477 w 3239999"/>
-              <a:gd name="connsiteY30" fmla="*/ 738345 h 3032924"/>
-              <a:gd name="connsiteX31" fmla="*/ 102477 w 3239999"/>
-              <a:gd name="connsiteY31" fmla="*/ 428517 h 3032924"/>
-              <a:gd name="connsiteX32" fmla="*/ 385229 w 3239999"/>
-              <a:gd name="connsiteY32" fmla="*/ 430441 h 3032924"/>
-              <a:gd name="connsiteX33" fmla="*/ 386326 w 3239999"/>
-              <a:gd name="connsiteY33" fmla="*/ 91100 h 3032924"/>
-              <a:gd name="connsiteX34" fmla="*/ 833935 w 3239999"/>
-              <a:gd name="connsiteY34" fmla="*/ 22 h 3032924"/>
-              <a:gd name="connsiteX0" fmla="*/ 1576606 w 3239999"/>
-              <a:gd name="connsiteY0" fmla="*/ 2778202 h 3032924"/>
-              <a:gd name="connsiteX1" fmla="*/ 1663394 w 3239999"/>
-              <a:gd name="connsiteY1" fmla="*/ 2778202 h 3032924"/>
-              <a:gd name="connsiteX2" fmla="*/ 1663394 w 3239999"/>
-              <a:gd name="connsiteY2" fmla="*/ 2776423 h 3032924"/>
-              <a:gd name="connsiteX3" fmla="*/ 3000856 w 3239999"/>
-              <a:gd name="connsiteY3" fmla="*/ 2776423 h 3032924"/>
-              <a:gd name="connsiteX4" fmla="*/ 3000856 w 3239999"/>
-              <a:gd name="connsiteY4" fmla="*/ 526981 h 3032924"/>
-              <a:gd name="connsiteX5" fmla="*/ 2855082 w 3239999"/>
-              <a:gd name="connsiteY5" fmla="*/ 526981 h 3032924"/>
-              <a:gd name="connsiteX6" fmla="*/ 2861369 w 3239999"/>
-              <a:gd name="connsiteY6" fmla="*/ 2472117 h 3032924"/>
-              <a:gd name="connsiteX7" fmla="*/ 1663394 w 3239999"/>
-              <a:gd name="connsiteY7" fmla="*/ 2765302 h 3032924"/>
-              <a:gd name="connsiteX8" fmla="*/ 1663394 w 3239999"/>
-              <a:gd name="connsiteY8" fmla="*/ 526981 h 3032924"/>
-              <a:gd name="connsiteX9" fmla="*/ 1663394 w 3239999"/>
-              <a:gd name="connsiteY9" fmla="*/ 430441 h 3032924"/>
-              <a:gd name="connsiteX10" fmla="*/ 1663394 w 3239999"/>
-              <a:gd name="connsiteY10" fmla="*/ 402054 h 3032924"/>
-              <a:gd name="connsiteX11" fmla="*/ 2406065 w 3239999"/>
-              <a:gd name="connsiteY11" fmla="*/ 22 h 3032924"/>
-              <a:gd name="connsiteX12" fmla="*/ 2853673 w 3239999"/>
-              <a:gd name="connsiteY12" fmla="*/ 91100 h 3032924"/>
-              <a:gd name="connsiteX13" fmla="*/ 2854770 w 3239999"/>
-              <a:gd name="connsiteY13" fmla="*/ 430441 h 3032924"/>
-              <a:gd name="connsiteX14" fmla="*/ 3120669 w 3239999"/>
-              <a:gd name="connsiteY14" fmla="*/ 428517 h 3032924"/>
-              <a:gd name="connsiteX15" fmla="*/ 3120669 w 3239999"/>
-              <a:gd name="connsiteY15" fmla="*/ 738345 h 3032924"/>
-              <a:gd name="connsiteX16" fmla="*/ 3239999 w 3239999"/>
-              <a:gd name="connsiteY16" fmla="*/ 738345 h 3032924"/>
-              <a:gd name="connsiteX17" fmla="*/ 3239999 w 3239999"/>
-              <a:gd name="connsiteY17" fmla="*/ 3032924 h 3032924"/>
-              <a:gd name="connsiteX18" fmla="*/ 0 w 3239999"/>
-              <a:gd name="connsiteY18" fmla="*/ 3032924 h 3032924"/>
-              <a:gd name="connsiteX19" fmla="*/ 0 w 3239999"/>
-              <a:gd name="connsiteY19" fmla="*/ 738345 h 3032924"/>
-              <a:gd name="connsiteX20" fmla="*/ 102477 w 3239999"/>
-              <a:gd name="connsiteY20" fmla="*/ 738345 h 3032924"/>
-              <a:gd name="connsiteX21" fmla="*/ 102477 w 3239999"/>
-              <a:gd name="connsiteY21" fmla="*/ 428517 h 3032924"/>
-              <a:gd name="connsiteX22" fmla="*/ 385229 w 3239999"/>
-              <a:gd name="connsiteY22" fmla="*/ 430441 h 3032924"/>
-              <a:gd name="connsiteX23" fmla="*/ 386326 w 3239999"/>
-              <a:gd name="connsiteY23" fmla="*/ 91100 h 3032924"/>
-              <a:gd name="connsiteX24" fmla="*/ 833935 w 3239999"/>
-              <a:gd name="connsiteY24" fmla="*/ 22 h 3032924"/>
-              <a:gd name="connsiteX25" fmla="*/ 1576606 w 3239999"/>
-              <a:gd name="connsiteY25" fmla="*/ 402054 h 3032924"/>
-              <a:gd name="connsiteX26" fmla="*/ 1576606 w 3239999"/>
-              <a:gd name="connsiteY26" fmla="*/ 430441 h 3032924"/>
-              <a:gd name="connsiteX27" fmla="*/ 1576606 w 3239999"/>
-              <a:gd name="connsiteY27" fmla="*/ 526981 h 3032924"/>
-              <a:gd name="connsiteX28" fmla="*/ 1576606 w 3239999"/>
-              <a:gd name="connsiteY28" fmla="*/ 2765302 h 3032924"/>
-              <a:gd name="connsiteX29" fmla="*/ 378630 w 3239999"/>
-              <a:gd name="connsiteY29" fmla="*/ 2472117 h 3032924"/>
-              <a:gd name="connsiteX30" fmla="*/ 384918 w 3239999"/>
-              <a:gd name="connsiteY30" fmla="*/ 526981 h 3032924"/>
-              <a:gd name="connsiteX31" fmla="*/ 239143 w 3239999"/>
-              <a:gd name="connsiteY31" fmla="*/ 526981 h 3032924"/>
-              <a:gd name="connsiteX32" fmla="*/ 239143 w 3239999"/>
-              <a:gd name="connsiteY32" fmla="*/ 2776423 h 3032924"/>
-              <a:gd name="connsiteX33" fmla="*/ 1576606 w 3239999"/>
-              <a:gd name="connsiteY33" fmla="*/ 2776423 h 3032924"/>
-              <a:gd name="connsiteX34" fmla="*/ 1668046 w 3239999"/>
-              <a:gd name="connsiteY34" fmla="*/ 2869642 h 3032924"/>
-              <a:gd name="connsiteX0" fmla="*/ 1576606 w 3239999"/>
-              <a:gd name="connsiteY0" fmla="*/ 2778202 h 3032924"/>
-              <a:gd name="connsiteX1" fmla="*/ 1663394 w 3239999"/>
-              <a:gd name="connsiteY1" fmla="*/ 2778202 h 3032924"/>
-              <a:gd name="connsiteX2" fmla="*/ 1663394 w 3239999"/>
-              <a:gd name="connsiteY2" fmla="*/ 2776423 h 3032924"/>
-              <a:gd name="connsiteX3" fmla="*/ 3000856 w 3239999"/>
-              <a:gd name="connsiteY3" fmla="*/ 2776423 h 3032924"/>
-              <a:gd name="connsiteX4" fmla="*/ 3000856 w 3239999"/>
-              <a:gd name="connsiteY4" fmla="*/ 526981 h 3032924"/>
-              <a:gd name="connsiteX5" fmla="*/ 2855082 w 3239999"/>
-              <a:gd name="connsiteY5" fmla="*/ 526981 h 3032924"/>
-              <a:gd name="connsiteX6" fmla="*/ 2861369 w 3239999"/>
-              <a:gd name="connsiteY6" fmla="*/ 2472117 h 3032924"/>
-              <a:gd name="connsiteX7" fmla="*/ 1663394 w 3239999"/>
-              <a:gd name="connsiteY7" fmla="*/ 2765302 h 3032924"/>
-              <a:gd name="connsiteX8" fmla="*/ 1663394 w 3239999"/>
-              <a:gd name="connsiteY8" fmla="*/ 526981 h 3032924"/>
-              <a:gd name="connsiteX9" fmla="*/ 1663394 w 3239999"/>
-              <a:gd name="connsiteY9" fmla="*/ 430441 h 3032924"/>
-              <a:gd name="connsiteX10" fmla="*/ 1663394 w 3239999"/>
-              <a:gd name="connsiteY10" fmla="*/ 402054 h 3032924"/>
-              <a:gd name="connsiteX11" fmla="*/ 2406065 w 3239999"/>
-              <a:gd name="connsiteY11" fmla="*/ 22 h 3032924"/>
-              <a:gd name="connsiteX12" fmla="*/ 2853673 w 3239999"/>
-              <a:gd name="connsiteY12" fmla="*/ 91100 h 3032924"/>
-              <a:gd name="connsiteX13" fmla="*/ 2854770 w 3239999"/>
-              <a:gd name="connsiteY13" fmla="*/ 430441 h 3032924"/>
-              <a:gd name="connsiteX14" fmla="*/ 3120669 w 3239999"/>
-              <a:gd name="connsiteY14" fmla="*/ 428517 h 3032924"/>
-              <a:gd name="connsiteX15" fmla="*/ 3120669 w 3239999"/>
-              <a:gd name="connsiteY15" fmla="*/ 738345 h 3032924"/>
-              <a:gd name="connsiteX16" fmla="*/ 3239999 w 3239999"/>
-              <a:gd name="connsiteY16" fmla="*/ 738345 h 3032924"/>
-              <a:gd name="connsiteX17" fmla="*/ 3239999 w 3239999"/>
-              <a:gd name="connsiteY17" fmla="*/ 3032924 h 3032924"/>
-              <a:gd name="connsiteX18" fmla="*/ 0 w 3239999"/>
-              <a:gd name="connsiteY18" fmla="*/ 3032924 h 3032924"/>
-              <a:gd name="connsiteX19" fmla="*/ 0 w 3239999"/>
-              <a:gd name="connsiteY19" fmla="*/ 738345 h 3032924"/>
-              <a:gd name="connsiteX20" fmla="*/ 102477 w 3239999"/>
-              <a:gd name="connsiteY20" fmla="*/ 738345 h 3032924"/>
-              <a:gd name="connsiteX21" fmla="*/ 102477 w 3239999"/>
-              <a:gd name="connsiteY21" fmla="*/ 428517 h 3032924"/>
-              <a:gd name="connsiteX22" fmla="*/ 385229 w 3239999"/>
-              <a:gd name="connsiteY22" fmla="*/ 430441 h 3032924"/>
-              <a:gd name="connsiteX23" fmla="*/ 386326 w 3239999"/>
-              <a:gd name="connsiteY23" fmla="*/ 91100 h 3032924"/>
-              <a:gd name="connsiteX24" fmla="*/ 833935 w 3239999"/>
-              <a:gd name="connsiteY24" fmla="*/ 22 h 3032924"/>
-              <a:gd name="connsiteX25" fmla="*/ 1576606 w 3239999"/>
-              <a:gd name="connsiteY25" fmla="*/ 402054 h 3032924"/>
-              <a:gd name="connsiteX26" fmla="*/ 1576606 w 3239999"/>
-              <a:gd name="connsiteY26" fmla="*/ 430441 h 3032924"/>
-              <a:gd name="connsiteX27" fmla="*/ 1576606 w 3239999"/>
-              <a:gd name="connsiteY27" fmla="*/ 526981 h 3032924"/>
-              <a:gd name="connsiteX28" fmla="*/ 1576606 w 3239999"/>
-              <a:gd name="connsiteY28" fmla="*/ 2765302 h 3032924"/>
-              <a:gd name="connsiteX29" fmla="*/ 378630 w 3239999"/>
-              <a:gd name="connsiteY29" fmla="*/ 2472117 h 3032924"/>
-              <a:gd name="connsiteX30" fmla="*/ 384918 w 3239999"/>
-              <a:gd name="connsiteY30" fmla="*/ 526981 h 3032924"/>
-              <a:gd name="connsiteX31" fmla="*/ 239143 w 3239999"/>
-              <a:gd name="connsiteY31" fmla="*/ 526981 h 3032924"/>
-              <a:gd name="connsiteX32" fmla="*/ 239143 w 3239999"/>
-              <a:gd name="connsiteY32" fmla="*/ 2776423 h 3032924"/>
-              <a:gd name="connsiteX33" fmla="*/ 1576606 w 3239999"/>
-              <a:gd name="connsiteY33" fmla="*/ 2776423 h 3032924"/>
-              <a:gd name="connsiteX34" fmla="*/ 1668046 w 3239999"/>
-              <a:gd name="connsiteY34" fmla="*/ 2869642 h 3032924"/>
-              <a:gd name="connsiteX0" fmla="*/ 1576606 w 3239999"/>
-              <a:gd name="connsiteY0" fmla="*/ 2778202 h 3032924"/>
-              <a:gd name="connsiteX1" fmla="*/ 1663394 w 3239999"/>
-              <a:gd name="connsiteY1" fmla="*/ 2778202 h 3032924"/>
-              <a:gd name="connsiteX2" fmla="*/ 1663394 w 3239999"/>
-              <a:gd name="connsiteY2" fmla="*/ 2776423 h 3032924"/>
-              <a:gd name="connsiteX3" fmla="*/ 3000856 w 3239999"/>
-              <a:gd name="connsiteY3" fmla="*/ 2776423 h 3032924"/>
-              <a:gd name="connsiteX4" fmla="*/ 3000856 w 3239999"/>
-              <a:gd name="connsiteY4" fmla="*/ 526981 h 3032924"/>
-              <a:gd name="connsiteX5" fmla="*/ 2855082 w 3239999"/>
-              <a:gd name="connsiteY5" fmla="*/ 526981 h 3032924"/>
-              <a:gd name="connsiteX6" fmla="*/ 2861369 w 3239999"/>
-              <a:gd name="connsiteY6" fmla="*/ 2472117 h 3032924"/>
-              <a:gd name="connsiteX7" fmla="*/ 1663394 w 3239999"/>
-              <a:gd name="connsiteY7" fmla="*/ 2765302 h 3032924"/>
-              <a:gd name="connsiteX8" fmla="*/ 1663394 w 3239999"/>
-              <a:gd name="connsiteY8" fmla="*/ 526981 h 3032924"/>
-              <a:gd name="connsiteX9" fmla="*/ 1663394 w 3239999"/>
-              <a:gd name="connsiteY9" fmla="*/ 430441 h 3032924"/>
-              <a:gd name="connsiteX10" fmla="*/ 1663394 w 3239999"/>
-              <a:gd name="connsiteY10" fmla="*/ 402054 h 3032924"/>
-              <a:gd name="connsiteX11" fmla="*/ 2406065 w 3239999"/>
-              <a:gd name="connsiteY11" fmla="*/ 22 h 3032924"/>
-              <a:gd name="connsiteX12" fmla="*/ 2853673 w 3239999"/>
-              <a:gd name="connsiteY12" fmla="*/ 91100 h 3032924"/>
-              <a:gd name="connsiteX13" fmla="*/ 2854770 w 3239999"/>
-              <a:gd name="connsiteY13" fmla="*/ 430441 h 3032924"/>
-              <a:gd name="connsiteX14" fmla="*/ 3120669 w 3239999"/>
-              <a:gd name="connsiteY14" fmla="*/ 428517 h 3032924"/>
-              <a:gd name="connsiteX15" fmla="*/ 3120669 w 3239999"/>
-              <a:gd name="connsiteY15" fmla="*/ 738345 h 3032924"/>
-              <a:gd name="connsiteX16" fmla="*/ 3239999 w 3239999"/>
-              <a:gd name="connsiteY16" fmla="*/ 738345 h 3032924"/>
-              <a:gd name="connsiteX17" fmla="*/ 3239999 w 3239999"/>
-              <a:gd name="connsiteY17" fmla="*/ 3032924 h 3032924"/>
-              <a:gd name="connsiteX18" fmla="*/ 0 w 3239999"/>
-              <a:gd name="connsiteY18" fmla="*/ 3032924 h 3032924"/>
-              <a:gd name="connsiteX19" fmla="*/ 0 w 3239999"/>
-              <a:gd name="connsiteY19" fmla="*/ 738345 h 3032924"/>
-              <a:gd name="connsiteX20" fmla="*/ 102477 w 3239999"/>
-              <a:gd name="connsiteY20" fmla="*/ 738345 h 3032924"/>
-              <a:gd name="connsiteX21" fmla="*/ 102477 w 3239999"/>
-              <a:gd name="connsiteY21" fmla="*/ 428517 h 3032924"/>
-              <a:gd name="connsiteX22" fmla="*/ 385229 w 3239999"/>
-              <a:gd name="connsiteY22" fmla="*/ 430441 h 3032924"/>
-              <a:gd name="connsiteX23" fmla="*/ 386326 w 3239999"/>
-              <a:gd name="connsiteY23" fmla="*/ 91100 h 3032924"/>
-              <a:gd name="connsiteX24" fmla="*/ 833935 w 3239999"/>
-              <a:gd name="connsiteY24" fmla="*/ 22 h 3032924"/>
-              <a:gd name="connsiteX25" fmla="*/ 1576606 w 3239999"/>
-              <a:gd name="connsiteY25" fmla="*/ 402054 h 3032924"/>
-              <a:gd name="connsiteX26" fmla="*/ 1576606 w 3239999"/>
-              <a:gd name="connsiteY26" fmla="*/ 430441 h 3032924"/>
-              <a:gd name="connsiteX27" fmla="*/ 1576606 w 3239999"/>
-              <a:gd name="connsiteY27" fmla="*/ 526981 h 3032924"/>
-              <a:gd name="connsiteX28" fmla="*/ 1576606 w 3239999"/>
-              <a:gd name="connsiteY28" fmla="*/ 2765302 h 3032924"/>
-              <a:gd name="connsiteX29" fmla="*/ 378630 w 3239999"/>
-              <a:gd name="connsiteY29" fmla="*/ 2472117 h 3032924"/>
-              <a:gd name="connsiteX30" fmla="*/ 384918 w 3239999"/>
-              <a:gd name="connsiteY30" fmla="*/ 526981 h 3032924"/>
-              <a:gd name="connsiteX31" fmla="*/ 239143 w 3239999"/>
-              <a:gd name="connsiteY31" fmla="*/ 526981 h 3032924"/>
-              <a:gd name="connsiteX32" fmla="*/ 239143 w 3239999"/>
-              <a:gd name="connsiteY32" fmla="*/ 2776423 h 3032924"/>
-              <a:gd name="connsiteX33" fmla="*/ 1576606 w 3239999"/>
-              <a:gd name="connsiteY33" fmla="*/ 2776423 h 3032924"/>
-              <a:gd name="connsiteX34" fmla="*/ 1668046 w 3239999"/>
-              <a:gd name="connsiteY34" fmla="*/ 2869642 h 3032924"/>
-              <a:gd name="connsiteX0" fmla="*/ 1576606 w 3239999"/>
-              <a:gd name="connsiteY0" fmla="*/ 2778202 h 3032924"/>
-              <a:gd name="connsiteX1" fmla="*/ 1663394 w 3239999"/>
-              <a:gd name="connsiteY1" fmla="*/ 2778202 h 3032924"/>
-              <a:gd name="connsiteX2" fmla="*/ 1663394 w 3239999"/>
-              <a:gd name="connsiteY2" fmla="*/ 2776423 h 3032924"/>
-              <a:gd name="connsiteX3" fmla="*/ 3000856 w 3239999"/>
-              <a:gd name="connsiteY3" fmla="*/ 2776423 h 3032924"/>
-              <a:gd name="connsiteX4" fmla="*/ 3000856 w 3239999"/>
-              <a:gd name="connsiteY4" fmla="*/ 526981 h 3032924"/>
-              <a:gd name="connsiteX5" fmla="*/ 2855082 w 3239999"/>
-              <a:gd name="connsiteY5" fmla="*/ 526981 h 3032924"/>
-              <a:gd name="connsiteX6" fmla="*/ 2861369 w 3239999"/>
-              <a:gd name="connsiteY6" fmla="*/ 2472117 h 3032924"/>
-              <a:gd name="connsiteX7" fmla="*/ 1663394 w 3239999"/>
-              <a:gd name="connsiteY7" fmla="*/ 2765302 h 3032924"/>
-              <a:gd name="connsiteX8" fmla="*/ 1663394 w 3239999"/>
-              <a:gd name="connsiteY8" fmla="*/ 526981 h 3032924"/>
-              <a:gd name="connsiteX9" fmla="*/ 1663394 w 3239999"/>
-              <a:gd name="connsiteY9" fmla="*/ 430441 h 3032924"/>
-              <a:gd name="connsiteX10" fmla="*/ 1663394 w 3239999"/>
-              <a:gd name="connsiteY10" fmla="*/ 402054 h 3032924"/>
-              <a:gd name="connsiteX11" fmla="*/ 2406065 w 3239999"/>
-              <a:gd name="connsiteY11" fmla="*/ 22 h 3032924"/>
-              <a:gd name="connsiteX12" fmla="*/ 2853673 w 3239999"/>
-              <a:gd name="connsiteY12" fmla="*/ 91100 h 3032924"/>
-              <a:gd name="connsiteX13" fmla="*/ 2854770 w 3239999"/>
-              <a:gd name="connsiteY13" fmla="*/ 430441 h 3032924"/>
-              <a:gd name="connsiteX14" fmla="*/ 3120669 w 3239999"/>
-              <a:gd name="connsiteY14" fmla="*/ 428517 h 3032924"/>
-              <a:gd name="connsiteX15" fmla="*/ 3120669 w 3239999"/>
-              <a:gd name="connsiteY15" fmla="*/ 738345 h 3032924"/>
-              <a:gd name="connsiteX16" fmla="*/ 3239999 w 3239999"/>
-              <a:gd name="connsiteY16" fmla="*/ 738345 h 3032924"/>
-              <a:gd name="connsiteX17" fmla="*/ 3239999 w 3239999"/>
-              <a:gd name="connsiteY17" fmla="*/ 3032924 h 3032924"/>
-              <a:gd name="connsiteX18" fmla="*/ 0 w 3239999"/>
-              <a:gd name="connsiteY18" fmla="*/ 3032924 h 3032924"/>
-              <a:gd name="connsiteX19" fmla="*/ 0 w 3239999"/>
-              <a:gd name="connsiteY19" fmla="*/ 738345 h 3032924"/>
-              <a:gd name="connsiteX20" fmla="*/ 102477 w 3239999"/>
-              <a:gd name="connsiteY20" fmla="*/ 738345 h 3032924"/>
-              <a:gd name="connsiteX21" fmla="*/ 102477 w 3239999"/>
-              <a:gd name="connsiteY21" fmla="*/ 428517 h 3032924"/>
-              <a:gd name="connsiteX22" fmla="*/ 385229 w 3239999"/>
-              <a:gd name="connsiteY22" fmla="*/ 430441 h 3032924"/>
-              <a:gd name="connsiteX23" fmla="*/ 386326 w 3239999"/>
-              <a:gd name="connsiteY23" fmla="*/ 91100 h 3032924"/>
-              <a:gd name="connsiteX24" fmla="*/ 833935 w 3239999"/>
-              <a:gd name="connsiteY24" fmla="*/ 22 h 3032924"/>
-              <a:gd name="connsiteX25" fmla="*/ 1576606 w 3239999"/>
-              <a:gd name="connsiteY25" fmla="*/ 402054 h 3032924"/>
-              <a:gd name="connsiteX26" fmla="*/ 1576606 w 3239999"/>
-              <a:gd name="connsiteY26" fmla="*/ 430441 h 3032924"/>
-              <a:gd name="connsiteX27" fmla="*/ 1576606 w 3239999"/>
-              <a:gd name="connsiteY27" fmla="*/ 526981 h 3032924"/>
-              <a:gd name="connsiteX28" fmla="*/ 1576606 w 3239999"/>
-              <a:gd name="connsiteY28" fmla="*/ 2765302 h 3032924"/>
-              <a:gd name="connsiteX29" fmla="*/ 378630 w 3239999"/>
-              <a:gd name="connsiteY29" fmla="*/ 2472117 h 3032924"/>
-              <a:gd name="connsiteX30" fmla="*/ 384918 w 3239999"/>
-              <a:gd name="connsiteY30" fmla="*/ 526981 h 3032924"/>
-              <a:gd name="connsiteX31" fmla="*/ 239143 w 3239999"/>
-              <a:gd name="connsiteY31" fmla="*/ 526981 h 3032924"/>
-              <a:gd name="connsiteX32" fmla="*/ 239143 w 3239999"/>
-              <a:gd name="connsiteY32" fmla="*/ 2776423 h 3032924"/>
-              <a:gd name="connsiteX33" fmla="*/ 1576606 w 3239999"/>
-              <a:gd name="connsiteY33" fmla="*/ 2776423 h 3032924"/>
-              <a:gd name="connsiteX34" fmla="*/ 1668046 w 3239999"/>
-              <a:gd name="connsiteY34" fmla="*/ 2869642 h 3032924"/>
-              <a:gd name="connsiteX0" fmla="*/ 1576606 w 3239999"/>
-              <a:gd name="connsiteY0" fmla="*/ 2778202 h 3032924"/>
-              <a:gd name="connsiteX1" fmla="*/ 1663394 w 3239999"/>
-              <a:gd name="connsiteY1" fmla="*/ 2778202 h 3032924"/>
-              <a:gd name="connsiteX2" fmla="*/ 1663394 w 3239999"/>
-              <a:gd name="connsiteY2" fmla="*/ 2776423 h 3032924"/>
-              <a:gd name="connsiteX3" fmla="*/ 3000856 w 3239999"/>
-              <a:gd name="connsiteY3" fmla="*/ 2776423 h 3032924"/>
-              <a:gd name="connsiteX4" fmla="*/ 3000856 w 3239999"/>
-              <a:gd name="connsiteY4" fmla="*/ 526981 h 3032924"/>
-              <a:gd name="connsiteX5" fmla="*/ 2855082 w 3239999"/>
-              <a:gd name="connsiteY5" fmla="*/ 526981 h 3032924"/>
-              <a:gd name="connsiteX6" fmla="*/ 2861369 w 3239999"/>
-              <a:gd name="connsiteY6" fmla="*/ 2472117 h 3032924"/>
-              <a:gd name="connsiteX7" fmla="*/ 1663394 w 3239999"/>
-              <a:gd name="connsiteY7" fmla="*/ 2765302 h 3032924"/>
-              <a:gd name="connsiteX8" fmla="*/ 1663394 w 3239999"/>
-              <a:gd name="connsiteY8" fmla="*/ 526981 h 3032924"/>
-              <a:gd name="connsiteX9" fmla="*/ 1663394 w 3239999"/>
-              <a:gd name="connsiteY9" fmla="*/ 430441 h 3032924"/>
-              <a:gd name="connsiteX10" fmla="*/ 1663394 w 3239999"/>
-              <a:gd name="connsiteY10" fmla="*/ 402054 h 3032924"/>
-              <a:gd name="connsiteX11" fmla="*/ 2406065 w 3239999"/>
-              <a:gd name="connsiteY11" fmla="*/ 22 h 3032924"/>
-              <a:gd name="connsiteX12" fmla="*/ 2853673 w 3239999"/>
-              <a:gd name="connsiteY12" fmla="*/ 91100 h 3032924"/>
-              <a:gd name="connsiteX13" fmla="*/ 2854770 w 3239999"/>
-              <a:gd name="connsiteY13" fmla="*/ 430441 h 3032924"/>
-              <a:gd name="connsiteX14" fmla="*/ 3120669 w 3239999"/>
-              <a:gd name="connsiteY14" fmla="*/ 428517 h 3032924"/>
-              <a:gd name="connsiteX15" fmla="*/ 3120669 w 3239999"/>
-              <a:gd name="connsiteY15" fmla="*/ 738345 h 3032924"/>
-              <a:gd name="connsiteX16" fmla="*/ 3239999 w 3239999"/>
-              <a:gd name="connsiteY16" fmla="*/ 738345 h 3032924"/>
-              <a:gd name="connsiteX17" fmla="*/ 3239999 w 3239999"/>
-              <a:gd name="connsiteY17" fmla="*/ 3032924 h 3032924"/>
-              <a:gd name="connsiteX18" fmla="*/ 0 w 3239999"/>
-              <a:gd name="connsiteY18" fmla="*/ 3032924 h 3032924"/>
-              <a:gd name="connsiteX19" fmla="*/ 0 w 3239999"/>
-              <a:gd name="connsiteY19" fmla="*/ 738345 h 3032924"/>
-              <a:gd name="connsiteX20" fmla="*/ 102477 w 3239999"/>
-              <a:gd name="connsiteY20" fmla="*/ 738345 h 3032924"/>
-              <a:gd name="connsiteX21" fmla="*/ 102477 w 3239999"/>
-              <a:gd name="connsiteY21" fmla="*/ 428517 h 3032924"/>
-              <a:gd name="connsiteX22" fmla="*/ 385229 w 3239999"/>
-              <a:gd name="connsiteY22" fmla="*/ 430441 h 3032924"/>
-              <a:gd name="connsiteX23" fmla="*/ 386326 w 3239999"/>
-              <a:gd name="connsiteY23" fmla="*/ 91100 h 3032924"/>
-              <a:gd name="connsiteX24" fmla="*/ 833935 w 3239999"/>
-              <a:gd name="connsiteY24" fmla="*/ 22 h 3032924"/>
-              <a:gd name="connsiteX25" fmla="*/ 1576606 w 3239999"/>
-              <a:gd name="connsiteY25" fmla="*/ 402054 h 3032924"/>
-              <a:gd name="connsiteX26" fmla="*/ 1576606 w 3239999"/>
-              <a:gd name="connsiteY26" fmla="*/ 430441 h 3032924"/>
-              <a:gd name="connsiteX27" fmla="*/ 1576606 w 3239999"/>
-              <a:gd name="connsiteY27" fmla="*/ 526981 h 3032924"/>
-              <a:gd name="connsiteX28" fmla="*/ 1576606 w 3239999"/>
-              <a:gd name="connsiteY28" fmla="*/ 2765302 h 3032924"/>
-              <a:gd name="connsiteX29" fmla="*/ 378630 w 3239999"/>
-              <a:gd name="connsiteY29" fmla="*/ 2472117 h 3032924"/>
-              <a:gd name="connsiteX30" fmla="*/ 384918 w 3239999"/>
-              <a:gd name="connsiteY30" fmla="*/ 526981 h 3032924"/>
-              <a:gd name="connsiteX31" fmla="*/ 239143 w 3239999"/>
-              <a:gd name="connsiteY31" fmla="*/ 526981 h 3032924"/>
-              <a:gd name="connsiteX32" fmla="*/ 239143 w 3239999"/>
-              <a:gd name="connsiteY32" fmla="*/ 2776423 h 3032924"/>
-              <a:gd name="connsiteX33" fmla="*/ 1576606 w 3239999"/>
-              <a:gd name="connsiteY33" fmla="*/ 2776423 h 3032924"/>
-              <a:gd name="connsiteX34" fmla="*/ 1668046 w 3239999"/>
-              <a:gd name="connsiteY34" fmla="*/ 2869642 h 3032924"/>
-              <a:gd name="connsiteX0" fmla="*/ 1576606 w 3239999"/>
-              <a:gd name="connsiteY0" fmla="*/ 2778202 h 3032924"/>
-              <a:gd name="connsiteX1" fmla="*/ 1663394 w 3239999"/>
-              <a:gd name="connsiteY1" fmla="*/ 2778202 h 3032924"/>
-              <a:gd name="connsiteX2" fmla="*/ 1663394 w 3239999"/>
-              <a:gd name="connsiteY2" fmla="*/ 2776423 h 3032924"/>
-              <a:gd name="connsiteX3" fmla="*/ 3000856 w 3239999"/>
-              <a:gd name="connsiteY3" fmla="*/ 2776423 h 3032924"/>
-              <a:gd name="connsiteX4" fmla="*/ 3000856 w 3239999"/>
-              <a:gd name="connsiteY4" fmla="*/ 526981 h 3032924"/>
-              <a:gd name="connsiteX5" fmla="*/ 2855082 w 3239999"/>
-              <a:gd name="connsiteY5" fmla="*/ 526981 h 3032924"/>
-              <a:gd name="connsiteX6" fmla="*/ 2861369 w 3239999"/>
-              <a:gd name="connsiteY6" fmla="*/ 2472117 h 3032924"/>
-              <a:gd name="connsiteX7" fmla="*/ 1663394 w 3239999"/>
-              <a:gd name="connsiteY7" fmla="*/ 2765302 h 3032924"/>
-              <a:gd name="connsiteX8" fmla="*/ 1663394 w 3239999"/>
-              <a:gd name="connsiteY8" fmla="*/ 526981 h 3032924"/>
-              <a:gd name="connsiteX9" fmla="*/ 1663394 w 3239999"/>
-              <a:gd name="connsiteY9" fmla="*/ 430441 h 3032924"/>
-              <a:gd name="connsiteX10" fmla="*/ 1663394 w 3239999"/>
-              <a:gd name="connsiteY10" fmla="*/ 402054 h 3032924"/>
-              <a:gd name="connsiteX11" fmla="*/ 2406065 w 3239999"/>
-              <a:gd name="connsiteY11" fmla="*/ 22 h 3032924"/>
-              <a:gd name="connsiteX12" fmla="*/ 2853673 w 3239999"/>
-              <a:gd name="connsiteY12" fmla="*/ 91100 h 3032924"/>
-              <a:gd name="connsiteX13" fmla="*/ 2854770 w 3239999"/>
-              <a:gd name="connsiteY13" fmla="*/ 430441 h 3032924"/>
-              <a:gd name="connsiteX14" fmla="*/ 3120669 w 3239999"/>
-              <a:gd name="connsiteY14" fmla="*/ 428517 h 3032924"/>
-              <a:gd name="connsiteX15" fmla="*/ 3120669 w 3239999"/>
-              <a:gd name="connsiteY15" fmla="*/ 738345 h 3032924"/>
-              <a:gd name="connsiteX16" fmla="*/ 3239999 w 3239999"/>
-              <a:gd name="connsiteY16" fmla="*/ 738345 h 3032924"/>
-              <a:gd name="connsiteX17" fmla="*/ 3239999 w 3239999"/>
-              <a:gd name="connsiteY17" fmla="*/ 3032924 h 3032924"/>
-              <a:gd name="connsiteX18" fmla="*/ 0 w 3239999"/>
-              <a:gd name="connsiteY18" fmla="*/ 3032924 h 3032924"/>
-              <a:gd name="connsiteX19" fmla="*/ 0 w 3239999"/>
-              <a:gd name="connsiteY19" fmla="*/ 738345 h 3032924"/>
-              <a:gd name="connsiteX20" fmla="*/ 102477 w 3239999"/>
-              <a:gd name="connsiteY20" fmla="*/ 738345 h 3032924"/>
-              <a:gd name="connsiteX21" fmla="*/ 102477 w 3239999"/>
-              <a:gd name="connsiteY21" fmla="*/ 428517 h 3032924"/>
-              <a:gd name="connsiteX22" fmla="*/ 385229 w 3239999"/>
-              <a:gd name="connsiteY22" fmla="*/ 430441 h 3032924"/>
-              <a:gd name="connsiteX23" fmla="*/ 386326 w 3239999"/>
-              <a:gd name="connsiteY23" fmla="*/ 91100 h 3032924"/>
-              <a:gd name="connsiteX24" fmla="*/ 833935 w 3239999"/>
-              <a:gd name="connsiteY24" fmla="*/ 22 h 3032924"/>
-              <a:gd name="connsiteX25" fmla="*/ 1576606 w 3239999"/>
-              <a:gd name="connsiteY25" fmla="*/ 402054 h 3032924"/>
-              <a:gd name="connsiteX26" fmla="*/ 1576606 w 3239999"/>
-              <a:gd name="connsiteY26" fmla="*/ 430441 h 3032924"/>
-              <a:gd name="connsiteX27" fmla="*/ 1576606 w 3239999"/>
-              <a:gd name="connsiteY27" fmla="*/ 526981 h 3032924"/>
-              <a:gd name="connsiteX28" fmla="*/ 1576606 w 3239999"/>
-              <a:gd name="connsiteY28" fmla="*/ 2765302 h 3032924"/>
-              <a:gd name="connsiteX29" fmla="*/ 378630 w 3239999"/>
-              <a:gd name="connsiteY29" fmla="*/ 2472117 h 3032924"/>
-              <a:gd name="connsiteX30" fmla="*/ 384918 w 3239999"/>
-              <a:gd name="connsiteY30" fmla="*/ 526981 h 3032924"/>
-              <a:gd name="connsiteX31" fmla="*/ 239143 w 3239999"/>
-              <a:gd name="connsiteY31" fmla="*/ 526981 h 3032924"/>
-              <a:gd name="connsiteX32" fmla="*/ 239143 w 3239999"/>
-              <a:gd name="connsiteY32" fmla="*/ 2776423 h 3032924"/>
-              <a:gd name="connsiteX33" fmla="*/ 1576606 w 3239999"/>
-              <a:gd name="connsiteY33" fmla="*/ 2776423 h 3032924"/>
-              <a:gd name="connsiteX34" fmla="*/ 1668046 w 3239999"/>
-              <a:gd name="connsiteY34" fmla="*/ 2869642 h 3032924"/>
-              <a:gd name="connsiteX0" fmla="*/ 1576606 w 3239999"/>
-              <a:gd name="connsiteY0" fmla="*/ 2778202 h 3032924"/>
-              <a:gd name="connsiteX1" fmla="*/ 1663394 w 3239999"/>
-              <a:gd name="connsiteY1" fmla="*/ 2778202 h 3032924"/>
-              <a:gd name="connsiteX2" fmla="*/ 1663394 w 3239999"/>
-              <a:gd name="connsiteY2" fmla="*/ 2776423 h 3032924"/>
-              <a:gd name="connsiteX3" fmla="*/ 3000856 w 3239999"/>
-              <a:gd name="connsiteY3" fmla="*/ 2776423 h 3032924"/>
-              <a:gd name="connsiteX4" fmla="*/ 3000856 w 3239999"/>
-              <a:gd name="connsiteY4" fmla="*/ 526981 h 3032924"/>
-              <a:gd name="connsiteX5" fmla="*/ 2855082 w 3239999"/>
-              <a:gd name="connsiteY5" fmla="*/ 526981 h 3032924"/>
-              <a:gd name="connsiteX6" fmla="*/ 2861369 w 3239999"/>
-              <a:gd name="connsiteY6" fmla="*/ 2472117 h 3032924"/>
-              <a:gd name="connsiteX7" fmla="*/ 1663394 w 3239999"/>
-              <a:gd name="connsiteY7" fmla="*/ 2765302 h 3032924"/>
-              <a:gd name="connsiteX8" fmla="*/ 1663394 w 3239999"/>
-              <a:gd name="connsiteY8" fmla="*/ 526981 h 3032924"/>
-              <a:gd name="connsiteX9" fmla="*/ 1663394 w 3239999"/>
-              <a:gd name="connsiteY9" fmla="*/ 430441 h 3032924"/>
-              <a:gd name="connsiteX10" fmla="*/ 1663394 w 3239999"/>
-              <a:gd name="connsiteY10" fmla="*/ 402054 h 3032924"/>
-              <a:gd name="connsiteX11" fmla="*/ 2406065 w 3239999"/>
-              <a:gd name="connsiteY11" fmla="*/ 22 h 3032924"/>
-              <a:gd name="connsiteX12" fmla="*/ 2853673 w 3239999"/>
-              <a:gd name="connsiteY12" fmla="*/ 91100 h 3032924"/>
-              <a:gd name="connsiteX13" fmla="*/ 2854770 w 3239999"/>
-              <a:gd name="connsiteY13" fmla="*/ 430441 h 3032924"/>
-              <a:gd name="connsiteX14" fmla="*/ 3120669 w 3239999"/>
-              <a:gd name="connsiteY14" fmla="*/ 428517 h 3032924"/>
-              <a:gd name="connsiteX15" fmla="*/ 3120669 w 3239999"/>
-              <a:gd name="connsiteY15" fmla="*/ 738345 h 3032924"/>
-              <a:gd name="connsiteX16" fmla="*/ 3239999 w 3239999"/>
-              <a:gd name="connsiteY16" fmla="*/ 738345 h 3032924"/>
-              <a:gd name="connsiteX17" fmla="*/ 3239999 w 3239999"/>
-              <a:gd name="connsiteY17" fmla="*/ 3032924 h 3032924"/>
-              <a:gd name="connsiteX18" fmla="*/ 0 w 3239999"/>
-              <a:gd name="connsiteY18" fmla="*/ 3032924 h 3032924"/>
-              <a:gd name="connsiteX19" fmla="*/ 0 w 3239999"/>
-              <a:gd name="connsiteY19" fmla="*/ 738345 h 3032924"/>
-              <a:gd name="connsiteX20" fmla="*/ 102477 w 3239999"/>
-              <a:gd name="connsiteY20" fmla="*/ 738345 h 3032924"/>
-              <a:gd name="connsiteX21" fmla="*/ 102477 w 3239999"/>
-              <a:gd name="connsiteY21" fmla="*/ 428517 h 3032924"/>
-              <a:gd name="connsiteX22" fmla="*/ 385229 w 3239999"/>
-              <a:gd name="connsiteY22" fmla="*/ 430441 h 3032924"/>
-              <a:gd name="connsiteX23" fmla="*/ 386326 w 3239999"/>
-              <a:gd name="connsiteY23" fmla="*/ 91100 h 3032924"/>
-              <a:gd name="connsiteX24" fmla="*/ 833935 w 3239999"/>
-              <a:gd name="connsiteY24" fmla="*/ 22 h 3032924"/>
-              <a:gd name="connsiteX25" fmla="*/ 1576606 w 3239999"/>
-              <a:gd name="connsiteY25" fmla="*/ 402054 h 3032924"/>
-              <a:gd name="connsiteX26" fmla="*/ 1576606 w 3239999"/>
-              <a:gd name="connsiteY26" fmla="*/ 430441 h 3032924"/>
-              <a:gd name="connsiteX27" fmla="*/ 1576606 w 3239999"/>
-              <a:gd name="connsiteY27" fmla="*/ 526981 h 3032924"/>
-              <a:gd name="connsiteX28" fmla="*/ 1576606 w 3239999"/>
-              <a:gd name="connsiteY28" fmla="*/ 2765302 h 3032924"/>
-              <a:gd name="connsiteX29" fmla="*/ 378630 w 3239999"/>
-              <a:gd name="connsiteY29" fmla="*/ 2472117 h 3032924"/>
-              <a:gd name="connsiteX30" fmla="*/ 384918 w 3239999"/>
-              <a:gd name="connsiteY30" fmla="*/ 526981 h 3032924"/>
-              <a:gd name="connsiteX31" fmla="*/ 239143 w 3239999"/>
-              <a:gd name="connsiteY31" fmla="*/ 526981 h 3032924"/>
-              <a:gd name="connsiteX32" fmla="*/ 239143 w 3239999"/>
-              <a:gd name="connsiteY32" fmla="*/ 2776423 h 3032924"/>
-              <a:gd name="connsiteX33" fmla="*/ 1576606 w 3239999"/>
-              <a:gd name="connsiteY33" fmla="*/ 2776423 h 3032924"/>
-              <a:gd name="connsiteX34" fmla="*/ 1668046 w 3239999"/>
-              <a:gd name="connsiteY34" fmla="*/ 2869642 h 3032924"/>
-              <a:gd name="connsiteX0" fmla="*/ 1576606 w 3239999"/>
-              <a:gd name="connsiteY0" fmla="*/ 2778202 h 3032924"/>
-              <a:gd name="connsiteX1" fmla="*/ 1663394 w 3239999"/>
-              <a:gd name="connsiteY1" fmla="*/ 2778202 h 3032924"/>
-              <a:gd name="connsiteX2" fmla="*/ 1663394 w 3239999"/>
-              <a:gd name="connsiteY2" fmla="*/ 2776423 h 3032924"/>
-              <a:gd name="connsiteX3" fmla="*/ 3000856 w 3239999"/>
-              <a:gd name="connsiteY3" fmla="*/ 2776423 h 3032924"/>
-              <a:gd name="connsiteX4" fmla="*/ 3000856 w 3239999"/>
-              <a:gd name="connsiteY4" fmla="*/ 526981 h 3032924"/>
-              <a:gd name="connsiteX5" fmla="*/ 2855082 w 3239999"/>
-              <a:gd name="connsiteY5" fmla="*/ 526981 h 3032924"/>
-              <a:gd name="connsiteX6" fmla="*/ 2861369 w 3239999"/>
-              <a:gd name="connsiteY6" fmla="*/ 2472117 h 3032924"/>
-              <a:gd name="connsiteX7" fmla="*/ 1663394 w 3239999"/>
-              <a:gd name="connsiteY7" fmla="*/ 2765302 h 3032924"/>
-              <a:gd name="connsiteX8" fmla="*/ 1663394 w 3239999"/>
-              <a:gd name="connsiteY8" fmla="*/ 526981 h 3032924"/>
-              <a:gd name="connsiteX9" fmla="*/ 1663394 w 3239999"/>
-              <a:gd name="connsiteY9" fmla="*/ 430441 h 3032924"/>
-              <a:gd name="connsiteX10" fmla="*/ 1663394 w 3239999"/>
-              <a:gd name="connsiteY10" fmla="*/ 402054 h 3032924"/>
-              <a:gd name="connsiteX11" fmla="*/ 2406065 w 3239999"/>
-              <a:gd name="connsiteY11" fmla="*/ 22 h 3032924"/>
-              <a:gd name="connsiteX12" fmla="*/ 2853673 w 3239999"/>
-              <a:gd name="connsiteY12" fmla="*/ 91100 h 3032924"/>
-              <a:gd name="connsiteX13" fmla="*/ 2854770 w 3239999"/>
-              <a:gd name="connsiteY13" fmla="*/ 430441 h 3032924"/>
-              <a:gd name="connsiteX14" fmla="*/ 3120669 w 3239999"/>
-              <a:gd name="connsiteY14" fmla="*/ 428517 h 3032924"/>
-              <a:gd name="connsiteX15" fmla="*/ 3120669 w 3239999"/>
-              <a:gd name="connsiteY15" fmla="*/ 738345 h 3032924"/>
-              <a:gd name="connsiteX16" fmla="*/ 3239999 w 3239999"/>
-              <a:gd name="connsiteY16" fmla="*/ 738345 h 3032924"/>
-              <a:gd name="connsiteX17" fmla="*/ 3239999 w 3239999"/>
-              <a:gd name="connsiteY17" fmla="*/ 3032924 h 3032924"/>
-              <a:gd name="connsiteX18" fmla="*/ 0 w 3239999"/>
-              <a:gd name="connsiteY18" fmla="*/ 3032924 h 3032924"/>
-              <a:gd name="connsiteX19" fmla="*/ 0 w 3239999"/>
-              <a:gd name="connsiteY19" fmla="*/ 738345 h 3032924"/>
-              <a:gd name="connsiteX20" fmla="*/ 102477 w 3239999"/>
-              <a:gd name="connsiteY20" fmla="*/ 738345 h 3032924"/>
-              <a:gd name="connsiteX21" fmla="*/ 102477 w 3239999"/>
-              <a:gd name="connsiteY21" fmla="*/ 428517 h 3032924"/>
-              <a:gd name="connsiteX22" fmla="*/ 385229 w 3239999"/>
-              <a:gd name="connsiteY22" fmla="*/ 430441 h 3032924"/>
-              <a:gd name="connsiteX23" fmla="*/ 386326 w 3239999"/>
-              <a:gd name="connsiteY23" fmla="*/ 91100 h 3032924"/>
-              <a:gd name="connsiteX24" fmla="*/ 833935 w 3239999"/>
-              <a:gd name="connsiteY24" fmla="*/ 22 h 3032924"/>
-              <a:gd name="connsiteX25" fmla="*/ 1576606 w 3239999"/>
-              <a:gd name="connsiteY25" fmla="*/ 402054 h 3032924"/>
-              <a:gd name="connsiteX26" fmla="*/ 1576606 w 3239999"/>
-              <a:gd name="connsiteY26" fmla="*/ 430441 h 3032924"/>
-              <a:gd name="connsiteX27" fmla="*/ 1576606 w 3239999"/>
-              <a:gd name="connsiteY27" fmla="*/ 526981 h 3032924"/>
-              <a:gd name="connsiteX28" fmla="*/ 1576606 w 3239999"/>
-              <a:gd name="connsiteY28" fmla="*/ 2765302 h 3032924"/>
-              <a:gd name="connsiteX29" fmla="*/ 378630 w 3239999"/>
-              <a:gd name="connsiteY29" fmla="*/ 2472117 h 3032924"/>
-              <a:gd name="connsiteX30" fmla="*/ 384918 w 3239999"/>
-              <a:gd name="connsiteY30" fmla="*/ 526981 h 3032924"/>
-              <a:gd name="connsiteX31" fmla="*/ 239143 w 3239999"/>
-              <a:gd name="connsiteY31" fmla="*/ 526981 h 3032924"/>
-              <a:gd name="connsiteX32" fmla="*/ 239143 w 3239999"/>
-              <a:gd name="connsiteY32" fmla="*/ 2776423 h 3032924"/>
-              <a:gd name="connsiteX33" fmla="*/ 1576606 w 3239999"/>
-              <a:gd name="connsiteY33" fmla="*/ 2776423 h 3032924"/>
-              <a:gd name="connsiteX34" fmla="*/ 1668046 w 3239999"/>
-              <a:gd name="connsiteY34" fmla="*/ 2869642 h 3032924"/>
-              <a:gd name="connsiteX0" fmla="*/ 1576606 w 3239999"/>
-              <a:gd name="connsiteY0" fmla="*/ 2778202 h 3032924"/>
-              <a:gd name="connsiteX1" fmla="*/ 1663394 w 3239999"/>
-              <a:gd name="connsiteY1" fmla="*/ 2778202 h 3032924"/>
-              <a:gd name="connsiteX2" fmla="*/ 1663394 w 3239999"/>
-              <a:gd name="connsiteY2" fmla="*/ 2776423 h 3032924"/>
-              <a:gd name="connsiteX3" fmla="*/ 3000856 w 3239999"/>
-              <a:gd name="connsiteY3" fmla="*/ 2776423 h 3032924"/>
-              <a:gd name="connsiteX4" fmla="*/ 3000856 w 3239999"/>
-              <a:gd name="connsiteY4" fmla="*/ 526981 h 3032924"/>
-              <a:gd name="connsiteX5" fmla="*/ 2855082 w 3239999"/>
-              <a:gd name="connsiteY5" fmla="*/ 526981 h 3032924"/>
-              <a:gd name="connsiteX6" fmla="*/ 2861369 w 3239999"/>
-              <a:gd name="connsiteY6" fmla="*/ 2472117 h 3032924"/>
-              <a:gd name="connsiteX7" fmla="*/ 1663394 w 3239999"/>
-              <a:gd name="connsiteY7" fmla="*/ 2765302 h 3032924"/>
-              <a:gd name="connsiteX8" fmla="*/ 1663394 w 3239999"/>
-              <a:gd name="connsiteY8" fmla="*/ 526981 h 3032924"/>
-              <a:gd name="connsiteX9" fmla="*/ 1663394 w 3239999"/>
-              <a:gd name="connsiteY9" fmla="*/ 430441 h 3032924"/>
-              <a:gd name="connsiteX10" fmla="*/ 1663394 w 3239999"/>
-              <a:gd name="connsiteY10" fmla="*/ 402054 h 3032924"/>
-              <a:gd name="connsiteX11" fmla="*/ 2406065 w 3239999"/>
-              <a:gd name="connsiteY11" fmla="*/ 22 h 3032924"/>
-              <a:gd name="connsiteX12" fmla="*/ 2853673 w 3239999"/>
-              <a:gd name="connsiteY12" fmla="*/ 91100 h 3032924"/>
-              <a:gd name="connsiteX13" fmla="*/ 2854770 w 3239999"/>
-              <a:gd name="connsiteY13" fmla="*/ 430441 h 3032924"/>
-              <a:gd name="connsiteX14" fmla="*/ 3120669 w 3239999"/>
-              <a:gd name="connsiteY14" fmla="*/ 428517 h 3032924"/>
-              <a:gd name="connsiteX15" fmla="*/ 3120669 w 3239999"/>
-              <a:gd name="connsiteY15" fmla="*/ 738345 h 3032924"/>
-              <a:gd name="connsiteX16" fmla="*/ 3239999 w 3239999"/>
-              <a:gd name="connsiteY16" fmla="*/ 738345 h 3032924"/>
-              <a:gd name="connsiteX17" fmla="*/ 3239999 w 3239999"/>
-              <a:gd name="connsiteY17" fmla="*/ 3032924 h 3032924"/>
-              <a:gd name="connsiteX18" fmla="*/ 0 w 3239999"/>
-              <a:gd name="connsiteY18" fmla="*/ 3032924 h 3032924"/>
-              <a:gd name="connsiteX19" fmla="*/ 0 w 3239999"/>
-              <a:gd name="connsiteY19" fmla="*/ 738345 h 3032924"/>
-              <a:gd name="connsiteX20" fmla="*/ 102477 w 3239999"/>
-              <a:gd name="connsiteY20" fmla="*/ 738345 h 3032924"/>
-              <a:gd name="connsiteX21" fmla="*/ 102477 w 3239999"/>
-              <a:gd name="connsiteY21" fmla="*/ 428517 h 3032924"/>
-              <a:gd name="connsiteX22" fmla="*/ 385229 w 3239999"/>
-              <a:gd name="connsiteY22" fmla="*/ 430441 h 3032924"/>
-              <a:gd name="connsiteX23" fmla="*/ 386326 w 3239999"/>
-              <a:gd name="connsiteY23" fmla="*/ 91100 h 3032924"/>
-              <a:gd name="connsiteX24" fmla="*/ 833935 w 3239999"/>
-              <a:gd name="connsiteY24" fmla="*/ 22 h 3032924"/>
-              <a:gd name="connsiteX25" fmla="*/ 1576606 w 3239999"/>
-              <a:gd name="connsiteY25" fmla="*/ 402054 h 3032924"/>
-              <a:gd name="connsiteX26" fmla="*/ 1576606 w 3239999"/>
-              <a:gd name="connsiteY26" fmla="*/ 430441 h 3032924"/>
-              <a:gd name="connsiteX27" fmla="*/ 1576606 w 3239999"/>
-              <a:gd name="connsiteY27" fmla="*/ 526981 h 3032924"/>
-              <a:gd name="connsiteX28" fmla="*/ 1576606 w 3239999"/>
-              <a:gd name="connsiteY28" fmla="*/ 2765302 h 3032924"/>
-              <a:gd name="connsiteX29" fmla="*/ 378630 w 3239999"/>
-              <a:gd name="connsiteY29" fmla="*/ 2472117 h 3032924"/>
-              <a:gd name="connsiteX30" fmla="*/ 384918 w 3239999"/>
-              <a:gd name="connsiteY30" fmla="*/ 526981 h 3032924"/>
-              <a:gd name="connsiteX31" fmla="*/ 239143 w 3239999"/>
-              <a:gd name="connsiteY31" fmla="*/ 526981 h 3032924"/>
-              <a:gd name="connsiteX32" fmla="*/ 239143 w 3239999"/>
-              <a:gd name="connsiteY32" fmla="*/ 2776423 h 3032924"/>
-              <a:gd name="connsiteX33" fmla="*/ 1576606 w 3239999"/>
-              <a:gd name="connsiteY33" fmla="*/ 2776423 h 3032924"/>
-              <a:gd name="connsiteX34" fmla="*/ 1668046 w 3239999"/>
-              <a:gd name="connsiteY34" fmla="*/ 2869642 h 3032924"/>
-              <a:gd name="connsiteX0" fmla="*/ 1576606 w 3239999"/>
-              <a:gd name="connsiteY0" fmla="*/ 2778202 h 3032924"/>
-              <a:gd name="connsiteX1" fmla="*/ 1663394 w 3239999"/>
-              <a:gd name="connsiteY1" fmla="*/ 2778202 h 3032924"/>
-              <a:gd name="connsiteX2" fmla="*/ 1663394 w 3239999"/>
-              <a:gd name="connsiteY2" fmla="*/ 2776423 h 3032924"/>
-              <a:gd name="connsiteX3" fmla="*/ 3000856 w 3239999"/>
-              <a:gd name="connsiteY3" fmla="*/ 2776423 h 3032924"/>
-              <a:gd name="connsiteX4" fmla="*/ 3000856 w 3239999"/>
-              <a:gd name="connsiteY4" fmla="*/ 526981 h 3032924"/>
-              <a:gd name="connsiteX5" fmla="*/ 2855082 w 3239999"/>
-              <a:gd name="connsiteY5" fmla="*/ 526981 h 3032924"/>
-              <a:gd name="connsiteX6" fmla="*/ 2861369 w 3239999"/>
-              <a:gd name="connsiteY6" fmla="*/ 2472117 h 3032924"/>
-              <a:gd name="connsiteX7" fmla="*/ 1663394 w 3239999"/>
-              <a:gd name="connsiteY7" fmla="*/ 2765302 h 3032924"/>
-              <a:gd name="connsiteX8" fmla="*/ 1663394 w 3239999"/>
-              <a:gd name="connsiteY8" fmla="*/ 526981 h 3032924"/>
-              <a:gd name="connsiteX9" fmla="*/ 1663394 w 3239999"/>
-              <a:gd name="connsiteY9" fmla="*/ 430441 h 3032924"/>
-              <a:gd name="connsiteX10" fmla="*/ 1663394 w 3239999"/>
-              <a:gd name="connsiteY10" fmla="*/ 402054 h 3032924"/>
-              <a:gd name="connsiteX11" fmla="*/ 2406065 w 3239999"/>
-              <a:gd name="connsiteY11" fmla="*/ 22 h 3032924"/>
-              <a:gd name="connsiteX12" fmla="*/ 2853673 w 3239999"/>
-              <a:gd name="connsiteY12" fmla="*/ 91100 h 3032924"/>
-              <a:gd name="connsiteX13" fmla="*/ 2854770 w 3239999"/>
-              <a:gd name="connsiteY13" fmla="*/ 430441 h 3032924"/>
-              <a:gd name="connsiteX14" fmla="*/ 3120669 w 3239999"/>
-              <a:gd name="connsiteY14" fmla="*/ 428517 h 3032924"/>
-              <a:gd name="connsiteX15" fmla="*/ 3120669 w 3239999"/>
-              <a:gd name="connsiteY15" fmla="*/ 738345 h 3032924"/>
-              <a:gd name="connsiteX16" fmla="*/ 3239999 w 3239999"/>
-              <a:gd name="connsiteY16" fmla="*/ 738345 h 3032924"/>
-              <a:gd name="connsiteX17" fmla="*/ 3239999 w 3239999"/>
-              <a:gd name="connsiteY17" fmla="*/ 3032924 h 3032924"/>
-              <a:gd name="connsiteX18" fmla="*/ 0 w 3239999"/>
-              <a:gd name="connsiteY18" fmla="*/ 3032924 h 3032924"/>
-              <a:gd name="connsiteX19" fmla="*/ 0 w 3239999"/>
-              <a:gd name="connsiteY19" fmla="*/ 738345 h 3032924"/>
-              <a:gd name="connsiteX20" fmla="*/ 102477 w 3239999"/>
-              <a:gd name="connsiteY20" fmla="*/ 738345 h 3032924"/>
-              <a:gd name="connsiteX21" fmla="*/ 102477 w 3239999"/>
-              <a:gd name="connsiteY21" fmla="*/ 428517 h 3032924"/>
-              <a:gd name="connsiteX22" fmla="*/ 385229 w 3239999"/>
-              <a:gd name="connsiteY22" fmla="*/ 430441 h 3032924"/>
-              <a:gd name="connsiteX23" fmla="*/ 386326 w 3239999"/>
-              <a:gd name="connsiteY23" fmla="*/ 91100 h 3032924"/>
-              <a:gd name="connsiteX24" fmla="*/ 833935 w 3239999"/>
-              <a:gd name="connsiteY24" fmla="*/ 22 h 3032924"/>
-              <a:gd name="connsiteX25" fmla="*/ 1576606 w 3239999"/>
-              <a:gd name="connsiteY25" fmla="*/ 402054 h 3032924"/>
-              <a:gd name="connsiteX26" fmla="*/ 1576606 w 3239999"/>
-              <a:gd name="connsiteY26" fmla="*/ 430441 h 3032924"/>
-              <a:gd name="connsiteX27" fmla="*/ 1576606 w 3239999"/>
-              <a:gd name="connsiteY27" fmla="*/ 526981 h 3032924"/>
-              <a:gd name="connsiteX28" fmla="*/ 1576606 w 3239999"/>
-              <a:gd name="connsiteY28" fmla="*/ 2765302 h 3032924"/>
-              <a:gd name="connsiteX29" fmla="*/ 378630 w 3239999"/>
-              <a:gd name="connsiteY29" fmla="*/ 2472117 h 3032924"/>
-              <a:gd name="connsiteX30" fmla="*/ 384918 w 3239999"/>
-              <a:gd name="connsiteY30" fmla="*/ 526981 h 3032924"/>
-              <a:gd name="connsiteX31" fmla="*/ 239143 w 3239999"/>
-              <a:gd name="connsiteY31" fmla="*/ 526981 h 3032924"/>
-              <a:gd name="connsiteX32" fmla="*/ 239143 w 3239999"/>
-              <a:gd name="connsiteY32" fmla="*/ 2776423 h 3032924"/>
-              <a:gd name="connsiteX33" fmla="*/ 1576606 w 3239999"/>
-              <a:gd name="connsiteY33" fmla="*/ 2776423 h 3032924"/>
-              <a:gd name="connsiteX34" fmla="*/ 1668046 w 3239999"/>
-              <a:gd name="connsiteY34" fmla="*/ 2869642 h 3032924"/>
-              <a:gd name="connsiteX0" fmla="*/ 1576606 w 3239999"/>
-              <a:gd name="connsiteY0" fmla="*/ 2778202 h 3032924"/>
-              <a:gd name="connsiteX1" fmla="*/ 1663394 w 3239999"/>
-              <a:gd name="connsiteY1" fmla="*/ 2778202 h 3032924"/>
-              <a:gd name="connsiteX2" fmla="*/ 1663394 w 3239999"/>
-              <a:gd name="connsiteY2" fmla="*/ 2776423 h 3032924"/>
-              <a:gd name="connsiteX3" fmla="*/ 3000856 w 3239999"/>
-              <a:gd name="connsiteY3" fmla="*/ 2776423 h 3032924"/>
-              <a:gd name="connsiteX4" fmla="*/ 3000856 w 3239999"/>
-              <a:gd name="connsiteY4" fmla="*/ 526981 h 3032924"/>
-              <a:gd name="connsiteX5" fmla="*/ 2855082 w 3239999"/>
-              <a:gd name="connsiteY5" fmla="*/ 526981 h 3032924"/>
-              <a:gd name="connsiteX6" fmla="*/ 2861369 w 3239999"/>
-              <a:gd name="connsiteY6" fmla="*/ 2472117 h 3032924"/>
-              <a:gd name="connsiteX7" fmla="*/ 1663394 w 3239999"/>
-              <a:gd name="connsiteY7" fmla="*/ 2765302 h 3032924"/>
-              <a:gd name="connsiteX8" fmla="*/ 1663394 w 3239999"/>
-              <a:gd name="connsiteY8" fmla="*/ 526981 h 3032924"/>
-              <a:gd name="connsiteX9" fmla="*/ 1663394 w 3239999"/>
-              <a:gd name="connsiteY9" fmla="*/ 430441 h 3032924"/>
-              <a:gd name="connsiteX10" fmla="*/ 1663394 w 3239999"/>
-              <a:gd name="connsiteY10" fmla="*/ 402054 h 3032924"/>
-              <a:gd name="connsiteX11" fmla="*/ 2406065 w 3239999"/>
-              <a:gd name="connsiteY11" fmla="*/ 22 h 3032924"/>
-              <a:gd name="connsiteX12" fmla="*/ 2853673 w 3239999"/>
-              <a:gd name="connsiteY12" fmla="*/ 91100 h 3032924"/>
-              <a:gd name="connsiteX13" fmla="*/ 2854770 w 3239999"/>
-              <a:gd name="connsiteY13" fmla="*/ 430441 h 3032924"/>
-              <a:gd name="connsiteX14" fmla="*/ 3120669 w 3239999"/>
-              <a:gd name="connsiteY14" fmla="*/ 428517 h 3032924"/>
-              <a:gd name="connsiteX15" fmla="*/ 3120669 w 3239999"/>
-              <a:gd name="connsiteY15" fmla="*/ 738345 h 3032924"/>
-              <a:gd name="connsiteX16" fmla="*/ 3239999 w 3239999"/>
-              <a:gd name="connsiteY16" fmla="*/ 738345 h 3032924"/>
-              <a:gd name="connsiteX17" fmla="*/ 3239999 w 3239999"/>
-              <a:gd name="connsiteY17" fmla="*/ 3032924 h 3032924"/>
-              <a:gd name="connsiteX18" fmla="*/ 0 w 3239999"/>
-              <a:gd name="connsiteY18" fmla="*/ 3032924 h 3032924"/>
-              <a:gd name="connsiteX19" fmla="*/ 0 w 3239999"/>
-              <a:gd name="connsiteY19" fmla="*/ 738345 h 3032924"/>
-              <a:gd name="connsiteX20" fmla="*/ 102477 w 3239999"/>
-              <a:gd name="connsiteY20" fmla="*/ 738345 h 3032924"/>
-              <a:gd name="connsiteX21" fmla="*/ 102477 w 3239999"/>
-              <a:gd name="connsiteY21" fmla="*/ 428517 h 3032924"/>
-              <a:gd name="connsiteX22" fmla="*/ 385229 w 3239999"/>
-              <a:gd name="connsiteY22" fmla="*/ 430441 h 3032924"/>
-              <a:gd name="connsiteX23" fmla="*/ 386326 w 3239999"/>
-              <a:gd name="connsiteY23" fmla="*/ 91100 h 3032924"/>
-              <a:gd name="connsiteX24" fmla="*/ 833935 w 3239999"/>
-              <a:gd name="connsiteY24" fmla="*/ 22 h 3032924"/>
-              <a:gd name="connsiteX25" fmla="*/ 1576606 w 3239999"/>
-              <a:gd name="connsiteY25" fmla="*/ 402054 h 3032924"/>
-              <a:gd name="connsiteX26" fmla="*/ 1576606 w 3239999"/>
-              <a:gd name="connsiteY26" fmla="*/ 430441 h 3032924"/>
-              <a:gd name="connsiteX27" fmla="*/ 1576606 w 3239999"/>
-              <a:gd name="connsiteY27" fmla="*/ 526981 h 3032924"/>
-              <a:gd name="connsiteX28" fmla="*/ 1576606 w 3239999"/>
-              <a:gd name="connsiteY28" fmla="*/ 2765302 h 3032924"/>
-              <a:gd name="connsiteX29" fmla="*/ 378630 w 3239999"/>
-              <a:gd name="connsiteY29" fmla="*/ 2472117 h 3032924"/>
-              <a:gd name="connsiteX30" fmla="*/ 384918 w 3239999"/>
-              <a:gd name="connsiteY30" fmla="*/ 526981 h 3032924"/>
-              <a:gd name="connsiteX31" fmla="*/ 239143 w 3239999"/>
-              <a:gd name="connsiteY31" fmla="*/ 526981 h 3032924"/>
-              <a:gd name="connsiteX32" fmla="*/ 239143 w 3239999"/>
-              <a:gd name="connsiteY32" fmla="*/ 2776423 h 3032924"/>
-              <a:gd name="connsiteX33" fmla="*/ 1576606 w 3239999"/>
-              <a:gd name="connsiteY33" fmla="*/ 2776423 h 3032924"/>
-              <a:gd name="connsiteX34" fmla="*/ 1668046 w 3239999"/>
-              <a:gd name="connsiteY34" fmla="*/ 2869642 h 3032924"/>
-              <a:gd name="connsiteX0" fmla="*/ 1576606 w 3239999"/>
-              <a:gd name="connsiteY0" fmla="*/ 2778202 h 3032924"/>
-              <a:gd name="connsiteX1" fmla="*/ 1663394 w 3239999"/>
-              <a:gd name="connsiteY1" fmla="*/ 2778202 h 3032924"/>
-              <a:gd name="connsiteX2" fmla="*/ 1663394 w 3239999"/>
-              <a:gd name="connsiteY2" fmla="*/ 2776423 h 3032924"/>
-              <a:gd name="connsiteX3" fmla="*/ 3000856 w 3239999"/>
-              <a:gd name="connsiteY3" fmla="*/ 2776423 h 3032924"/>
-              <a:gd name="connsiteX4" fmla="*/ 3000856 w 3239999"/>
-              <a:gd name="connsiteY4" fmla="*/ 526981 h 3032924"/>
-              <a:gd name="connsiteX5" fmla="*/ 2855082 w 3239999"/>
-              <a:gd name="connsiteY5" fmla="*/ 526981 h 3032924"/>
-              <a:gd name="connsiteX6" fmla="*/ 2861369 w 3239999"/>
-              <a:gd name="connsiteY6" fmla="*/ 2472117 h 3032924"/>
-              <a:gd name="connsiteX7" fmla="*/ 1663394 w 3239999"/>
-              <a:gd name="connsiteY7" fmla="*/ 2765302 h 3032924"/>
-              <a:gd name="connsiteX8" fmla="*/ 1663394 w 3239999"/>
-              <a:gd name="connsiteY8" fmla="*/ 526981 h 3032924"/>
-              <a:gd name="connsiteX9" fmla="*/ 1663394 w 3239999"/>
-              <a:gd name="connsiteY9" fmla="*/ 430441 h 3032924"/>
-              <a:gd name="connsiteX10" fmla="*/ 1663394 w 3239999"/>
-              <a:gd name="connsiteY10" fmla="*/ 402054 h 3032924"/>
-              <a:gd name="connsiteX11" fmla="*/ 2406065 w 3239999"/>
-              <a:gd name="connsiteY11" fmla="*/ 22 h 3032924"/>
-              <a:gd name="connsiteX12" fmla="*/ 2853673 w 3239999"/>
-              <a:gd name="connsiteY12" fmla="*/ 91100 h 3032924"/>
-              <a:gd name="connsiteX13" fmla="*/ 2854770 w 3239999"/>
-              <a:gd name="connsiteY13" fmla="*/ 430441 h 3032924"/>
-              <a:gd name="connsiteX14" fmla="*/ 3120669 w 3239999"/>
-              <a:gd name="connsiteY14" fmla="*/ 428517 h 3032924"/>
-              <a:gd name="connsiteX15" fmla="*/ 3120669 w 3239999"/>
-              <a:gd name="connsiteY15" fmla="*/ 738345 h 3032924"/>
-              <a:gd name="connsiteX16" fmla="*/ 3239999 w 3239999"/>
-              <a:gd name="connsiteY16" fmla="*/ 738345 h 3032924"/>
-              <a:gd name="connsiteX17" fmla="*/ 3239999 w 3239999"/>
-              <a:gd name="connsiteY17" fmla="*/ 3032924 h 3032924"/>
-              <a:gd name="connsiteX18" fmla="*/ 0 w 3239999"/>
-              <a:gd name="connsiteY18" fmla="*/ 3032924 h 3032924"/>
-              <a:gd name="connsiteX19" fmla="*/ 0 w 3239999"/>
-              <a:gd name="connsiteY19" fmla="*/ 738345 h 3032924"/>
-              <a:gd name="connsiteX20" fmla="*/ 102477 w 3239999"/>
-              <a:gd name="connsiteY20" fmla="*/ 738345 h 3032924"/>
-              <a:gd name="connsiteX21" fmla="*/ 102477 w 3239999"/>
-              <a:gd name="connsiteY21" fmla="*/ 428517 h 3032924"/>
-              <a:gd name="connsiteX22" fmla="*/ 385229 w 3239999"/>
-              <a:gd name="connsiteY22" fmla="*/ 430441 h 3032924"/>
-              <a:gd name="connsiteX23" fmla="*/ 386326 w 3239999"/>
-              <a:gd name="connsiteY23" fmla="*/ 91100 h 3032924"/>
-              <a:gd name="connsiteX24" fmla="*/ 833935 w 3239999"/>
-              <a:gd name="connsiteY24" fmla="*/ 22 h 3032924"/>
-              <a:gd name="connsiteX25" fmla="*/ 1576606 w 3239999"/>
-              <a:gd name="connsiteY25" fmla="*/ 402054 h 3032924"/>
-              <a:gd name="connsiteX26" fmla="*/ 1576606 w 3239999"/>
-              <a:gd name="connsiteY26" fmla="*/ 430441 h 3032924"/>
-              <a:gd name="connsiteX27" fmla="*/ 1576606 w 3239999"/>
-              <a:gd name="connsiteY27" fmla="*/ 526981 h 3032924"/>
-              <a:gd name="connsiteX28" fmla="*/ 1576606 w 3239999"/>
-              <a:gd name="connsiteY28" fmla="*/ 2765302 h 3032924"/>
-              <a:gd name="connsiteX29" fmla="*/ 378630 w 3239999"/>
-              <a:gd name="connsiteY29" fmla="*/ 2472117 h 3032924"/>
-              <a:gd name="connsiteX30" fmla="*/ 384918 w 3239999"/>
-              <a:gd name="connsiteY30" fmla="*/ 526981 h 3032924"/>
-              <a:gd name="connsiteX31" fmla="*/ 239143 w 3239999"/>
-              <a:gd name="connsiteY31" fmla="*/ 526981 h 3032924"/>
-              <a:gd name="connsiteX32" fmla="*/ 239143 w 3239999"/>
-              <a:gd name="connsiteY32" fmla="*/ 2776423 h 3032924"/>
-              <a:gd name="connsiteX33" fmla="*/ 1576606 w 3239999"/>
-              <a:gd name="connsiteY33" fmla="*/ 2776423 h 3032924"/>
-              <a:gd name="connsiteX34" fmla="*/ 1668046 w 3239999"/>
-              <a:gd name="connsiteY34" fmla="*/ 2869642 h 3032924"/>
-              <a:gd name="connsiteX0" fmla="*/ 1576606 w 3239999"/>
-              <a:gd name="connsiteY0" fmla="*/ 2778202 h 3032924"/>
-              <a:gd name="connsiteX1" fmla="*/ 1663394 w 3239999"/>
-              <a:gd name="connsiteY1" fmla="*/ 2778202 h 3032924"/>
-              <a:gd name="connsiteX2" fmla="*/ 1663394 w 3239999"/>
-              <a:gd name="connsiteY2" fmla="*/ 2776423 h 3032924"/>
-              <a:gd name="connsiteX3" fmla="*/ 3000856 w 3239999"/>
-              <a:gd name="connsiteY3" fmla="*/ 2776423 h 3032924"/>
-              <a:gd name="connsiteX4" fmla="*/ 3000856 w 3239999"/>
-              <a:gd name="connsiteY4" fmla="*/ 526981 h 3032924"/>
-              <a:gd name="connsiteX5" fmla="*/ 2855082 w 3239999"/>
-              <a:gd name="connsiteY5" fmla="*/ 526981 h 3032924"/>
-              <a:gd name="connsiteX6" fmla="*/ 2861369 w 3239999"/>
-              <a:gd name="connsiteY6" fmla="*/ 2472117 h 3032924"/>
-              <a:gd name="connsiteX7" fmla="*/ 1663394 w 3239999"/>
-              <a:gd name="connsiteY7" fmla="*/ 2765302 h 3032924"/>
-              <a:gd name="connsiteX8" fmla="*/ 1663394 w 3239999"/>
-              <a:gd name="connsiteY8" fmla="*/ 526981 h 3032924"/>
-              <a:gd name="connsiteX9" fmla="*/ 1663394 w 3239999"/>
-              <a:gd name="connsiteY9" fmla="*/ 430441 h 3032924"/>
-              <a:gd name="connsiteX10" fmla="*/ 1663394 w 3239999"/>
-              <a:gd name="connsiteY10" fmla="*/ 402054 h 3032924"/>
-              <a:gd name="connsiteX11" fmla="*/ 2406065 w 3239999"/>
-              <a:gd name="connsiteY11" fmla="*/ 22 h 3032924"/>
-              <a:gd name="connsiteX12" fmla="*/ 2853673 w 3239999"/>
-              <a:gd name="connsiteY12" fmla="*/ 91100 h 3032924"/>
-              <a:gd name="connsiteX13" fmla="*/ 2854770 w 3239999"/>
-              <a:gd name="connsiteY13" fmla="*/ 430441 h 3032924"/>
-              <a:gd name="connsiteX14" fmla="*/ 3120669 w 3239999"/>
-              <a:gd name="connsiteY14" fmla="*/ 428517 h 3032924"/>
-              <a:gd name="connsiteX15" fmla="*/ 3120669 w 3239999"/>
-              <a:gd name="connsiteY15" fmla="*/ 738345 h 3032924"/>
-              <a:gd name="connsiteX16" fmla="*/ 3239999 w 3239999"/>
-              <a:gd name="connsiteY16" fmla="*/ 738345 h 3032924"/>
-              <a:gd name="connsiteX17" fmla="*/ 3239999 w 3239999"/>
-              <a:gd name="connsiteY17" fmla="*/ 3032924 h 3032924"/>
-              <a:gd name="connsiteX18" fmla="*/ 0 w 3239999"/>
-              <a:gd name="connsiteY18" fmla="*/ 3032924 h 3032924"/>
-              <a:gd name="connsiteX19" fmla="*/ 0 w 3239999"/>
-              <a:gd name="connsiteY19" fmla="*/ 738345 h 3032924"/>
-              <a:gd name="connsiteX20" fmla="*/ 102477 w 3239999"/>
-              <a:gd name="connsiteY20" fmla="*/ 738345 h 3032924"/>
-              <a:gd name="connsiteX21" fmla="*/ 102477 w 3239999"/>
-              <a:gd name="connsiteY21" fmla="*/ 428517 h 3032924"/>
-              <a:gd name="connsiteX22" fmla="*/ 385229 w 3239999"/>
-              <a:gd name="connsiteY22" fmla="*/ 430441 h 3032924"/>
-              <a:gd name="connsiteX23" fmla="*/ 386326 w 3239999"/>
-              <a:gd name="connsiteY23" fmla="*/ 91100 h 3032924"/>
-              <a:gd name="connsiteX24" fmla="*/ 833935 w 3239999"/>
-              <a:gd name="connsiteY24" fmla="*/ 22 h 3032924"/>
-              <a:gd name="connsiteX25" fmla="*/ 1576606 w 3239999"/>
-              <a:gd name="connsiteY25" fmla="*/ 402054 h 3032924"/>
-              <a:gd name="connsiteX26" fmla="*/ 1576606 w 3239999"/>
-              <a:gd name="connsiteY26" fmla="*/ 430441 h 3032924"/>
-              <a:gd name="connsiteX27" fmla="*/ 1576606 w 3239999"/>
-              <a:gd name="connsiteY27" fmla="*/ 526981 h 3032924"/>
-              <a:gd name="connsiteX28" fmla="*/ 1576606 w 3239999"/>
-              <a:gd name="connsiteY28" fmla="*/ 2765302 h 3032924"/>
-              <a:gd name="connsiteX29" fmla="*/ 378630 w 3239999"/>
-              <a:gd name="connsiteY29" fmla="*/ 2472117 h 3032924"/>
-              <a:gd name="connsiteX30" fmla="*/ 384918 w 3239999"/>
-              <a:gd name="connsiteY30" fmla="*/ 526981 h 3032924"/>
-              <a:gd name="connsiteX31" fmla="*/ 239143 w 3239999"/>
-              <a:gd name="connsiteY31" fmla="*/ 526981 h 3032924"/>
-              <a:gd name="connsiteX32" fmla="*/ 239143 w 3239999"/>
-              <a:gd name="connsiteY32" fmla="*/ 2776423 h 3032924"/>
-              <a:gd name="connsiteX33" fmla="*/ 1576606 w 3239999"/>
-              <a:gd name="connsiteY33" fmla="*/ 2776423 h 3032924"/>
-              <a:gd name="connsiteX34" fmla="*/ 1668046 w 3239999"/>
-              <a:gd name="connsiteY34" fmla="*/ 2869642 h 3032924"/>
-              <a:gd name="connsiteX0" fmla="*/ 1576606 w 3239999"/>
-              <a:gd name="connsiteY0" fmla="*/ 2778202 h 3032924"/>
-              <a:gd name="connsiteX1" fmla="*/ 1663394 w 3239999"/>
-              <a:gd name="connsiteY1" fmla="*/ 2778202 h 3032924"/>
-              <a:gd name="connsiteX2" fmla="*/ 1663394 w 3239999"/>
-              <a:gd name="connsiteY2" fmla="*/ 2776423 h 3032924"/>
-              <a:gd name="connsiteX3" fmla="*/ 3000856 w 3239999"/>
-              <a:gd name="connsiteY3" fmla="*/ 2776423 h 3032924"/>
-              <a:gd name="connsiteX4" fmla="*/ 3000856 w 3239999"/>
-              <a:gd name="connsiteY4" fmla="*/ 526981 h 3032924"/>
-              <a:gd name="connsiteX5" fmla="*/ 2855082 w 3239999"/>
-              <a:gd name="connsiteY5" fmla="*/ 526981 h 3032924"/>
-              <a:gd name="connsiteX6" fmla="*/ 2861369 w 3239999"/>
-              <a:gd name="connsiteY6" fmla="*/ 2472117 h 3032924"/>
-              <a:gd name="connsiteX7" fmla="*/ 1663394 w 3239999"/>
-              <a:gd name="connsiteY7" fmla="*/ 2765302 h 3032924"/>
-              <a:gd name="connsiteX8" fmla="*/ 1663394 w 3239999"/>
-              <a:gd name="connsiteY8" fmla="*/ 526981 h 3032924"/>
-              <a:gd name="connsiteX9" fmla="*/ 1663394 w 3239999"/>
-              <a:gd name="connsiteY9" fmla="*/ 430441 h 3032924"/>
-              <a:gd name="connsiteX10" fmla="*/ 1663394 w 3239999"/>
-              <a:gd name="connsiteY10" fmla="*/ 402054 h 3032924"/>
-              <a:gd name="connsiteX11" fmla="*/ 2406065 w 3239999"/>
-              <a:gd name="connsiteY11" fmla="*/ 22 h 3032924"/>
-              <a:gd name="connsiteX12" fmla="*/ 2853673 w 3239999"/>
-              <a:gd name="connsiteY12" fmla="*/ 91100 h 3032924"/>
-              <a:gd name="connsiteX13" fmla="*/ 2854770 w 3239999"/>
-              <a:gd name="connsiteY13" fmla="*/ 430441 h 3032924"/>
-              <a:gd name="connsiteX14" fmla="*/ 3120669 w 3239999"/>
-              <a:gd name="connsiteY14" fmla="*/ 428517 h 3032924"/>
-              <a:gd name="connsiteX15" fmla="*/ 3120669 w 3239999"/>
-              <a:gd name="connsiteY15" fmla="*/ 738345 h 3032924"/>
-              <a:gd name="connsiteX16" fmla="*/ 3239999 w 3239999"/>
-              <a:gd name="connsiteY16" fmla="*/ 738345 h 3032924"/>
-              <a:gd name="connsiteX17" fmla="*/ 3239999 w 3239999"/>
-              <a:gd name="connsiteY17" fmla="*/ 3032924 h 3032924"/>
-              <a:gd name="connsiteX18" fmla="*/ 0 w 3239999"/>
-              <a:gd name="connsiteY18" fmla="*/ 3032924 h 3032924"/>
-              <a:gd name="connsiteX19" fmla="*/ 0 w 3239999"/>
-              <a:gd name="connsiteY19" fmla="*/ 738345 h 3032924"/>
-              <a:gd name="connsiteX20" fmla="*/ 102477 w 3239999"/>
-              <a:gd name="connsiteY20" fmla="*/ 738345 h 3032924"/>
-              <a:gd name="connsiteX21" fmla="*/ 102477 w 3239999"/>
-              <a:gd name="connsiteY21" fmla="*/ 428517 h 3032924"/>
-              <a:gd name="connsiteX22" fmla="*/ 385229 w 3239999"/>
-              <a:gd name="connsiteY22" fmla="*/ 430441 h 3032924"/>
-              <a:gd name="connsiteX23" fmla="*/ 386326 w 3239999"/>
-              <a:gd name="connsiteY23" fmla="*/ 91100 h 3032924"/>
-              <a:gd name="connsiteX24" fmla="*/ 833935 w 3239999"/>
-              <a:gd name="connsiteY24" fmla="*/ 22 h 3032924"/>
-              <a:gd name="connsiteX25" fmla="*/ 1576606 w 3239999"/>
-              <a:gd name="connsiteY25" fmla="*/ 402054 h 3032924"/>
-              <a:gd name="connsiteX26" fmla="*/ 1576606 w 3239999"/>
-              <a:gd name="connsiteY26" fmla="*/ 430441 h 3032924"/>
-              <a:gd name="connsiteX27" fmla="*/ 1576606 w 3239999"/>
-              <a:gd name="connsiteY27" fmla="*/ 526981 h 3032924"/>
-              <a:gd name="connsiteX28" fmla="*/ 1576606 w 3239999"/>
-              <a:gd name="connsiteY28" fmla="*/ 2765302 h 3032924"/>
-              <a:gd name="connsiteX29" fmla="*/ 378630 w 3239999"/>
-              <a:gd name="connsiteY29" fmla="*/ 2472117 h 3032924"/>
-              <a:gd name="connsiteX30" fmla="*/ 384918 w 3239999"/>
-              <a:gd name="connsiteY30" fmla="*/ 526981 h 3032924"/>
-              <a:gd name="connsiteX31" fmla="*/ 239143 w 3239999"/>
-              <a:gd name="connsiteY31" fmla="*/ 526981 h 3032924"/>
-              <a:gd name="connsiteX32" fmla="*/ 239143 w 3239999"/>
-              <a:gd name="connsiteY32" fmla="*/ 2776423 h 3032924"/>
-              <a:gd name="connsiteX33" fmla="*/ 1576606 w 3239999"/>
-              <a:gd name="connsiteY33" fmla="*/ 2776423 h 3032924"/>
-              <a:gd name="connsiteX0" fmla="*/ 1576606 w 3239999"/>
-              <a:gd name="connsiteY0" fmla="*/ 2778202 h 3032924"/>
-              <a:gd name="connsiteX1" fmla="*/ 1663394 w 3239999"/>
-              <a:gd name="connsiteY1" fmla="*/ 2778202 h 3032924"/>
-              <a:gd name="connsiteX2" fmla="*/ 1663394 w 3239999"/>
-              <a:gd name="connsiteY2" fmla="*/ 2776423 h 3032924"/>
-              <a:gd name="connsiteX3" fmla="*/ 3000856 w 3239999"/>
-              <a:gd name="connsiteY3" fmla="*/ 2776423 h 3032924"/>
-              <a:gd name="connsiteX4" fmla="*/ 3000856 w 3239999"/>
-              <a:gd name="connsiteY4" fmla="*/ 526981 h 3032924"/>
-              <a:gd name="connsiteX5" fmla="*/ 2855082 w 3239999"/>
-              <a:gd name="connsiteY5" fmla="*/ 526981 h 3032924"/>
-              <a:gd name="connsiteX6" fmla="*/ 2861369 w 3239999"/>
-              <a:gd name="connsiteY6" fmla="*/ 2472117 h 3032924"/>
-              <a:gd name="connsiteX7" fmla="*/ 1663394 w 3239999"/>
-              <a:gd name="connsiteY7" fmla="*/ 2765302 h 3032924"/>
-              <a:gd name="connsiteX8" fmla="*/ 1663394 w 3239999"/>
-              <a:gd name="connsiteY8" fmla="*/ 526981 h 3032924"/>
-              <a:gd name="connsiteX9" fmla="*/ 1663394 w 3239999"/>
-              <a:gd name="connsiteY9" fmla="*/ 430441 h 3032924"/>
-              <a:gd name="connsiteX10" fmla="*/ 1663394 w 3239999"/>
-              <a:gd name="connsiteY10" fmla="*/ 402054 h 3032924"/>
-              <a:gd name="connsiteX11" fmla="*/ 2406065 w 3239999"/>
-              <a:gd name="connsiteY11" fmla="*/ 22 h 3032924"/>
-              <a:gd name="connsiteX12" fmla="*/ 2853673 w 3239999"/>
-              <a:gd name="connsiteY12" fmla="*/ 91100 h 3032924"/>
-              <a:gd name="connsiteX13" fmla="*/ 2854770 w 3239999"/>
-              <a:gd name="connsiteY13" fmla="*/ 430441 h 3032924"/>
-              <a:gd name="connsiteX14" fmla="*/ 3120669 w 3239999"/>
-              <a:gd name="connsiteY14" fmla="*/ 428517 h 3032924"/>
-              <a:gd name="connsiteX15" fmla="*/ 3120669 w 3239999"/>
-              <a:gd name="connsiteY15" fmla="*/ 738345 h 3032924"/>
-              <a:gd name="connsiteX16" fmla="*/ 3239999 w 3239999"/>
-              <a:gd name="connsiteY16" fmla="*/ 738345 h 3032924"/>
-              <a:gd name="connsiteX17" fmla="*/ 3239999 w 3239999"/>
-              <a:gd name="connsiteY17" fmla="*/ 3032924 h 3032924"/>
-              <a:gd name="connsiteX18" fmla="*/ 0 w 3239999"/>
-              <a:gd name="connsiteY18" fmla="*/ 3032924 h 3032924"/>
-              <a:gd name="connsiteX19" fmla="*/ 0 w 3239999"/>
-              <a:gd name="connsiteY19" fmla="*/ 738345 h 3032924"/>
-              <a:gd name="connsiteX20" fmla="*/ 102477 w 3239999"/>
-              <a:gd name="connsiteY20" fmla="*/ 738345 h 3032924"/>
-              <a:gd name="connsiteX21" fmla="*/ 102477 w 3239999"/>
-              <a:gd name="connsiteY21" fmla="*/ 428517 h 3032924"/>
-              <a:gd name="connsiteX22" fmla="*/ 385229 w 3239999"/>
-              <a:gd name="connsiteY22" fmla="*/ 430441 h 3032924"/>
-              <a:gd name="connsiteX23" fmla="*/ 386326 w 3239999"/>
-              <a:gd name="connsiteY23" fmla="*/ 91100 h 3032924"/>
-              <a:gd name="connsiteX24" fmla="*/ 833935 w 3239999"/>
-              <a:gd name="connsiteY24" fmla="*/ 22 h 3032924"/>
-              <a:gd name="connsiteX25" fmla="*/ 1576606 w 3239999"/>
-              <a:gd name="connsiteY25" fmla="*/ 402054 h 3032924"/>
-              <a:gd name="connsiteX26" fmla="*/ 1576606 w 3239999"/>
-              <a:gd name="connsiteY26" fmla="*/ 430441 h 3032924"/>
-              <a:gd name="connsiteX27" fmla="*/ 1576606 w 3239999"/>
-              <a:gd name="connsiteY27" fmla="*/ 526981 h 3032924"/>
-              <a:gd name="connsiteX28" fmla="*/ 1576606 w 3239999"/>
-              <a:gd name="connsiteY28" fmla="*/ 2765302 h 3032924"/>
-              <a:gd name="connsiteX29" fmla="*/ 378630 w 3239999"/>
-              <a:gd name="connsiteY29" fmla="*/ 2472117 h 3032924"/>
-              <a:gd name="connsiteX30" fmla="*/ 384918 w 3239999"/>
-              <a:gd name="connsiteY30" fmla="*/ 526981 h 3032924"/>
-              <a:gd name="connsiteX31" fmla="*/ 239143 w 3239999"/>
-              <a:gd name="connsiteY31" fmla="*/ 526981 h 3032924"/>
-              <a:gd name="connsiteX32" fmla="*/ 239143 w 3239999"/>
-              <a:gd name="connsiteY32" fmla="*/ 2776423 h 3032924"/>
-              <a:gd name="connsiteX33" fmla="*/ 1576606 w 3239999"/>
-              <a:gd name="connsiteY33" fmla="*/ 2776423 h 3032924"/>
-              <a:gd name="connsiteX0" fmla="*/ 1576606 w 3239999"/>
-              <a:gd name="connsiteY0" fmla="*/ 2778202 h 3032924"/>
-              <a:gd name="connsiteX1" fmla="*/ 1663394 w 3239999"/>
-              <a:gd name="connsiteY1" fmla="*/ 2778202 h 3032924"/>
-              <a:gd name="connsiteX2" fmla="*/ 1663394 w 3239999"/>
-              <a:gd name="connsiteY2" fmla="*/ 2776423 h 3032924"/>
-              <a:gd name="connsiteX3" fmla="*/ 3000856 w 3239999"/>
-              <a:gd name="connsiteY3" fmla="*/ 2776423 h 3032924"/>
-              <a:gd name="connsiteX4" fmla="*/ 3000856 w 3239999"/>
-              <a:gd name="connsiteY4" fmla="*/ 526981 h 3032924"/>
-              <a:gd name="connsiteX5" fmla="*/ 2855082 w 3239999"/>
-              <a:gd name="connsiteY5" fmla="*/ 526981 h 3032924"/>
-              <a:gd name="connsiteX6" fmla="*/ 2861369 w 3239999"/>
-              <a:gd name="connsiteY6" fmla="*/ 2472117 h 3032924"/>
-              <a:gd name="connsiteX7" fmla="*/ 1663394 w 3239999"/>
-              <a:gd name="connsiteY7" fmla="*/ 2765302 h 3032924"/>
-              <a:gd name="connsiteX8" fmla="*/ 1663394 w 3239999"/>
-              <a:gd name="connsiteY8" fmla="*/ 526981 h 3032924"/>
-              <a:gd name="connsiteX9" fmla="*/ 1663394 w 3239999"/>
-              <a:gd name="connsiteY9" fmla="*/ 430441 h 3032924"/>
-              <a:gd name="connsiteX10" fmla="*/ 1663394 w 3239999"/>
-              <a:gd name="connsiteY10" fmla="*/ 402054 h 3032924"/>
-              <a:gd name="connsiteX11" fmla="*/ 2406065 w 3239999"/>
-              <a:gd name="connsiteY11" fmla="*/ 22 h 3032924"/>
-              <a:gd name="connsiteX12" fmla="*/ 2853673 w 3239999"/>
-              <a:gd name="connsiteY12" fmla="*/ 91100 h 3032924"/>
-              <a:gd name="connsiteX13" fmla="*/ 2854770 w 3239999"/>
-              <a:gd name="connsiteY13" fmla="*/ 430441 h 3032924"/>
-              <a:gd name="connsiteX14" fmla="*/ 3120669 w 3239999"/>
-              <a:gd name="connsiteY14" fmla="*/ 428517 h 3032924"/>
-              <a:gd name="connsiteX15" fmla="*/ 3120669 w 3239999"/>
-              <a:gd name="connsiteY15" fmla="*/ 738345 h 3032924"/>
-              <a:gd name="connsiteX16" fmla="*/ 3239999 w 3239999"/>
-              <a:gd name="connsiteY16" fmla="*/ 738345 h 3032924"/>
-              <a:gd name="connsiteX17" fmla="*/ 3239999 w 3239999"/>
-              <a:gd name="connsiteY17" fmla="*/ 3032924 h 3032924"/>
-              <a:gd name="connsiteX18" fmla="*/ 0 w 3239999"/>
-              <a:gd name="connsiteY18" fmla="*/ 3032924 h 3032924"/>
-              <a:gd name="connsiteX19" fmla="*/ 0 w 3239999"/>
-              <a:gd name="connsiteY19" fmla="*/ 738345 h 3032924"/>
-              <a:gd name="connsiteX20" fmla="*/ 102477 w 3239999"/>
-              <a:gd name="connsiteY20" fmla="*/ 738345 h 3032924"/>
-              <a:gd name="connsiteX21" fmla="*/ 102477 w 3239999"/>
-              <a:gd name="connsiteY21" fmla="*/ 428517 h 3032924"/>
-              <a:gd name="connsiteX22" fmla="*/ 385229 w 3239999"/>
-              <a:gd name="connsiteY22" fmla="*/ 430441 h 3032924"/>
-              <a:gd name="connsiteX23" fmla="*/ 386326 w 3239999"/>
-              <a:gd name="connsiteY23" fmla="*/ 91100 h 3032924"/>
-              <a:gd name="connsiteX24" fmla="*/ 833935 w 3239999"/>
-              <a:gd name="connsiteY24" fmla="*/ 22 h 3032924"/>
-              <a:gd name="connsiteX25" fmla="*/ 1576606 w 3239999"/>
-              <a:gd name="connsiteY25" fmla="*/ 402054 h 3032924"/>
-              <a:gd name="connsiteX26" fmla="*/ 1576606 w 3239999"/>
-              <a:gd name="connsiteY26" fmla="*/ 430441 h 3032924"/>
-              <a:gd name="connsiteX27" fmla="*/ 1576606 w 3239999"/>
-              <a:gd name="connsiteY27" fmla="*/ 526981 h 3032924"/>
-              <a:gd name="connsiteX28" fmla="*/ 1576606 w 3239999"/>
-              <a:gd name="connsiteY28" fmla="*/ 2765302 h 3032924"/>
-              <a:gd name="connsiteX29" fmla="*/ 378630 w 3239999"/>
-              <a:gd name="connsiteY29" fmla="*/ 2472117 h 3032924"/>
-              <a:gd name="connsiteX30" fmla="*/ 384918 w 3239999"/>
-              <a:gd name="connsiteY30" fmla="*/ 526981 h 3032924"/>
-              <a:gd name="connsiteX31" fmla="*/ 239143 w 3239999"/>
-              <a:gd name="connsiteY31" fmla="*/ 526981 h 3032924"/>
-              <a:gd name="connsiteX32" fmla="*/ 239143 w 3239999"/>
-              <a:gd name="connsiteY32" fmla="*/ 2776423 h 3032924"/>
-              <a:gd name="connsiteX33" fmla="*/ 1576606 w 3239999"/>
-              <a:gd name="connsiteY33" fmla="*/ 2776423 h 3032924"/>
-              <a:gd name="connsiteX0" fmla="*/ 1576606 w 3239999"/>
-              <a:gd name="connsiteY0" fmla="*/ 2778202 h 3032924"/>
-              <a:gd name="connsiteX1" fmla="*/ 1663394 w 3239999"/>
-              <a:gd name="connsiteY1" fmla="*/ 2778202 h 3032924"/>
-              <a:gd name="connsiteX2" fmla="*/ 1663394 w 3239999"/>
-              <a:gd name="connsiteY2" fmla="*/ 2776423 h 3032924"/>
-              <a:gd name="connsiteX3" fmla="*/ 3000856 w 3239999"/>
-              <a:gd name="connsiteY3" fmla="*/ 2776423 h 3032924"/>
-              <a:gd name="connsiteX4" fmla="*/ 3000856 w 3239999"/>
-              <a:gd name="connsiteY4" fmla="*/ 526981 h 3032924"/>
-              <a:gd name="connsiteX5" fmla="*/ 2855082 w 3239999"/>
-              <a:gd name="connsiteY5" fmla="*/ 526981 h 3032924"/>
-              <a:gd name="connsiteX6" fmla="*/ 2861369 w 3239999"/>
-              <a:gd name="connsiteY6" fmla="*/ 2472117 h 3032924"/>
-              <a:gd name="connsiteX7" fmla="*/ 1663394 w 3239999"/>
-              <a:gd name="connsiteY7" fmla="*/ 2765302 h 3032924"/>
-              <a:gd name="connsiteX8" fmla="*/ 1663394 w 3239999"/>
-              <a:gd name="connsiteY8" fmla="*/ 526981 h 3032924"/>
-              <a:gd name="connsiteX9" fmla="*/ 1663394 w 3239999"/>
-              <a:gd name="connsiteY9" fmla="*/ 430441 h 3032924"/>
-              <a:gd name="connsiteX10" fmla="*/ 1663394 w 3239999"/>
-              <a:gd name="connsiteY10" fmla="*/ 402054 h 3032924"/>
-              <a:gd name="connsiteX11" fmla="*/ 2406065 w 3239999"/>
-              <a:gd name="connsiteY11" fmla="*/ 22 h 3032924"/>
-              <a:gd name="connsiteX12" fmla="*/ 2853673 w 3239999"/>
-              <a:gd name="connsiteY12" fmla="*/ 91100 h 3032924"/>
-              <a:gd name="connsiteX13" fmla="*/ 2854770 w 3239999"/>
-              <a:gd name="connsiteY13" fmla="*/ 430441 h 3032924"/>
-              <a:gd name="connsiteX14" fmla="*/ 3120669 w 3239999"/>
-              <a:gd name="connsiteY14" fmla="*/ 428517 h 3032924"/>
-              <a:gd name="connsiteX15" fmla="*/ 3120669 w 3239999"/>
-              <a:gd name="connsiteY15" fmla="*/ 738345 h 3032924"/>
-              <a:gd name="connsiteX16" fmla="*/ 3239999 w 3239999"/>
-              <a:gd name="connsiteY16" fmla="*/ 738345 h 3032924"/>
-              <a:gd name="connsiteX17" fmla="*/ 3239999 w 3239999"/>
-              <a:gd name="connsiteY17" fmla="*/ 3032924 h 3032924"/>
-              <a:gd name="connsiteX18" fmla="*/ 0 w 3239999"/>
-              <a:gd name="connsiteY18" fmla="*/ 3032924 h 3032924"/>
-              <a:gd name="connsiteX19" fmla="*/ 0 w 3239999"/>
-              <a:gd name="connsiteY19" fmla="*/ 738345 h 3032924"/>
-              <a:gd name="connsiteX20" fmla="*/ 102477 w 3239999"/>
-              <a:gd name="connsiteY20" fmla="*/ 738345 h 3032924"/>
-              <a:gd name="connsiteX21" fmla="*/ 102477 w 3239999"/>
-              <a:gd name="connsiteY21" fmla="*/ 428517 h 3032924"/>
-              <a:gd name="connsiteX22" fmla="*/ 385229 w 3239999"/>
-              <a:gd name="connsiteY22" fmla="*/ 430441 h 3032924"/>
-              <a:gd name="connsiteX23" fmla="*/ 386326 w 3239999"/>
-              <a:gd name="connsiteY23" fmla="*/ 91100 h 3032924"/>
-              <a:gd name="connsiteX24" fmla="*/ 833935 w 3239999"/>
-              <a:gd name="connsiteY24" fmla="*/ 22 h 3032924"/>
-              <a:gd name="connsiteX25" fmla="*/ 1576606 w 3239999"/>
-              <a:gd name="connsiteY25" fmla="*/ 402054 h 3032924"/>
-              <a:gd name="connsiteX26" fmla="*/ 1576606 w 3239999"/>
-              <a:gd name="connsiteY26" fmla="*/ 430441 h 3032924"/>
-              <a:gd name="connsiteX27" fmla="*/ 1576606 w 3239999"/>
-              <a:gd name="connsiteY27" fmla="*/ 526981 h 3032924"/>
-              <a:gd name="connsiteX28" fmla="*/ 1576606 w 3239999"/>
-              <a:gd name="connsiteY28" fmla="*/ 2765302 h 3032924"/>
-              <a:gd name="connsiteX29" fmla="*/ 378630 w 3239999"/>
-              <a:gd name="connsiteY29" fmla="*/ 2472117 h 3032924"/>
-              <a:gd name="connsiteX30" fmla="*/ 384918 w 3239999"/>
-              <a:gd name="connsiteY30" fmla="*/ 526981 h 3032924"/>
-              <a:gd name="connsiteX31" fmla="*/ 239143 w 3239999"/>
-              <a:gd name="connsiteY31" fmla="*/ 526981 h 3032924"/>
-              <a:gd name="connsiteX32" fmla="*/ 239143 w 3239999"/>
-              <a:gd name="connsiteY32" fmla="*/ 2776423 h 3032924"/>
-              <a:gd name="connsiteX33" fmla="*/ 1576606 w 3239999"/>
-              <a:gd name="connsiteY33" fmla="*/ 2776423 h 3032924"/>
-              <a:gd name="connsiteX0" fmla="*/ 1576606 w 3239999"/>
-              <a:gd name="connsiteY0" fmla="*/ 2778202 h 3032924"/>
-              <a:gd name="connsiteX1" fmla="*/ 1663394 w 3239999"/>
-              <a:gd name="connsiteY1" fmla="*/ 2778202 h 3032924"/>
-              <a:gd name="connsiteX2" fmla="*/ 1663394 w 3239999"/>
-              <a:gd name="connsiteY2" fmla="*/ 2776423 h 3032924"/>
-              <a:gd name="connsiteX3" fmla="*/ 3000856 w 3239999"/>
-              <a:gd name="connsiteY3" fmla="*/ 2776423 h 3032924"/>
-              <a:gd name="connsiteX4" fmla="*/ 3000856 w 3239999"/>
-              <a:gd name="connsiteY4" fmla="*/ 526981 h 3032924"/>
-              <a:gd name="connsiteX5" fmla="*/ 2855082 w 3239999"/>
-              <a:gd name="connsiteY5" fmla="*/ 526981 h 3032924"/>
-              <a:gd name="connsiteX6" fmla="*/ 2861369 w 3239999"/>
-              <a:gd name="connsiteY6" fmla="*/ 2472117 h 3032924"/>
-              <a:gd name="connsiteX7" fmla="*/ 1663394 w 3239999"/>
-              <a:gd name="connsiteY7" fmla="*/ 2765302 h 3032924"/>
-              <a:gd name="connsiteX8" fmla="*/ 1663394 w 3239999"/>
-              <a:gd name="connsiteY8" fmla="*/ 526981 h 3032924"/>
-              <a:gd name="connsiteX9" fmla="*/ 1663394 w 3239999"/>
-              <a:gd name="connsiteY9" fmla="*/ 430441 h 3032924"/>
-              <a:gd name="connsiteX10" fmla="*/ 1663394 w 3239999"/>
-              <a:gd name="connsiteY10" fmla="*/ 402054 h 3032924"/>
-              <a:gd name="connsiteX11" fmla="*/ 2406065 w 3239999"/>
-              <a:gd name="connsiteY11" fmla="*/ 22 h 3032924"/>
-              <a:gd name="connsiteX12" fmla="*/ 2853673 w 3239999"/>
-              <a:gd name="connsiteY12" fmla="*/ 91100 h 3032924"/>
-              <a:gd name="connsiteX13" fmla="*/ 2854770 w 3239999"/>
-              <a:gd name="connsiteY13" fmla="*/ 430441 h 3032924"/>
-              <a:gd name="connsiteX14" fmla="*/ 3120669 w 3239999"/>
-              <a:gd name="connsiteY14" fmla="*/ 428517 h 3032924"/>
-              <a:gd name="connsiteX15" fmla="*/ 3120669 w 3239999"/>
-              <a:gd name="connsiteY15" fmla="*/ 738345 h 3032924"/>
-              <a:gd name="connsiteX16" fmla="*/ 3239999 w 3239999"/>
-              <a:gd name="connsiteY16" fmla="*/ 738345 h 3032924"/>
-              <a:gd name="connsiteX17" fmla="*/ 3239999 w 3239999"/>
-              <a:gd name="connsiteY17" fmla="*/ 3032924 h 3032924"/>
-              <a:gd name="connsiteX18" fmla="*/ 0 w 3239999"/>
-              <a:gd name="connsiteY18" fmla="*/ 3032924 h 3032924"/>
-              <a:gd name="connsiteX19" fmla="*/ 0 w 3239999"/>
-              <a:gd name="connsiteY19" fmla="*/ 738345 h 3032924"/>
-              <a:gd name="connsiteX20" fmla="*/ 102477 w 3239999"/>
-              <a:gd name="connsiteY20" fmla="*/ 738345 h 3032924"/>
-              <a:gd name="connsiteX21" fmla="*/ 102477 w 3239999"/>
-              <a:gd name="connsiteY21" fmla="*/ 428517 h 3032924"/>
-              <a:gd name="connsiteX22" fmla="*/ 385229 w 3239999"/>
-              <a:gd name="connsiteY22" fmla="*/ 430441 h 3032924"/>
-              <a:gd name="connsiteX23" fmla="*/ 386326 w 3239999"/>
-              <a:gd name="connsiteY23" fmla="*/ 91100 h 3032924"/>
-              <a:gd name="connsiteX24" fmla="*/ 833935 w 3239999"/>
-              <a:gd name="connsiteY24" fmla="*/ 22 h 3032924"/>
-              <a:gd name="connsiteX25" fmla="*/ 1576606 w 3239999"/>
-              <a:gd name="connsiteY25" fmla="*/ 402054 h 3032924"/>
-              <a:gd name="connsiteX26" fmla="*/ 1576606 w 3239999"/>
-              <a:gd name="connsiteY26" fmla="*/ 430441 h 3032924"/>
-              <a:gd name="connsiteX27" fmla="*/ 1576606 w 3239999"/>
-              <a:gd name="connsiteY27" fmla="*/ 526981 h 3032924"/>
-              <a:gd name="connsiteX28" fmla="*/ 1576606 w 3239999"/>
-              <a:gd name="connsiteY28" fmla="*/ 2765302 h 3032924"/>
-              <a:gd name="connsiteX29" fmla="*/ 378630 w 3239999"/>
-              <a:gd name="connsiteY29" fmla="*/ 2472117 h 3032924"/>
-              <a:gd name="connsiteX30" fmla="*/ 384918 w 3239999"/>
-              <a:gd name="connsiteY30" fmla="*/ 526981 h 3032924"/>
-              <a:gd name="connsiteX31" fmla="*/ 239143 w 3239999"/>
-              <a:gd name="connsiteY31" fmla="*/ 526981 h 3032924"/>
-              <a:gd name="connsiteX32" fmla="*/ 229618 w 3239999"/>
-              <a:gd name="connsiteY32" fmla="*/ 2690698 h 3032924"/>
-              <a:gd name="connsiteX33" fmla="*/ 1576606 w 3239999"/>
-              <a:gd name="connsiteY33" fmla="*/ 2776423 h 3032924"/>
-              <a:gd name="connsiteX0" fmla="*/ 1576606 w 3239999"/>
-              <a:gd name="connsiteY0" fmla="*/ 2778202 h 3032924"/>
-              <a:gd name="connsiteX1" fmla="*/ 1663394 w 3239999"/>
-              <a:gd name="connsiteY1" fmla="*/ 2778202 h 3032924"/>
-              <a:gd name="connsiteX2" fmla="*/ 1663394 w 3239999"/>
-              <a:gd name="connsiteY2" fmla="*/ 2776423 h 3032924"/>
-              <a:gd name="connsiteX3" fmla="*/ 2991331 w 3239999"/>
-              <a:gd name="connsiteY3" fmla="*/ 2709748 h 3032924"/>
-              <a:gd name="connsiteX4" fmla="*/ 3000856 w 3239999"/>
-              <a:gd name="connsiteY4" fmla="*/ 526981 h 3032924"/>
-              <a:gd name="connsiteX5" fmla="*/ 2855082 w 3239999"/>
-              <a:gd name="connsiteY5" fmla="*/ 526981 h 3032924"/>
-              <a:gd name="connsiteX6" fmla="*/ 2861369 w 3239999"/>
-              <a:gd name="connsiteY6" fmla="*/ 2472117 h 3032924"/>
-              <a:gd name="connsiteX7" fmla="*/ 1663394 w 3239999"/>
-              <a:gd name="connsiteY7" fmla="*/ 2765302 h 3032924"/>
-              <a:gd name="connsiteX8" fmla="*/ 1663394 w 3239999"/>
-              <a:gd name="connsiteY8" fmla="*/ 526981 h 3032924"/>
-              <a:gd name="connsiteX9" fmla="*/ 1663394 w 3239999"/>
-              <a:gd name="connsiteY9" fmla="*/ 430441 h 3032924"/>
-              <a:gd name="connsiteX10" fmla="*/ 1663394 w 3239999"/>
-              <a:gd name="connsiteY10" fmla="*/ 402054 h 3032924"/>
-              <a:gd name="connsiteX11" fmla="*/ 2406065 w 3239999"/>
-              <a:gd name="connsiteY11" fmla="*/ 22 h 3032924"/>
-              <a:gd name="connsiteX12" fmla="*/ 2853673 w 3239999"/>
-              <a:gd name="connsiteY12" fmla="*/ 91100 h 3032924"/>
-              <a:gd name="connsiteX13" fmla="*/ 2854770 w 3239999"/>
-              <a:gd name="connsiteY13" fmla="*/ 430441 h 3032924"/>
-              <a:gd name="connsiteX14" fmla="*/ 3120669 w 3239999"/>
-              <a:gd name="connsiteY14" fmla="*/ 428517 h 3032924"/>
-              <a:gd name="connsiteX15" fmla="*/ 3120669 w 3239999"/>
-              <a:gd name="connsiteY15" fmla="*/ 738345 h 3032924"/>
-              <a:gd name="connsiteX16" fmla="*/ 3239999 w 3239999"/>
-              <a:gd name="connsiteY16" fmla="*/ 738345 h 3032924"/>
-              <a:gd name="connsiteX17" fmla="*/ 3239999 w 3239999"/>
-              <a:gd name="connsiteY17" fmla="*/ 3032924 h 3032924"/>
-              <a:gd name="connsiteX18" fmla="*/ 0 w 3239999"/>
-              <a:gd name="connsiteY18" fmla="*/ 3032924 h 3032924"/>
-              <a:gd name="connsiteX19" fmla="*/ 0 w 3239999"/>
-              <a:gd name="connsiteY19" fmla="*/ 738345 h 3032924"/>
-              <a:gd name="connsiteX20" fmla="*/ 102477 w 3239999"/>
-              <a:gd name="connsiteY20" fmla="*/ 738345 h 3032924"/>
-              <a:gd name="connsiteX21" fmla="*/ 102477 w 3239999"/>
-              <a:gd name="connsiteY21" fmla="*/ 428517 h 3032924"/>
-              <a:gd name="connsiteX22" fmla="*/ 385229 w 3239999"/>
-              <a:gd name="connsiteY22" fmla="*/ 430441 h 3032924"/>
-              <a:gd name="connsiteX23" fmla="*/ 386326 w 3239999"/>
-              <a:gd name="connsiteY23" fmla="*/ 91100 h 3032924"/>
-              <a:gd name="connsiteX24" fmla="*/ 833935 w 3239999"/>
-              <a:gd name="connsiteY24" fmla="*/ 22 h 3032924"/>
-              <a:gd name="connsiteX25" fmla="*/ 1576606 w 3239999"/>
-              <a:gd name="connsiteY25" fmla="*/ 402054 h 3032924"/>
-              <a:gd name="connsiteX26" fmla="*/ 1576606 w 3239999"/>
-              <a:gd name="connsiteY26" fmla="*/ 430441 h 3032924"/>
-              <a:gd name="connsiteX27" fmla="*/ 1576606 w 3239999"/>
-              <a:gd name="connsiteY27" fmla="*/ 526981 h 3032924"/>
-              <a:gd name="connsiteX28" fmla="*/ 1576606 w 3239999"/>
-              <a:gd name="connsiteY28" fmla="*/ 2765302 h 3032924"/>
-              <a:gd name="connsiteX29" fmla="*/ 378630 w 3239999"/>
-              <a:gd name="connsiteY29" fmla="*/ 2472117 h 3032924"/>
-              <a:gd name="connsiteX30" fmla="*/ 384918 w 3239999"/>
-              <a:gd name="connsiteY30" fmla="*/ 526981 h 3032924"/>
-              <a:gd name="connsiteX31" fmla="*/ 239143 w 3239999"/>
-              <a:gd name="connsiteY31" fmla="*/ 526981 h 3032924"/>
-              <a:gd name="connsiteX32" fmla="*/ 229618 w 3239999"/>
-              <a:gd name="connsiteY32" fmla="*/ 2690698 h 3032924"/>
-              <a:gd name="connsiteX33" fmla="*/ 1576606 w 3239999"/>
-              <a:gd name="connsiteY33" fmla="*/ 2776423 h 3032924"/>
-            </a:gdLst>
-            <a:ahLst/>
-            <a:cxnLst>
-              <a:cxn ang="0">
-                <a:pos x="connsiteX0" y="connsiteY0"/>
-              </a:cxn>
-              <a:cxn ang="0">
-                <a:pos x="connsiteX1" y="connsiteY1"/>
-              </a:cxn>
-              <a:cxn ang="0">
-                <a:pos x="connsiteX2" y="connsiteY2"/>
-              </a:cxn>
-              <a:cxn ang="0">
-                <a:pos x="connsiteX3" y="connsiteY3"/>
-              </a:cxn>
-              <a:cxn ang="0">
-                <a:pos x="connsiteX4" y="connsiteY4"/>
-              </a:cxn>
-              <a:cxn ang="0">
-                <a:pos x="connsiteX5" y="connsiteY5"/>
-              </a:cxn>
-              <a:cxn ang="0">
-                <a:pos x="connsiteX6" y="connsiteY6"/>
-              </a:cxn>
-              <a:cxn ang="0">
-                <a:pos x="connsiteX7" y="connsiteY7"/>
-              </a:cxn>
-              <a:cxn ang="0">
-                <a:pos x="connsiteX8" y="connsiteY8"/>
-              </a:cxn>
-              <a:cxn ang="0">
-                <a:pos x="connsiteX9" y="connsiteY9"/>
-              </a:cxn>
-              <a:cxn ang="0">
-                <a:pos x="connsiteX10" y="connsiteY10"/>
-              </a:cxn>
-              <a:cxn ang="0">
-                <a:pos x="connsiteX11" y="connsiteY11"/>
-              </a:cxn>
-              <a:cxn ang="0">
-                <a:pos x="connsiteX12" y="connsiteY12"/>
-              </a:cxn>
-              <a:cxn ang="0">
-                <a:pos x="connsiteX13" y="connsiteY13"/>
-              </a:cxn>
-              <a:cxn ang="0">
-                <a:pos x="connsiteX14" y="connsiteY14"/>
-              </a:cxn>
-              <a:cxn ang="0">
-                <a:pos x="connsiteX15" y="connsiteY15"/>
-              </a:cxn>
-              <a:cxn ang="0">
-                <a:pos x="connsiteX16" y="connsiteY16"/>
-              </a:cxn>
-              <a:cxn ang="0">
-                <a:pos x="connsiteX17" y="connsiteY17"/>
-              </a:cxn>
-              <a:cxn ang="0">
-                <a:pos x="connsiteX18" y="connsiteY18"/>
-              </a:cxn>
-              <a:cxn ang="0">
-                <a:pos x="connsiteX19" y="connsiteY19"/>
-              </a:cxn>
-              <a:cxn ang="0">
-                <a:pos x="connsiteX20" y="connsiteY20"/>
-              </a:cxn>
-              <a:cxn ang="0">
-                <a:pos x="connsiteX21" y="connsiteY21"/>
-              </a:cxn>
-              <a:cxn ang="0">
-                <a:pos x="connsiteX22" y="connsiteY22"/>
-              </a:cxn>
-              <a:cxn ang="0">
-                <a:pos x="connsiteX23" y="connsiteY23"/>
-              </a:cxn>
-              <a:cxn ang="0">
-                <a:pos x="connsiteX24" y="connsiteY24"/>
-              </a:cxn>
-              <a:cxn ang="0">
-                <a:pos x="connsiteX25" y="connsiteY25"/>
-              </a:cxn>
-              <a:cxn ang="0">
-                <a:pos x="connsiteX26" y="connsiteY26"/>
-              </a:cxn>
-              <a:cxn ang="0">
-                <a:pos x="connsiteX27" y="connsiteY27"/>
-              </a:cxn>
-              <a:cxn ang="0">
-                <a:pos x="connsiteX28" y="connsiteY28"/>
-              </a:cxn>
-              <a:cxn ang="0">
-                <a:pos x="connsiteX29" y="connsiteY29"/>
-              </a:cxn>
-              <a:cxn ang="0">
-                <a:pos x="connsiteX30" y="connsiteY30"/>
-              </a:cxn>
-              <a:cxn ang="0">
-                <a:pos x="connsiteX31" y="connsiteY31"/>
-              </a:cxn>
-              <a:cxn ang="0">
-                <a:pos x="connsiteX32" y="connsiteY32"/>
-              </a:cxn>
-              <a:cxn ang="0">
-                <a:pos x="connsiteX33" y="connsiteY33"/>
-              </a:cxn>
-            </a:cxnLst>
-            <a:rect l="l" t="t" r="r" b="b"/>
-            <a:pathLst>
-              <a:path w="3239999" h="3032924">
-                <a:moveTo>
-                  <a:pt x="1576606" y="2778202"/>
-                </a:moveTo>
-                <a:cubicBezTo>
-                  <a:pt x="1576606" y="2778795"/>
-                  <a:pt x="1663394" y="2792670"/>
-                  <a:pt x="1663394" y="2778202"/>
-                </a:cubicBezTo>
-                <a:lnTo>
-                  <a:pt x="1663394" y="2776423"/>
-                </a:lnTo>
-                <a:cubicBezTo>
-                  <a:pt x="2185083" y="2605634"/>
-                  <a:pt x="2444552" y="2500589"/>
-                  <a:pt x="2991331" y="2709748"/>
-                </a:cubicBezTo>
-                <a:lnTo>
-                  <a:pt x="3000856" y="526981"/>
-                </a:lnTo>
-                <a:lnTo>
-                  <a:pt x="2855082" y="526981"/>
-                </a:lnTo>
-                <a:cubicBezTo>
-                  <a:pt x="2857178" y="1175360"/>
-                  <a:pt x="2859273" y="1823738"/>
-                  <a:pt x="2861369" y="2472117"/>
-                </a:cubicBezTo>
-                <a:cubicBezTo>
-                  <a:pt x="2483869" y="2318121"/>
-                  <a:pt x="2052449" y="2439541"/>
-                  <a:pt x="1663394" y="2765302"/>
-                </a:cubicBezTo>
-                <a:lnTo>
-                  <a:pt x="1663394" y="526981"/>
-                </a:lnTo>
-                <a:lnTo>
-                  <a:pt x="1663394" y="430441"/>
-                </a:lnTo>
-                <a:lnTo>
-                  <a:pt x="1663394" y="402054"/>
-                </a:lnTo>
-                <a:cubicBezTo>
-                  <a:pt x="1896442" y="149589"/>
-                  <a:pt x="2115835" y="2106"/>
-                  <a:pt x="2406065" y="22"/>
-                </a:cubicBezTo>
-                <a:cubicBezTo>
-                  <a:pt x="2537987" y="-925"/>
-                  <a:pt x="2684544" y="28169"/>
-                  <a:pt x="2853673" y="91100"/>
-                </a:cubicBezTo>
-                <a:cubicBezTo>
-                  <a:pt x="2854039" y="204214"/>
-                  <a:pt x="2854404" y="317327"/>
-                  <a:pt x="2854770" y="430441"/>
-                </a:cubicBezTo>
-                <a:lnTo>
-                  <a:pt x="3120669" y="428517"/>
-                </a:lnTo>
-                <a:lnTo>
-                  <a:pt x="3120669" y="738345"/>
-                </a:lnTo>
-                <a:lnTo>
-                  <a:pt x="3239999" y="738345"/>
-                </a:lnTo>
-                <a:lnTo>
-                  <a:pt x="3239999" y="3032924"/>
-                </a:lnTo>
-                <a:lnTo>
-                  <a:pt x="0" y="3032924"/>
-                </a:lnTo>
-                <a:lnTo>
-                  <a:pt x="0" y="738345"/>
-                </a:lnTo>
-                <a:lnTo>
-                  <a:pt x="102477" y="738345"/>
-                </a:lnTo>
-                <a:lnTo>
-                  <a:pt x="102477" y="428517"/>
-                </a:lnTo>
-                <a:lnTo>
-                  <a:pt x="385229" y="430441"/>
-                </a:lnTo>
-                <a:cubicBezTo>
-                  <a:pt x="385595" y="317327"/>
-                  <a:pt x="385960" y="204214"/>
-                  <a:pt x="386326" y="91100"/>
-                </a:cubicBezTo>
-                <a:cubicBezTo>
-                  <a:pt x="555455" y="28169"/>
-                  <a:pt x="702013" y="-925"/>
-                  <a:pt x="833935" y="22"/>
-                </a:cubicBezTo>
-                <a:cubicBezTo>
-                  <a:pt x="1124164" y="2106"/>
-                  <a:pt x="1343558" y="149589"/>
-                  <a:pt x="1576606" y="402054"/>
-                </a:cubicBezTo>
-                <a:lnTo>
-                  <a:pt x="1576606" y="430441"/>
-                </a:lnTo>
-                <a:lnTo>
-                  <a:pt x="1576606" y="526981"/>
-                </a:lnTo>
-                <a:lnTo>
-                  <a:pt x="1576606" y="2765302"/>
-                </a:lnTo>
-                <a:cubicBezTo>
-                  <a:pt x="1187550" y="2439541"/>
-                  <a:pt x="756130" y="2318121"/>
-                  <a:pt x="378630" y="2472117"/>
-                </a:cubicBezTo>
-                <a:lnTo>
-                  <a:pt x="384918" y="526981"/>
-                </a:lnTo>
-                <a:lnTo>
-                  <a:pt x="239143" y="526981"/>
-                </a:lnTo>
-                <a:lnTo>
-                  <a:pt x="229618" y="2690698"/>
-                </a:lnTo>
-                <a:cubicBezTo>
-                  <a:pt x="773243" y="2466244"/>
-                  <a:pt x="1081748" y="2626096"/>
-                  <a:pt x="1576606" y="2776423"/>
-                </a:cubicBezTo>
-              </a:path>
-            </a:pathLst>
-          </a:custGeom>
-          <a:solidFill>
-            <a:schemeClr val="accent1"/>
-          </a:solidFill>
-          <a:ln>
-            <a:noFill/>
-          </a:ln>
-        </p:spPr>
-        <p:style>
-          <a:lnRef idx="2">
-            <a:schemeClr val="accent1">
-              <a:shade val="50000"/>
-            </a:schemeClr>
-          </a:lnRef>
-          <a:fillRef idx="1">
-            <a:schemeClr val="accent1"/>
-          </a:fillRef>
-          <a:effectRef idx="0">
-            <a:schemeClr val="accent1"/>
-          </a:effectRef>
-          <a:fontRef idx="minor">
-            <a:schemeClr val="lt1"/>
-          </a:fontRef>
-        </p:style>
-        <p:txBody>
-          <a:bodyPr rtlCol="0" anchor="ctr"/>
-          <a:lstStyle/>
-          <a:p>
-            <a:pPr algn="ctr"/>
-            <a:endParaRPr lang="ko-KR" altLang="en-US"/>
-          </a:p>
-        </p:txBody>
-      </p:sp>
-      <p:sp>
-        <p:nvSpPr>
-          <p:cNvPr id="11" name="Oval 10"/>
-          <p:cNvSpPr/>
-          <p:nvPr/>
-        </p:nvSpPr>
-        <p:spPr>
-          <a:xfrm>
-            <a:off x="3352765" y="1491581"/>
-            <a:ext cx="609223" cy="609223"/>
-          </a:xfrm>
-          <a:prstGeom prst="ellipse">
-            <a:avLst/>
-          </a:prstGeom>
-          <a:noFill/>
-          <a:ln w="50800">
-            <a:solidFill>
-              <a:schemeClr val="accent4"/>
-            </a:solidFill>
-          </a:ln>
-        </p:spPr>
-        <p:style>
-          <a:lnRef idx="2">
-            <a:schemeClr val="accent1">
-              <a:shade val="50000"/>
-            </a:schemeClr>
-          </a:lnRef>
-          <a:fillRef idx="1">
-            <a:schemeClr val="accent1"/>
-          </a:fillRef>
-          <a:effectRef idx="0">
-            <a:schemeClr val="accent1"/>
-          </a:effectRef>
-          <a:fontRef idx="minor">
-            <a:schemeClr val="lt1"/>
-          </a:fontRef>
-        </p:style>
-        <p:txBody>
-          <a:bodyPr rtlCol="0" anchor="ctr"/>
-          <a:lstStyle/>
-          <a:p>
-            <a:pPr algn="ctr"/>
-            <a:endParaRPr lang="ko-KR" altLang="en-US"/>
-          </a:p>
-        </p:txBody>
-      </p:sp>
-      <p:sp>
-        <p:nvSpPr>
-          <p:cNvPr id="12" name="Oval 11"/>
-          <p:cNvSpPr/>
-          <p:nvPr/>
-        </p:nvSpPr>
-        <p:spPr>
-          <a:xfrm>
-            <a:off x="3352765" y="2687120"/>
-            <a:ext cx="609223" cy="609223"/>
-          </a:xfrm>
-          <a:prstGeom prst="ellipse">
-            <a:avLst/>
-          </a:prstGeom>
-          <a:noFill/>
-          <a:ln w="50800">
-            <a:solidFill>
-              <a:schemeClr val="accent4"/>
-            </a:solidFill>
-          </a:ln>
-        </p:spPr>
-        <p:style>
-          <a:lnRef idx="2">
-            <a:schemeClr val="accent1">
-              <a:shade val="50000"/>
-            </a:schemeClr>
-          </a:lnRef>
-          <a:fillRef idx="1">
-            <a:schemeClr val="accent1"/>
-          </a:fillRef>
-          <a:effectRef idx="0">
-            <a:schemeClr val="accent1"/>
-          </a:effectRef>
-          <a:fontRef idx="minor">
-            <a:schemeClr val="lt1"/>
-          </a:fontRef>
-        </p:style>
-        <p:txBody>
-          <a:bodyPr rtlCol="0" anchor="ctr"/>
-          <a:lstStyle/>
-          <a:p>
-            <a:pPr algn="ctr"/>
-            <a:endParaRPr lang="ko-KR" altLang="en-US"/>
-          </a:p>
-        </p:txBody>
-      </p:sp>
-      <p:sp>
-        <p:nvSpPr>
-          <p:cNvPr id="13" name="Oval 12"/>
-          <p:cNvSpPr/>
-          <p:nvPr/>
-        </p:nvSpPr>
-        <p:spPr>
-          <a:xfrm>
-            <a:off x="3352765" y="3882658"/>
-            <a:ext cx="609223" cy="609223"/>
-          </a:xfrm>
-          <a:prstGeom prst="ellipse">
-            <a:avLst/>
-          </a:prstGeom>
-          <a:noFill/>
-          <a:ln w="50800">
-            <a:solidFill>
-              <a:schemeClr val="accent4"/>
-            </a:solidFill>
-          </a:ln>
-        </p:spPr>
-        <p:style>
-          <a:lnRef idx="2">
-            <a:schemeClr val="accent1">
-              <a:shade val="50000"/>
-            </a:schemeClr>
-          </a:lnRef>
-          <a:fillRef idx="1">
-            <a:schemeClr val="accent1"/>
-          </a:fillRef>
-          <a:effectRef idx="0">
-            <a:schemeClr val="accent1"/>
-          </a:effectRef>
-          <a:fontRef idx="minor">
-            <a:schemeClr val="lt1"/>
-          </a:fontRef>
-        </p:style>
-        <p:txBody>
-          <a:bodyPr rtlCol="0" anchor="ctr"/>
-          <a:lstStyle/>
-          <a:p>
-            <a:pPr algn="ctr"/>
-            <a:endParaRPr lang="ko-KR" altLang="en-US"/>
-          </a:p>
-        </p:txBody>
-      </p:sp>
-      <p:sp>
-        <p:nvSpPr>
-          <p:cNvPr id="14" name="Donut 24"/>
-          <p:cNvSpPr/>
-          <p:nvPr/>
-        </p:nvSpPr>
-        <p:spPr>
-          <a:xfrm>
-            <a:off x="3485702" y="1623120"/>
-            <a:ext cx="343349" cy="346144"/>
-          </a:xfrm>
-          <a:custGeom>
-            <a:avLst/>
-            <a:gdLst/>
-            <a:ahLst/>
-            <a:cxnLst/>
-            <a:rect l="l" t="t" r="r" b="b"/>
-            <a:pathLst>
-              <a:path w="3208412" h="3234532">
-                <a:moveTo>
-                  <a:pt x="1561445" y="1065858"/>
-                </a:moveTo>
-                <a:cubicBezTo>
-                  <a:pt x="1654998" y="1065858"/>
-                  <a:pt x="1743610" y="1087015"/>
-                  <a:pt x="1821879" y="1126644"/>
-                </a:cubicBezTo>
-                <a:lnTo>
-                  <a:pt x="1611352" y="1337172"/>
-                </a:lnTo>
-                <a:cubicBezTo>
-                  <a:pt x="1595200" y="1333388"/>
-                  <a:pt x="1578468" y="1332141"/>
-                  <a:pt x="1561445" y="1332141"/>
-                </a:cubicBezTo>
-                <a:cubicBezTo>
-                  <a:pt x="1373145" y="1332141"/>
-                  <a:pt x="1220499" y="1484787"/>
-                  <a:pt x="1220499" y="1673087"/>
-                </a:cubicBezTo>
-                <a:cubicBezTo>
-                  <a:pt x="1220499" y="1861387"/>
-                  <a:pt x="1373145" y="2014033"/>
-                  <a:pt x="1561445" y="2014033"/>
-                </a:cubicBezTo>
-                <a:cubicBezTo>
-                  <a:pt x="1749745" y="2014033"/>
-                  <a:pt x="1902391" y="1861387"/>
-                  <a:pt x="1902391" y="1673087"/>
-                </a:cubicBezTo>
-                <a:cubicBezTo>
-                  <a:pt x="1902391" y="1643675"/>
-                  <a:pt x="1898667" y="1615133"/>
-                  <a:pt x="1890450" y="1588219"/>
-                </a:cubicBezTo>
-                <a:lnTo>
-                  <a:pt x="2093156" y="1385512"/>
-                </a:lnTo>
-                <a:cubicBezTo>
-                  <a:pt x="2142229" y="1470075"/>
-                  <a:pt x="2168674" y="1568493"/>
-                  <a:pt x="2168674" y="1673087"/>
-                </a:cubicBezTo>
-                <a:cubicBezTo>
-                  <a:pt x="2168674" y="2008450"/>
-                  <a:pt x="1896808" y="2280316"/>
-                  <a:pt x="1561445" y="2280316"/>
-                </a:cubicBezTo>
-                <a:cubicBezTo>
-                  <a:pt x="1226082" y="2280316"/>
-                  <a:pt x="954217" y="2008450"/>
-                  <a:pt x="954217" y="1673087"/>
-                </a:cubicBezTo>
-                <a:cubicBezTo>
-                  <a:pt x="954217" y="1337724"/>
-                  <a:pt x="1226082" y="1065858"/>
-                  <a:pt x="1561445" y="1065858"/>
-                </a:cubicBezTo>
-                <a:close/>
-                <a:moveTo>
-                  <a:pt x="1561445" y="580076"/>
-                </a:moveTo>
-                <a:cubicBezTo>
-                  <a:pt x="1790175" y="580076"/>
-                  <a:pt x="2002494" y="650333"/>
-                  <a:pt x="2177834" y="770690"/>
-                </a:cubicBezTo>
-                <a:lnTo>
-                  <a:pt x="1968030" y="980494"/>
-                </a:lnTo>
-                <a:cubicBezTo>
-                  <a:pt x="1849962" y="907198"/>
-                  <a:pt x="1710422" y="866794"/>
-                  <a:pt x="1561445" y="866794"/>
-                </a:cubicBezTo>
-                <a:cubicBezTo>
-                  <a:pt x="1116142" y="866794"/>
-                  <a:pt x="755153" y="1227784"/>
-                  <a:pt x="755153" y="1673087"/>
-                </a:cubicBezTo>
-                <a:cubicBezTo>
-                  <a:pt x="755153" y="2118390"/>
-                  <a:pt x="1116142" y="2479380"/>
-                  <a:pt x="1561445" y="2479380"/>
-                </a:cubicBezTo>
-                <a:cubicBezTo>
-                  <a:pt x="2006748" y="2479380"/>
-                  <a:pt x="2367738" y="2118390"/>
-                  <a:pt x="2367738" y="1673087"/>
-                </a:cubicBezTo>
-                <a:cubicBezTo>
-                  <a:pt x="2367738" y="1513043"/>
-                  <a:pt x="2321108" y="1363890"/>
-                  <a:pt x="2239307" y="1239362"/>
-                </a:cubicBezTo>
-                <a:lnTo>
-                  <a:pt x="2445928" y="1032741"/>
-                </a:lnTo>
-                <a:cubicBezTo>
-                  <a:pt x="2577451" y="1212149"/>
-                  <a:pt x="2654457" y="1433625"/>
-                  <a:pt x="2654457" y="1673087"/>
-                </a:cubicBezTo>
-                <a:cubicBezTo>
-                  <a:pt x="2654457" y="2276741"/>
-                  <a:pt x="2165099" y="2766099"/>
-                  <a:pt x="1561445" y="2766099"/>
-                </a:cubicBezTo>
-                <a:cubicBezTo>
-                  <a:pt x="957792" y="2766099"/>
-                  <a:pt x="468434" y="2276741"/>
-                  <a:pt x="468434" y="1673087"/>
-                </a:cubicBezTo>
-                <a:cubicBezTo>
-                  <a:pt x="468434" y="1069433"/>
-                  <a:pt x="957792" y="580076"/>
-                  <a:pt x="1561445" y="580076"/>
-                </a:cubicBezTo>
-                <a:close/>
-                <a:moveTo>
-                  <a:pt x="1561445" y="111642"/>
-                </a:moveTo>
-                <a:cubicBezTo>
-                  <a:pt x="1890473" y="111642"/>
-                  <a:pt x="2195731" y="213411"/>
-                  <a:pt x="2447076" y="387744"/>
-                </a:cubicBezTo>
-                <a:lnTo>
-                  <a:pt x="2453780" y="494744"/>
-                </a:lnTo>
-                <a:lnTo>
-                  <a:pt x="2309436" y="639088"/>
-                </a:lnTo>
-                <a:cubicBezTo>
-                  <a:pt x="2099826" y="485554"/>
-                  <a:pt x="1841132" y="395669"/>
-                  <a:pt x="1561445" y="395669"/>
-                </a:cubicBezTo>
-                <a:cubicBezTo>
-                  <a:pt x="855947" y="395669"/>
-                  <a:pt x="284027" y="967589"/>
-                  <a:pt x="284027" y="1673087"/>
-                </a:cubicBezTo>
-                <a:cubicBezTo>
-                  <a:pt x="284027" y="2378585"/>
-                  <a:pt x="855947" y="2950505"/>
-                  <a:pt x="1561445" y="2950505"/>
-                </a:cubicBezTo>
-                <a:cubicBezTo>
-                  <a:pt x="2266943" y="2950505"/>
-                  <a:pt x="2838863" y="2378585"/>
-                  <a:pt x="2838863" y="1673087"/>
-                </a:cubicBezTo>
-                <a:cubicBezTo>
-                  <a:pt x="2838863" y="1382650"/>
-                  <a:pt x="2741936" y="1114852"/>
-                  <a:pt x="2577529" y="901139"/>
-                </a:cubicBezTo>
-                <a:lnTo>
-                  <a:pt x="2706681" y="771988"/>
-                </a:lnTo>
-                <a:lnTo>
-                  <a:pt x="2841540" y="780437"/>
-                </a:lnTo>
-                <a:cubicBezTo>
-                  <a:pt x="3019168" y="1032973"/>
-                  <a:pt x="3122890" y="1340917"/>
-                  <a:pt x="3122890" y="1673087"/>
-                </a:cubicBezTo>
-                <a:cubicBezTo>
-                  <a:pt x="3122890" y="2535449"/>
-                  <a:pt x="2423807" y="3234532"/>
-                  <a:pt x="1561445" y="3234532"/>
-                </a:cubicBezTo>
-                <a:cubicBezTo>
-                  <a:pt x="699083" y="3234532"/>
-                  <a:pt x="0" y="2535449"/>
-                  <a:pt x="0" y="1673087"/>
-                </a:cubicBezTo>
-                <a:cubicBezTo>
-                  <a:pt x="0" y="810725"/>
-                  <a:pt x="699083" y="111642"/>
-                  <a:pt x="1561445" y="111642"/>
-                </a:cubicBezTo>
-                <a:close/>
-                <a:moveTo>
-                  <a:pt x="2909110" y="0"/>
-                </a:moveTo>
-                <a:lnTo>
-                  <a:pt x="2926757" y="281655"/>
-                </a:lnTo>
-                <a:lnTo>
-                  <a:pt x="3208412" y="299301"/>
-                </a:lnTo>
-                <a:lnTo>
-                  <a:pt x="2863230" y="644483"/>
-                </a:lnTo>
-                <a:lnTo>
-                  <a:pt x="2685547" y="633351"/>
-                </a:lnTo>
-                <a:lnTo>
-                  <a:pt x="1718098" y="1600799"/>
-                </a:lnTo>
-                <a:cubicBezTo>
-                  <a:pt x="1729236" y="1622491"/>
-                  <a:pt x="1734939" y="1647123"/>
-                  <a:pt x="1734939" y="1673087"/>
-                </a:cubicBezTo>
-                <a:cubicBezTo>
-                  <a:pt x="1734939" y="1768905"/>
-                  <a:pt x="1657263" y="1846581"/>
-                  <a:pt x="1561445" y="1846581"/>
-                </a:cubicBezTo>
-                <a:cubicBezTo>
-                  <a:pt x="1465627" y="1846581"/>
-                  <a:pt x="1387951" y="1768905"/>
-                  <a:pt x="1387951" y="1673087"/>
-                </a:cubicBezTo>
-                <a:cubicBezTo>
-                  <a:pt x="1387951" y="1577269"/>
-                  <a:pt x="1465627" y="1499593"/>
-                  <a:pt x="1561445" y="1499593"/>
-                </a:cubicBezTo>
-                <a:lnTo>
-                  <a:pt x="1591006" y="1505561"/>
-                </a:lnTo>
-                <a:lnTo>
-                  <a:pt x="2574981" y="521587"/>
-                </a:lnTo>
-                <a:lnTo>
-                  <a:pt x="2563928" y="345182"/>
-                </a:lnTo>
-                <a:close/>
-              </a:path>
-            </a:pathLst>
-          </a:custGeom>
-          <a:solidFill>
-            <a:schemeClr val="accent4"/>
-          </a:solidFill>
-          <a:ln>
-            <a:noFill/>
-          </a:ln>
-        </p:spPr>
-        <p:style>
-          <a:lnRef idx="2">
-            <a:schemeClr val="accent1">
-              <a:shade val="50000"/>
-            </a:schemeClr>
-          </a:lnRef>
-          <a:fillRef idx="1">
-            <a:schemeClr val="accent1"/>
-          </a:fillRef>
-          <a:effectRef idx="0">
-            <a:schemeClr val="accent1"/>
-          </a:effectRef>
-          <a:fontRef idx="minor">
-            <a:schemeClr val="lt1"/>
-          </a:fontRef>
-        </p:style>
-        <p:txBody>
-          <a:bodyPr rtlCol="0" anchor="ctr"/>
-          <a:lstStyle/>
-          <a:p>
-            <a:pPr algn="ctr"/>
-            <a:endParaRPr lang="ko-KR" altLang="en-US">
-              <a:solidFill>
-                <a:schemeClr val="tx1"/>
-              </a:solidFill>
-            </a:endParaRPr>
-          </a:p>
-        </p:txBody>
-      </p:sp>
-      <p:sp>
-        <p:nvSpPr>
-          <p:cNvPr id="15" name="Teardrop 6"/>
-          <p:cNvSpPr/>
-          <p:nvPr/>
-        </p:nvSpPr>
-        <p:spPr>
-          <a:xfrm rot="8100000">
-            <a:off x="3508171" y="2850154"/>
-            <a:ext cx="298411" cy="298411"/>
-          </a:xfrm>
-          <a:custGeom>
-            <a:avLst/>
-            <a:gdLst/>
-            <a:ahLst/>
-            <a:cxnLst/>
-            <a:rect l="l" t="t" r="r" b="b"/>
-            <a:pathLst>
-              <a:path w="2483832" h="2483835">
-                <a:moveTo>
-                  <a:pt x="657616" y="1826218"/>
-                </a:moveTo>
-                <a:cubicBezTo>
-                  <a:pt x="806520" y="1975122"/>
-                  <a:pt x="1047940" y="1975122"/>
-                  <a:pt x="1196844" y="1826218"/>
-                </a:cubicBezTo>
-                <a:cubicBezTo>
-                  <a:pt x="1345748" y="1677314"/>
-                  <a:pt x="1345748" y="1435894"/>
-                  <a:pt x="1196844" y="1286990"/>
-                </a:cubicBezTo>
-                <a:cubicBezTo>
-                  <a:pt x="1047940" y="1138086"/>
-                  <a:pt x="806520" y="1138086"/>
-                  <a:pt x="657616" y="1286990"/>
-                </a:cubicBezTo>
-                <a:cubicBezTo>
-                  <a:pt x="508712" y="1435894"/>
-                  <a:pt x="508712" y="1677314"/>
-                  <a:pt x="657616" y="1826218"/>
-                </a:cubicBezTo>
-                <a:close/>
-                <a:moveTo>
-                  <a:pt x="293335" y="2190500"/>
-                </a:moveTo>
-                <a:cubicBezTo>
-                  <a:pt x="112098" y="2009262"/>
-                  <a:pt x="0" y="1758885"/>
-                  <a:pt x="0" y="1482325"/>
-                </a:cubicBezTo>
-                <a:cubicBezTo>
-                  <a:pt x="0" y="929206"/>
-                  <a:pt x="459290" y="590078"/>
-                  <a:pt x="1001509" y="480815"/>
-                </a:cubicBezTo>
-                <a:cubicBezTo>
-                  <a:pt x="1569704" y="366317"/>
-                  <a:pt x="1861757" y="259925"/>
-                  <a:pt x="2483832" y="0"/>
-                </a:cubicBezTo>
-                <a:cubicBezTo>
-                  <a:pt x="2230640" y="682694"/>
-                  <a:pt x="2130986" y="873716"/>
-                  <a:pt x="2003018" y="1482325"/>
-                </a:cubicBezTo>
-                <a:cubicBezTo>
-                  <a:pt x="1901990" y="2042180"/>
-                  <a:pt x="1554627" y="2483835"/>
-                  <a:pt x="1001509" y="2483835"/>
-                </a:cubicBezTo>
-                <a:cubicBezTo>
-                  <a:pt x="724950" y="2483835"/>
-                  <a:pt x="474573" y="2371737"/>
-                  <a:pt x="293335" y="2190500"/>
-                </a:cubicBezTo>
-                <a:close/>
-              </a:path>
-            </a:pathLst>
-          </a:custGeom>
-          <a:solidFill>
-            <a:schemeClr val="accent4"/>
-          </a:solidFill>
-          <a:ln>
-            <a:noFill/>
-          </a:ln>
-        </p:spPr>
-        <p:style>
-          <a:lnRef idx="2">
-            <a:schemeClr val="accent1">
-              <a:shade val="50000"/>
-            </a:schemeClr>
-          </a:lnRef>
-          <a:fillRef idx="1">
-            <a:schemeClr val="accent1"/>
-          </a:fillRef>
-          <a:effectRef idx="0">
-            <a:schemeClr val="accent1"/>
-          </a:effectRef>
-          <a:fontRef idx="minor">
-            <a:schemeClr val="lt1"/>
-          </a:fontRef>
-        </p:style>
-        <p:txBody>
-          <a:bodyPr rot="0" spcFirstLastPara="0" vertOverflow="overflow" horzOverflow="overflow" vert="horz" wrap="square" lIns="91440" tIns="45720" rIns="91440" bIns="45720" numCol="1" spcCol="0" rtlCol="0" fromWordArt="0" anchor="ctr" anchorCtr="0" forceAA="0" compatLnSpc="1">
-            <a:prstTxWarp prst="textNoShape">
-              <a:avLst/>
-            </a:prstTxWarp>
-            <a:noAutofit/>
-          </a:bodyPr>
-          <a:lstStyle/>
-          <a:p>
-            <a:pPr algn="ctr"/>
-            <a:endParaRPr lang="ko-KR" altLang="en-US"/>
-          </a:p>
-        </p:txBody>
-      </p:sp>
-      <p:sp>
-        <p:nvSpPr>
-          <p:cNvPr id="16" name="Rounded Rectangle 7"/>
-          <p:cNvSpPr/>
-          <p:nvPr/>
-        </p:nvSpPr>
-        <p:spPr>
-          <a:xfrm>
-            <a:off x="3490298" y="4029455"/>
-            <a:ext cx="348786" cy="300998"/>
-          </a:xfrm>
-          <a:custGeom>
-            <a:avLst/>
-            <a:gdLst/>
-            <a:ahLst/>
-            <a:cxnLst/>
-            <a:rect l="l" t="t" r="r" b="b"/>
-            <a:pathLst>
-              <a:path w="3240006" h="2796091">
-                <a:moveTo>
-                  <a:pt x="686867" y="612319"/>
-                </a:moveTo>
-                <a:cubicBezTo>
-                  <a:pt x="611281" y="612319"/>
-                  <a:pt x="550007" y="673593"/>
-                  <a:pt x="550007" y="749179"/>
-                </a:cubicBezTo>
-                <a:cubicBezTo>
-                  <a:pt x="550007" y="824765"/>
-                  <a:pt x="611281" y="886039"/>
-                  <a:pt x="686867" y="886039"/>
-                </a:cubicBezTo>
-                <a:cubicBezTo>
-                  <a:pt x="762453" y="886039"/>
-                  <a:pt x="823727" y="824765"/>
-                  <a:pt x="823727" y="749179"/>
-                </a:cubicBezTo>
-                <a:cubicBezTo>
-                  <a:pt x="823727" y="673593"/>
-                  <a:pt x="762453" y="612319"/>
-                  <a:pt x="686867" y="612319"/>
-                </a:cubicBezTo>
-                <a:close/>
-                <a:moveTo>
-                  <a:pt x="1587500" y="281447"/>
-                </a:moveTo>
-                <a:cubicBezTo>
-                  <a:pt x="1432061" y="281447"/>
-                  <a:pt x="1306053" y="407455"/>
-                  <a:pt x="1306053" y="562894"/>
-                </a:cubicBezTo>
-                <a:cubicBezTo>
-                  <a:pt x="1306053" y="718333"/>
-                  <a:pt x="1432061" y="844341"/>
-                  <a:pt x="1587500" y="844341"/>
-                </a:cubicBezTo>
-                <a:cubicBezTo>
-                  <a:pt x="1742939" y="844341"/>
-                  <a:pt x="1868947" y="718333"/>
-                  <a:pt x="1868947" y="562894"/>
-                </a:cubicBezTo>
-                <a:cubicBezTo>
-                  <a:pt x="1868947" y="407455"/>
-                  <a:pt x="1742939" y="281447"/>
-                  <a:pt x="1587500" y="281447"/>
-                </a:cubicBezTo>
-                <a:close/>
-                <a:moveTo>
-                  <a:pt x="1587500" y="0"/>
-                </a:moveTo>
-                <a:cubicBezTo>
-                  <a:pt x="1898378" y="0"/>
-                  <a:pt x="2150394" y="252016"/>
-                  <a:pt x="2150394" y="562894"/>
-                </a:cubicBezTo>
-                <a:cubicBezTo>
-                  <a:pt x="2150394" y="786167"/>
-                  <a:pt x="2020401" y="979078"/>
-                  <a:pt x="1831095" y="1068260"/>
-                </a:cubicBezTo>
-                <a:lnTo>
-                  <a:pt x="2215710" y="1068260"/>
-                </a:lnTo>
-                <a:cubicBezTo>
-                  <a:pt x="2374756" y="1068260"/>
-                  <a:pt x="2503688" y="1197192"/>
-                  <a:pt x="2503688" y="1356238"/>
-                </a:cubicBezTo>
-                <a:lnTo>
-                  <a:pt x="2503688" y="1474975"/>
-                </a:lnTo>
-                <a:lnTo>
-                  <a:pt x="2656086" y="1474975"/>
-                </a:lnTo>
-                <a:cubicBezTo>
-                  <a:pt x="2692420" y="1474975"/>
-                  <a:pt x="2722815" y="1500405"/>
-                  <a:pt x="2728975" y="1534767"/>
-                </a:cubicBezTo>
-                <a:lnTo>
-                  <a:pt x="3240006" y="1109804"/>
-                </a:lnTo>
-                <a:lnTo>
-                  <a:pt x="3240006" y="2754548"/>
-                </a:lnTo>
-                <a:lnTo>
-                  <a:pt x="2728975" y="2329585"/>
-                </a:lnTo>
-                <a:cubicBezTo>
-                  <a:pt x="2722815" y="2363946"/>
-                  <a:pt x="2692420" y="2389375"/>
-                  <a:pt x="2656086" y="2389375"/>
-                </a:cubicBezTo>
-                <a:lnTo>
-                  <a:pt x="2503688" y="2389375"/>
-                </a:lnTo>
-                <a:lnTo>
-                  <a:pt x="2503688" y="2508113"/>
-                </a:lnTo>
-                <a:cubicBezTo>
-                  <a:pt x="2503688" y="2667159"/>
-                  <a:pt x="2374756" y="2796091"/>
-                  <a:pt x="2215710" y="2796091"/>
-                </a:cubicBezTo>
-                <a:lnTo>
-                  <a:pt x="287978" y="2796091"/>
-                </a:lnTo>
-                <a:cubicBezTo>
-                  <a:pt x="128932" y="2796091"/>
-                  <a:pt x="0" y="2667159"/>
-                  <a:pt x="0" y="2508113"/>
-                </a:cubicBezTo>
-                <a:lnTo>
-                  <a:pt x="0" y="1356238"/>
-                </a:lnTo>
-                <a:cubicBezTo>
-                  <a:pt x="0" y="1197192"/>
-                  <a:pt x="128932" y="1068260"/>
-                  <a:pt x="287978" y="1068260"/>
-                </a:cubicBezTo>
-                <a:lnTo>
-                  <a:pt x="544513" y="1068260"/>
-                </a:lnTo>
-                <a:cubicBezTo>
-                  <a:pt x="422089" y="1014226"/>
-                  <a:pt x="336949" y="891645"/>
-                  <a:pt x="336949" y="749179"/>
-                </a:cubicBezTo>
-                <a:cubicBezTo>
-                  <a:pt x="336949" y="555925"/>
-                  <a:pt x="493613" y="399261"/>
-                  <a:pt x="686867" y="399261"/>
-                </a:cubicBezTo>
-                <a:cubicBezTo>
-                  <a:pt x="880121" y="399261"/>
-                  <a:pt x="1036785" y="555925"/>
-                  <a:pt x="1036785" y="749179"/>
-                </a:cubicBezTo>
-                <a:cubicBezTo>
-                  <a:pt x="1036785" y="891645"/>
-                  <a:pt x="951645" y="1014226"/>
-                  <a:pt x="829222" y="1068260"/>
-                </a:cubicBezTo>
-                <a:lnTo>
-                  <a:pt x="1343906" y="1068260"/>
-                </a:lnTo>
-                <a:cubicBezTo>
-                  <a:pt x="1154600" y="979078"/>
-                  <a:pt x="1024606" y="786167"/>
-                  <a:pt x="1024606" y="562894"/>
-                </a:cubicBezTo>
-                <a:cubicBezTo>
-                  <a:pt x="1024606" y="252016"/>
-                  <a:pt x="1276622" y="0"/>
-                  <a:pt x="1587500" y="0"/>
-                </a:cubicBezTo>
-                <a:close/>
-              </a:path>
-            </a:pathLst>
-          </a:custGeom>
-          <a:solidFill>
-            <a:schemeClr val="accent4"/>
-          </a:solidFill>
-          <a:ln>
-            <a:noFill/>
-          </a:ln>
-        </p:spPr>
-        <p:style>
-          <a:lnRef idx="2">
-            <a:schemeClr val="accent1">
-              <a:shade val="50000"/>
-            </a:schemeClr>
-          </a:lnRef>
-          <a:fillRef idx="1">
-            <a:schemeClr val="accent1"/>
-          </a:fillRef>
-          <a:effectRef idx="0">
-            <a:schemeClr val="accent1"/>
-          </a:effectRef>
-          <a:fontRef idx="minor">
-            <a:schemeClr val="lt1"/>
-          </a:fontRef>
-        </p:style>
-        <p:txBody>
-          <a:bodyPr rot="0" spcFirstLastPara="0" vertOverflow="overflow" horzOverflow="overflow" vert="horz" wrap="square" lIns="91440" tIns="45720" rIns="91440" bIns="45720" numCol="1" spcCol="0" rtlCol="0" fromWordArt="0" anchor="ctr" anchorCtr="0" forceAA="0" compatLnSpc="1">
-            <a:prstTxWarp prst="textNoShape">
-              <a:avLst/>
-            </a:prstTxWarp>
-            <a:noAutofit/>
-          </a:bodyPr>
-          <a:lstStyle/>
-          <a:p>
-            <a:pPr algn="ctr"/>
-            <a:endParaRPr lang="ko-KR" altLang="en-US"/>
-          </a:p>
-        </p:txBody>
-      </p:sp>
-      <p:grpSp>
-        <p:nvGrpSpPr>
-          <p:cNvPr id="17" name="Group 16"/>
-          <p:cNvGrpSpPr/>
-          <p:nvPr/>
-        </p:nvGrpSpPr>
-        <p:grpSpPr>
-          <a:xfrm>
-            <a:off x="1346899" y="1436138"/>
-            <a:ext cx="1822145" cy="904775"/>
-            <a:chOff x="1472558" y="998559"/>
-            <a:chExt cx="2765965" cy="904775"/>
-          </a:xfrm>
-        </p:grpSpPr>
-        <p:sp>
-          <p:nvSpPr>
-            <p:cNvPr id="18" name="TextBox 17"/>
-            <p:cNvSpPr txBox="1"/>
-            <p:nvPr/>
-          </p:nvSpPr>
-          <p:spPr>
-            <a:xfrm>
-              <a:off x="1472558" y="1257003"/>
-              <a:ext cx="2765965" cy="646331"/>
-            </a:xfrm>
-            <a:prstGeom prst="rect">
-              <a:avLst/>
-            </a:prstGeom>
-            <a:noFill/>
-          </p:spPr>
-          <p:txBody>
-            <a:bodyPr wrap="square" rtlCol="0" anchor="ctr">
-              <a:spAutoFit/>
-            </a:bodyPr>
-            <a:lstStyle/>
-            <a:p>
-              <a:r>
-                <a:rPr lang="en-US" altLang="ko-KR" sz="1200" dirty="0">
-                  <a:solidFill>
-                    <a:schemeClr val="tx1">
-                      <a:lumMod val="75000"/>
-                      <a:lumOff val="25000"/>
-                    </a:schemeClr>
-                  </a:solidFill>
-                  <a:cs typeface="Arial" pitchFamily="34" charset="0"/>
-                </a:rPr>
-                <a:t>You can simply impress your audience and add a unique zing.  </a:t>
-              </a:r>
-              <a:endParaRPr lang="ko-KR" altLang="en-US" sz="1200" dirty="0">
-                <a:solidFill>
-                  <a:schemeClr val="tx1">
-                    <a:lumMod val="75000"/>
-                    <a:lumOff val="25000"/>
-                  </a:schemeClr>
-                </a:solidFill>
-                <a:cs typeface="Arial" pitchFamily="34" charset="0"/>
-              </a:endParaRPr>
-            </a:p>
-          </p:txBody>
-        </p:sp>
-        <p:sp>
-          <p:nvSpPr>
-            <p:cNvPr id="19" name="TextBox 18"/>
-            <p:cNvSpPr txBox="1"/>
-            <p:nvPr/>
-          </p:nvSpPr>
-          <p:spPr>
-            <a:xfrm>
-              <a:off x="1472558" y="998559"/>
-              <a:ext cx="2765965" cy="276999"/>
-            </a:xfrm>
-            <a:prstGeom prst="rect">
-              <a:avLst/>
-            </a:prstGeom>
-            <a:noFill/>
-          </p:spPr>
-          <p:txBody>
-            <a:bodyPr wrap="square" rtlCol="0" anchor="ctr">
-              <a:spAutoFit/>
-            </a:bodyPr>
-            <a:lstStyle/>
-            <a:p>
-              <a:r>
-                <a:rPr lang="en-US" altLang="ko-KR" sz="1200" b="1" dirty="0">
-                  <a:solidFill>
-                    <a:schemeClr val="tx1">
-                      <a:lumMod val="75000"/>
-                      <a:lumOff val="25000"/>
-                    </a:schemeClr>
-                  </a:solidFill>
-                  <a:cs typeface="Arial" pitchFamily="34" charset="0"/>
-                </a:rPr>
-                <a:t>Your Text  Here</a:t>
-              </a:r>
-              <a:endParaRPr lang="ko-KR" altLang="en-US" sz="1200" b="1" dirty="0">
-                <a:solidFill>
-                  <a:schemeClr val="tx1">
-                    <a:lumMod val="75000"/>
-                    <a:lumOff val="25000"/>
-                  </a:schemeClr>
-                </a:solidFill>
-                <a:cs typeface="Arial" pitchFamily="34" charset="0"/>
-              </a:endParaRPr>
-            </a:p>
-          </p:txBody>
-        </p:sp>
-      </p:grpSp>
-      <p:grpSp>
-        <p:nvGrpSpPr>
-          <p:cNvPr id="20" name="Group 19"/>
-          <p:cNvGrpSpPr/>
-          <p:nvPr/>
-        </p:nvGrpSpPr>
-        <p:grpSpPr>
-          <a:xfrm>
-            <a:off x="1346899" y="2631677"/>
-            <a:ext cx="1822145" cy="904775"/>
-            <a:chOff x="1472558" y="998559"/>
-            <a:chExt cx="2765965" cy="904775"/>
-          </a:xfrm>
-        </p:grpSpPr>
-        <p:sp>
-          <p:nvSpPr>
-            <p:cNvPr id="21" name="TextBox 20"/>
-            <p:cNvSpPr txBox="1"/>
-            <p:nvPr/>
-          </p:nvSpPr>
-          <p:spPr>
-            <a:xfrm>
-              <a:off x="1472558" y="1257003"/>
-              <a:ext cx="2765965" cy="646331"/>
-            </a:xfrm>
-            <a:prstGeom prst="rect">
-              <a:avLst/>
-            </a:prstGeom>
-            <a:noFill/>
-          </p:spPr>
-          <p:txBody>
-            <a:bodyPr wrap="square" rtlCol="0" anchor="ctr">
-              <a:spAutoFit/>
-            </a:bodyPr>
-            <a:lstStyle/>
-            <a:p>
-              <a:r>
-                <a:rPr lang="en-US" altLang="ko-KR" sz="1200" dirty="0">
-                  <a:solidFill>
-                    <a:schemeClr val="tx1">
-                      <a:lumMod val="75000"/>
-                      <a:lumOff val="25000"/>
-                    </a:schemeClr>
-                  </a:solidFill>
-                  <a:cs typeface="Arial" pitchFamily="34" charset="0"/>
-                </a:rPr>
-                <a:t>You can simply impress your audience and add a unique zing.  </a:t>
-              </a:r>
-              <a:endParaRPr lang="ko-KR" altLang="en-US" sz="1200" dirty="0">
-                <a:solidFill>
-                  <a:schemeClr val="tx1">
-                    <a:lumMod val="75000"/>
-                    <a:lumOff val="25000"/>
-                  </a:schemeClr>
-                </a:solidFill>
-                <a:cs typeface="Arial" pitchFamily="34" charset="0"/>
-              </a:endParaRPr>
-            </a:p>
-          </p:txBody>
-        </p:sp>
-        <p:sp>
-          <p:nvSpPr>
-            <p:cNvPr id="22" name="TextBox 21"/>
-            <p:cNvSpPr txBox="1"/>
-            <p:nvPr/>
-          </p:nvSpPr>
-          <p:spPr>
-            <a:xfrm>
-              <a:off x="1472558" y="998559"/>
-              <a:ext cx="2765965" cy="276999"/>
-            </a:xfrm>
-            <a:prstGeom prst="rect">
-              <a:avLst/>
-            </a:prstGeom>
-            <a:noFill/>
-          </p:spPr>
-          <p:txBody>
-            <a:bodyPr wrap="square" rtlCol="0" anchor="ctr">
-              <a:spAutoFit/>
-            </a:bodyPr>
-            <a:lstStyle/>
-            <a:p>
-              <a:r>
-                <a:rPr lang="en-US" altLang="ko-KR" sz="1200" b="1" dirty="0">
-                  <a:solidFill>
-                    <a:schemeClr val="tx1">
-                      <a:lumMod val="75000"/>
-                      <a:lumOff val="25000"/>
-                    </a:schemeClr>
-                  </a:solidFill>
-                  <a:cs typeface="Arial" pitchFamily="34" charset="0"/>
-                </a:rPr>
-                <a:t>Your Text  Here</a:t>
-              </a:r>
-              <a:endParaRPr lang="ko-KR" altLang="en-US" sz="1200" b="1" dirty="0">
-                <a:solidFill>
-                  <a:schemeClr val="tx1">
-                    <a:lumMod val="75000"/>
-                    <a:lumOff val="25000"/>
-                  </a:schemeClr>
-                </a:solidFill>
-                <a:cs typeface="Arial" pitchFamily="34" charset="0"/>
-              </a:endParaRPr>
-            </a:p>
-          </p:txBody>
-        </p:sp>
-      </p:grpSp>
-      <p:grpSp>
-        <p:nvGrpSpPr>
-          <p:cNvPr id="23" name="Group 22"/>
-          <p:cNvGrpSpPr/>
-          <p:nvPr/>
-        </p:nvGrpSpPr>
-        <p:grpSpPr>
-          <a:xfrm>
-            <a:off x="1346899" y="3827215"/>
-            <a:ext cx="1822145" cy="904775"/>
-            <a:chOff x="1472558" y="998559"/>
-            <a:chExt cx="2765965" cy="904775"/>
-          </a:xfrm>
-        </p:grpSpPr>
-        <p:sp>
-          <p:nvSpPr>
-            <p:cNvPr id="24" name="TextBox 23"/>
-            <p:cNvSpPr txBox="1"/>
-            <p:nvPr/>
-          </p:nvSpPr>
-          <p:spPr>
-            <a:xfrm>
-              <a:off x="1472558" y="1257003"/>
-              <a:ext cx="2765965" cy="646331"/>
-            </a:xfrm>
-            <a:prstGeom prst="rect">
-              <a:avLst/>
-            </a:prstGeom>
-            <a:noFill/>
-          </p:spPr>
-          <p:txBody>
-            <a:bodyPr wrap="square" rtlCol="0" anchor="ctr">
-              <a:spAutoFit/>
-            </a:bodyPr>
-            <a:lstStyle/>
-            <a:p>
-              <a:r>
-                <a:rPr lang="en-US" altLang="ko-KR" sz="1200" dirty="0">
-                  <a:solidFill>
-                    <a:schemeClr val="tx1">
-                      <a:lumMod val="75000"/>
-                      <a:lumOff val="25000"/>
-                    </a:schemeClr>
-                  </a:solidFill>
-                  <a:cs typeface="Arial" pitchFamily="34" charset="0"/>
-                </a:rPr>
-                <a:t>You can simply impress your audience and add a unique zing.  </a:t>
-              </a:r>
-              <a:endParaRPr lang="ko-KR" altLang="en-US" sz="1200" dirty="0">
-                <a:solidFill>
-                  <a:schemeClr val="tx1">
-                    <a:lumMod val="75000"/>
-                    <a:lumOff val="25000"/>
-                  </a:schemeClr>
-                </a:solidFill>
-                <a:cs typeface="Arial" pitchFamily="34" charset="0"/>
-              </a:endParaRPr>
-            </a:p>
-          </p:txBody>
-        </p:sp>
-        <p:sp>
-          <p:nvSpPr>
-            <p:cNvPr id="25" name="TextBox 24"/>
-            <p:cNvSpPr txBox="1"/>
-            <p:nvPr/>
-          </p:nvSpPr>
-          <p:spPr>
-            <a:xfrm>
-              <a:off x="1472558" y="998559"/>
-              <a:ext cx="2765965" cy="276999"/>
-            </a:xfrm>
-            <a:prstGeom prst="rect">
-              <a:avLst/>
-            </a:prstGeom>
-            <a:noFill/>
-          </p:spPr>
-          <p:txBody>
-            <a:bodyPr wrap="square" rtlCol="0" anchor="ctr">
-              <a:spAutoFit/>
-            </a:bodyPr>
-            <a:lstStyle/>
-            <a:p>
-              <a:r>
-                <a:rPr lang="en-US" altLang="ko-KR" sz="1200" b="1" dirty="0">
-                  <a:solidFill>
-                    <a:schemeClr val="tx1">
-                      <a:lumMod val="75000"/>
-                      <a:lumOff val="25000"/>
-                    </a:schemeClr>
-                  </a:solidFill>
-                  <a:cs typeface="Arial" pitchFamily="34" charset="0"/>
-                </a:rPr>
-                <a:t>Your Text  Here</a:t>
-              </a:r>
-              <a:endParaRPr lang="ko-KR" altLang="en-US" sz="1200" b="1" dirty="0">
-                <a:solidFill>
-                  <a:schemeClr val="tx1">
-                    <a:lumMod val="75000"/>
-                    <a:lumOff val="25000"/>
-                  </a:schemeClr>
-                </a:solidFill>
-                <a:cs typeface="Arial" pitchFamily="34" charset="0"/>
-              </a:endParaRPr>
-            </a:p>
-          </p:txBody>
-        </p:sp>
-      </p:grpSp>
-      <p:grpSp>
-        <p:nvGrpSpPr>
-          <p:cNvPr id="26" name="Group 25"/>
-          <p:cNvGrpSpPr/>
-          <p:nvPr/>
-        </p:nvGrpSpPr>
-        <p:grpSpPr>
-          <a:xfrm>
-            <a:off x="4118007" y="1436137"/>
-            <a:ext cx="1822145" cy="904775"/>
-            <a:chOff x="1472558" y="998559"/>
-            <a:chExt cx="2765965" cy="904775"/>
-          </a:xfrm>
-        </p:grpSpPr>
-        <p:sp>
-          <p:nvSpPr>
-            <p:cNvPr id="27" name="TextBox 26"/>
-            <p:cNvSpPr txBox="1"/>
-            <p:nvPr/>
-          </p:nvSpPr>
-          <p:spPr>
-            <a:xfrm>
-              <a:off x="1472558" y="1257003"/>
-              <a:ext cx="2765965" cy="646331"/>
-            </a:xfrm>
-            <a:prstGeom prst="rect">
-              <a:avLst/>
-            </a:prstGeom>
-            <a:noFill/>
-          </p:spPr>
-          <p:txBody>
-            <a:bodyPr wrap="square" rtlCol="0" anchor="ctr">
-              <a:spAutoFit/>
-            </a:bodyPr>
-            <a:lstStyle/>
-            <a:p>
-              <a:r>
-                <a:rPr lang="en-US" altLang="ko-KR" sz="1200" dirty="0">
-                  <a:solidFill>
-                    <a:schemeClr val="tx1">
-                      <a:lumMod val="75000"/>
-                      <a:lumOff val="25000"/>
-                    </a:schemeClr>
-                  </a:solidFill>
-                  <a:cs typeface="Arial" pitchFamily="34" charset="0"/>
-                </a:rPr>
-                <a:t>You can simply impress your audience and add a unique zing.  </a:t>
-              </a:r>
-              <a:endParaRPr lang="ko-KR" altLang="en-US" sz="1200" dirty="0">
-                <a:solidFill>
-                  <a:schemeClr val="tx1">
-                    <a:lumMod val="75000"/>
-                    <a:lumOff val="25000"/>
-                  </a:schemeClr>
-                </a:solidFill>
-                <a:cs typeface="Arial" pitchFamily="34" charset="0"/>
-              </a:endParaRPr>
-            </a:p>
-          </p:txBody>
-        </p:sp>
-        <p:sp>
-          <p:nvSpPr>
-            <p:cNvPr id="28" name="TextBox 27"/>
-            <p:cNvSpPr txBox="1"/>
-            <p:nvPr/>
-          </p:nvSpPr>
-          <p:spPr>
-            <a:xfrm>
-              <a:off x="1472558" y="998559"/>
-              <a:ext cx="2765965" cy="276999"/>
-            </a:xfrm>
-            <a:prstGeom prst="rect">
-              <a:avLst/>
-            </a:prstGeom>
-            <a:noFill/>
-          </p:spPr>
-          <p:txBody>
-            <a:bodyPr wrap="square" rtlCol="0" anchor="ctr">
-              <a:spAutoFit/>
-            </a:bodyPr>
-            <a:lstStyle/>
-            <a:p>
-              <a:r>
-                <a:rPr lang="en-US" altLang="ko-KR" sz="1200" b="1" dirty="0">
-                  <a:solidFill>
-                    <a:schemeClr val="tx1">
-                      <a:lumMod val="75000"/>
-                      <a:lumOff val="25000"/>
-                    </a:schemeClr>
-                  </a:solidFill>
-                  <a:cs typeface="Arial" pitchFamily="34" charset="0"/>
-                </a:rPr>
-                <a:t>Your Text  Here</a:t>
-              </a:r>
-              <a:endParaRPr lang="ko-KR" altLang="en-US" sz="1200" b="1" dirty="0">
-                <a:solidFill>
-                  <a:schemeClr val="tx1">
-                    <a:lumMod val="75000"/>
-                    <a:lumOff val="25000"/>
-                  </a:schemeClr>
-                </a:solidFill>
-                <a:cs typeface="Arial" pitchFamily="34" charset="0"/>
-              </a:endParaRPr>
-            </a:p>
-          </p:txBody>
-        </p:sp>
-      </p:grpSp>
-      <p:grpSp>
-        <p:nvGrpSpPr>
-          <p:cNvPr id="29" name="Group 28"/>
-          <p:cNvGrpSpPr/>
-          <p:nvPr/>
-        </p:nvGrpSpPr>
-        <p:grpSpPr>
-          <a:xfrm>
-            <a:off x="4118007" y="2631676"/>
-            <a:ext cx="1822145" cy="904775"/>
-            <a:chOff x="1472558" y="998559"/>
-            <a:chExt cx="2765965" cy="904775"/>
-          </a:xfrm>
-        </p:grpSpPr>
-        <p:sp>
-          <p:nvSpPr>
-            <p:cNvPr id="30" name="TextBox 29"/>
-            <p:cNvSpPr txBox="1"/>
-            <p:nvPr/>
-          </p:nvSpPr>
-          <p:spPr>
-            <a:xfrm>
-              <a:off x="1472558" y="1257003"/>
-              <a:ext cx="2765965" cy="646331"/>
-            </a:xfrm>
-            <a:prstGeom prst="rect">
-              <a:avLst/>
-            </a:prstGeom>
-            <a:noFill/>
-          </p:spPr>
-          <p:txBody>
-            <a:bodyPr wrap="square" rtlCol="0" anchor="ctr">
-              <a:spAutoFit/>
-            </a:bodyPr>
-            <a:lstStyle/>
-            <a:p>
-              <a:r>
-                <a:rPr lang="en-US" altLang="ko-KR" sz="1200" dirty="0">
-                  <a:solidFill>
-                    <a:schemeClr val="tx1">
-                      <a:lumMod val="75000"/>
-                      <a:lumOff val="25000"/>
-                    </a:schemeClr>
-                  </a:solidFill>
-                  <a:cs typeface="Arial" pitchFamily="34" charset="0"/>
-                </a:rPr>
-                <a:t>You can simply impress your audience and add a unique zing.  </a:t>
-              </a:r>
-              <a:endParaRPr lang="ko-KR" altLang="en-US" sz="1200" dirty="0">
-                <a:solidFill>
-                  <a:schemeClr val="tx1">
-                    <a:lumMod val="75000"/>
-                    <a:lumOff val="25000"/>
-                  </a:schemeClr>
-                </a:solidFill>
-                <a:cs typeface="Arial" pitchFamily="34" charset="0"/>
-              </a:endParaRPr>
-            </a:p>
-          </p:txBody>
-        </p:sp>
-        <p:sp>
-          <p:nvSpPr>
-            <p:cNvPr id="31" name="TextBox 30"/>
-            <p:cNvSpPr txBox="1"/>
-            <p:nvPr/>
-          </p:nvSpPr>
-          <p:spPr>
-            <a:xfrm>
-              <a:off x="1472558" y="998559"/>
-              <a:ext cx="2765965" cy="276999"/>
-            </a:xfrm>
-            <a:prstGeom prst="rect">
-              <a:avLst/>
-            </a:prstGeom>
-            <a:noFill/>
-          </p:spPr>
-          <p:txBody>
-            <a:bodyPr wrap="square" rtlCol="0" anchor="ctr">
-              <a:spAutoFit/>
-            </a:bodyPr>
-            <a:lstStyle/>
-            <a:p>
-              <a:r>
-                <a:rPr lang="en-US" altLang="ko-KR" sz="1200" b="1" dirty="0">
-                  <a:solidFill>
-                    <a:schemeClr val="tx1">
-                      <a:lumMod val="75000"/>
-                      <a:lumOff val="25000"/>
-                    </a:schemeClr>
-                  </a:solidFill>
-                  <a:cs typeface="Arial" pitchFamily="34" charset="0"/>
-                </a:rPr>
-                <a:t>Your Text  Here</a:t>
-              </a:r>
-              <a:endParaRPr lang="ko-KR" altLang="en-US" sz="1200" b="1" dirty="0">
-                <a:solidFill>
-                  <a:schemeClr val="tx1">
-                    <a:lumMod val="75000"/>
-                    <a:lumOff val="25000"/>
-                  </a:schemeClr>
-                </a:solidFill>
-                <a:cs typeface="Arial" pitchFamily="34" charset="0"/>
-              </a:endParaRPr>
-            </a:p>
-          </p:txBody>
-        </p:sp>
-      </p:grpSp>
-      <p:grpSp>
-        <p:nvGrpSpPr>
-          <p:cNvPr id="32" name="Group 31"/>
-          <p:cNvGrpSpPr/>
-          <p:nvPr/>
-        </p:nvGrpSpPr>
-        <p:grpSpPr>
-          <a:xfrm>
-            <a:off x="4118007" y="3827214"/>
-            <a:ext cx="1822145" cy="904775"/>
-            <a:chOff x="1472558" y="998559"/>
-            <a:chExt cx="2765965" cy="904775"/>
-          </a:xfrm>
-        </p:grpSpPr>
-        <p:sp>
-          <p:nvSpPr>
-            <p:cNvPr id="33" name="TextBox 32"/>
-            <p:cNvSpPr txBox="1"/>
-            <p:nvPr/>
-          </p:nvSpPr>
-          <p:spPr>
-            <a:xfrm>
-              <a:off x="1472558" y="1257003"/>
-              <a:ext cx="2765965" cy="646331"/>
-            </a:xfrm>
-            <a:prstGeom prst="rect">
-              <a:avLst/>
-            </a:prstGeom>
-            <a:noFill/>
-          </p:spPr>
-          <p:txBody>
-            <a:bodyPr wrap="square" rtlCol="0" anchor="ctr">
-              <a:spAutoFit/>
-            </a:bodyPr>
-            <a:lstStyle/>
-            <a:p>
-              <a:r>
-                <a:rPr lang="en-US" altLang="ko-KR" sz="1200" dirty="0">
-                  <a:solidFill>
-                    <a:schemeClr val="tx1">
-                      <a:lumMod val="75000"/>
-                      <a:lumOff val="25000"/>
-                    </a:schemeClr>
-                  </a:solidFill>
-                  <a:cs typeface="Arial" pitchFamily="34" charset="0"/>
-                </a:rPr>
-                <a:t>You can simply impress your audience and add a unique zing.  </a:t>
-              </a:r>
-              <a:endParaRPr lang="ko-KR" altLang="en-US" sz="1200" dirty="0">
-                <a:solidFill>
-                  <a:schemeClr val="tx1">
-                    <a:lumMod val="75000"/>
-                    <a:lumOff val="25000"/>
-                  </a:schemeClr>
-                </a:solidFill>
-                <a:cs typeface="Arial" pitchFamily="34" charset="0"/>
-              </a:endParaRPr>
-            </a:p>
-          </p:txBody>
-        </p:sp>
-        <p:sp>
-          <p:nvSpPr>
-            <p:cNvPr id="34" name="TextBox 33"/>
-            <p:cNvSpPr txBox="1"/>
-            <p:nvPr/>
-          </p:nvSpPr>
-          <p:spPr>
-            <a:xfrm>
-              <a:off x="1472558" y="998559"/>
-              <a:ext cx="2765965" cy="276999"/>
-            </a:xfrm>
-            <a:prstGeom prst="rect">
-              <a:avLst/>
-            </a:prstGeom>
-            <a:noFill/>
-          </p:spPr>
-          <p:txBody>
-            <a:bodyPr wrap="square" rtlCol="0" anchor="ctr">
-              <a:spAutoFit/>
-            </a:bodyPr>
-            <a:lstStyle/>
-            <a:p>
-              <a:r>
-                <a:rPr lang="en-US" altLang="ko-KR" sz="1200" b="1" dirty="0">
-                  <a:solidFill>
-                    <a:schemeClr val="tx1">
-                      <a:lumMod val="75000"/>
-                      <a:lumOff val="25000"/>
-                    </a:schemeClr>
-                  </a:solidFill>
-                  <a:cs typeface="Arial" pitchFamily="34" charset="0"/>
-                </a:rPr>
-                <a:t>Your Text  Here</a:t>
-              </a:r>
-              <a:endParaRPr lang="ko-KR" altLang="en-US" sz="1200" b="1" dirty="0">
-                <a:solidFill>
-                  <a:schemeClr val="tx1">
-                    <a:lumMod val="75000"/>
-                    <a:lumOff val="25000"/>
-                  </a:schemeClr>
-                </a:solidFill>
-                <a:cs typeface="Arial" pitchFamily="34" charset="0"/>
-              </a:endParaRPr>
-            </a:p>
-          </p:txBody>
-        </p:sp>
-      </p:grpSp>
+      </p:pic>
     </p:spTree>
     <p:extLst>
       <p:ext uri="{BB962C8B-B14F-4D97-AF65-F5344CB8AC3E}">
-        <p14:creationId xmlns:p14="http://schemas.microsoft.com/office/powerpoint/2010/main" val="2738848794"/>
+        <p14:creationId xmlns:p14="http://schemas.microsoft.com/office/powerpoint/2010/main" val="943032165"/>
       </p:ext>
     </p:extLst>
   </p:cSld>
@@ -20544,8 +17216,8 @@
         </p:nvSpPr>
         <p:spPr>
           <a:xfrm>
-            <a:off x="467544" y="3853334"/>
-            <a:ext cx="9144000" cy="576063"/>
+            <a:off x="1923366" y="-80607"/>
+            <a:ext cx="8676456" cy="576064"/>
           </a:xfrm>
         </p:spPr>
         <p:txBody>
@@ -20553,27 +17225,275 @@
           <a:lstStyle/>
           <a:p>
             <a:r>
-              <a:rPr lang="en-US" altLang="ko-KR" dirty="0">
-                <a:solidFill>
-                  <a:schemeClr val="accent2"/>
+              <a:rPr lang="en-US" altLang="ko-KR" sz="1400" b="1" dirty="0"/>
+              <a:t>Hasil &amp; </a:t>
+            </a:r>
+            <a:r>
+              <a:rPr lang="en-US" altLang="ko-KR" sz="1400" b="1" dirty="0" err="1"/>
+              <a:t>Pembahasan</a:t>
+            </a:r>
+            <a:endParaRPr lang="ko-KR" altLang="en-US" sz="1400" b="1" dirty="0"/>
+          </a:p>
+        </p:txBody>
+      </p:sp>
+      <p:sp>
+        <p:nvSpPr>
+          <p:cNvPr id="3" name="Text Placeholder 2"/>
+          <p:cNvSpPr>
+            <a:spLocks noGrp="1"/>
+          </p:cNvSpPr>
+          <p:nvPr>
+            <p:ph type="body" sz="quarter" idx="11"/>
+          </p:nvPr>
+        </p:nvSpPr>
+        <p:spPr>
+          <a:xfrm>
+            <a:off x="467544" y="973014"/>
+            <a:ext cx="8676456" cy="288032"/>
+          </a:xfrm>
+        </p:spPr>
+        <p:txBody>
+          <a:bodyPr/>
+          <a:lstStyle/>
+          <a:p>
+            <a:pPr lvl="0"/>
+            <a:r>
+              <a:rPr lang="en-US" altLang="ko-KR" b="1" dirty="0">
+                <a:solidFill>
+                  <a:srgbClr val="2B8FED"/>
                 </a:solidFill>
               </a:rPr>
-              <a:t>DEMO</a:t>
-            </a:r>
-            <a:endParaRPr lang="ko-KR" altLang="en-US" dirty="0">
-              <a:solidFill>
-                <a:schemeClr val="accent2"/>
-              </a:solidFill>
-            </a:endParaRPr>
+              <a:t>Activity Diagram</a:t>
+            </a:r>
           </a:p>
         </p:txBody>
       </p:sp>
       <p:pic>
         <p:nvPicPr>
-          <p:cNvPr id="9" name="Picture 8">
+          <p:cNvPr id="35" name="Picture 34">
             <a:extLst>
               <a:ext uri="{FF2B5EF4-FFF2-40B4-BE49-F238E27FC236}">
-                <a16:creationId xmlns:a16="http://schemas.microsoft.com/office/drawing/2014/main" id="{2D8B1C8F-C746-41D0-BADD-478710DC2B96}"/>
+                <a16:creationId xmlns:a16="http://schemas.microsoft.com/office/drawing/2014/main" id="{14146F34-C2B3-46CB-ADBB-2487210C2558}"/>
+              </a:ext>
+            </a:extLst>
+          </p:cNvPr>
+          <p:cNvPicPr>
+            <a:picLocks noChangeAspect="1"/>
+          </p:cNvPicPr>
+          <p:nvPr/>
+        </p:nvPicPr>
+        <p:blipFill>
+          <a:blip r:embed="rId3" cstate="print">
+            <a:extLst>
+              <a:ext uri="{28A0092B-C50C-407E-A947-70E740481C1C}">
+                <a14:useLocalDpi xmlns:a14="http://schemas.microsoft.com/office/drawing/2010/main" val="0"/>
+              </a:ext>
+            </a:extLst>
+          </a:blip>
+          <a:stretch>
+            <a:fillRect/>
+          </a:stretch>
+        </p:blipFill>
+        <p:spPr>
+          <a:xfrm>
+            <a:off x="395536" y="17900"/>
+            <a:ext cx="2486872" cy="993552"/>
+          </a:xfrm>
+          <a:prstGeom prst="rect">
+            <a:avLst/>
+          </a:prstGeom>
+        </p:spPr>
+      </p:pic>
+      <p:pic>
+        <p:nvPicPr>
+          <p:cNvPr id="36" name="Picture 35">
+            <a:extLst>
+              <a:ext uri="{FF2B5EF4-FFF2-40B4-BE49-F238E27FC236}">
+                <a16:creationId xmlns:a16="http://schemas.microsoft.com/office/drawing/2014/main" id="{147E59E5-DC7B-4EB7-8369-473D396FB58E}"/>
+              </a:ext>
+            </a:extLst>
+          </p:cNvPr>
+          <p:cNvPicPr>
+            <a:picLocks noChangeAspect="1"/>
+          </p:cNvPicPr>
+          <p:nvPr/>
+        </p:nvPicPr>
+        <p:blipFill rotWithShape="1">
+          <a:blip r:embed="rId4">
+            <a:extLst>
+              <a:ext uri="{28A0092B-C50C-407E-A947-70E740481C1C}">
+                <a14:useLocalDpi xmlns:a14="http://schemas.microsoft.com/office/drawing/2010/main" val="0"/>
+              </a:ext>
+            </a:extLst>
+          </a:blip>
+          <a:srcRect b="44936"/>
+          <a:stretch/>
+        </p:blipFill>
+        <p:spPr>
+          <a:xfrm>
+            <a:off x="467544" y="1302054"/>
+            <a:ext cx="3744416" cy="3841446"/>
+          </a:xfrm>
+          <a:prstGeom prst="rect">
+            <a:avLst/>
+          </a:prstGeom>
+          <a:ln>
+            <a:noFill/>
+          </a:ln>
+          <a:effectLst>
+            <a:outerShdw blurRad="190500" algn="tl" rotWithShape="0">
+              <a:srgbClr val="000000">
+                <a:alpha val="70000"/>
+              </a:srgbClr>
+            </a:outerShdw>
+          </a:effectLst>
+        </p:spPr>
+      </p:pic>
+      <p:pic>
+        <p:nvPicPr>
+          <p:cNvPr id="37" name="Picture 36">
+            <a:extLst>
+              <a:ext uri="{FF2B5EF4-FFF2-40B4-BE49-F238E27FC236}">
+                <a16:creationId xmlns:a16="http://schemas.microsoft.com/office/drawing/2014/main" id="{EEA9DEF1-967F-47A0-87FE-C26B455A8176}"/>
+              </a:ext>
+            </a:extLst>
+          </p:cNvPr>
+          <p:cNvPicPr>
+            <a:picLocks noChangeAspect="1"/>
+          </p:cNvPicPr>
+          <p:nvPr/>
+        </p:nvPicPr>
+        <p:blipFill rotWithShape="1">
+          <a:blip r:embed="rId4">
+            <a:extLst>
+              <a:ext uri="{28A0092B-C50C-407E-A947-70E740481C1C}">
+                <a14:useLocalDpi xmlns:a14="http://schemas.microsoft.com/office/drawing/2010/main" val="0"/>
+              </a:ext>
+            </a:extLst>
+          </a:blip>
+          <a:srcRect t="53847" b="-1"/>
+          <a:stretch/>
+        </p:blipFill>
+        <p:spPr>
+          <a:xfrm>
+            <a:off x="4355976" y="1302054"/>
+            <a:ext cx="4467319" cy="3841446"/>
+          </a:xfrm>
+          <a:prstGeom prst="rect">
+            <a:avLst/>
+          </a:prstGeom>
+          <a:ln>
+            <a:noFill/>
+          </a:ln>
+          <a:effectLst>
+            <a:outerShdw blurRad="190500" algn="tl" rotWithShape="0">
+              <a:srgbClr val="000000">
+                <a:alpha val="70000"/>
+              </a:srgbClr>
+            </a:outerShdw>
+          </a:effectLst>
+        </p:spPr>
+      </p:pic>
+    </p:spTree>
+    <p:extLst>
+      <p:ext uri="{BB962C8B-B14F-4D97-AF65-F5344CB8AC3E}">
+        <p14:creationId xmlns:p14="http://schemas.microsoft.com/office/powerpoint/2010/main" val="2738848794"/>
+      </p:ext>
+    </p:extLst>
+  </p:cSld>
+  <p:clrMapOvr>
+    <a:masterClrMapping/>
+  </p:clrMapOvr>
+</p:sld>
+</file>
+
+<file path=ppt/slides/slide8.xml><?xml version="1.0" encoding="utf-8"?>
+<p:sld xmlns:a="http://schemas.openxmlformats.org/drawingml/2006/main" xmlns:r="http://schemas.openxmlformats.org/officeDocument/2006/relationships" xmlns:p="http://schemas.openxmlformats.org/presentationml/2006/main">
+  <p:cSld>
+    <p:spTree>
+      <p:nvGrpSpPr>
+        <p:cNvPr id="1" name=""/>
+        <p:cNvGrpSpPr/>
+        <p:nvPr/>
+      </p:nvGrpSpPr>
+      <p:grpSpPr>
+        <a:xfrm>
+          <a:off x="0" y="0"/>
+          <a:ext cx="0" cy="0"/>
+          <a:chOff x="0" y="0"/>
+          <a:chExt cx="0" cy="0"/>
+        </a:xfrm>
+      </p:grpSpPr>
+      <p:sp>
+        <p:nvSpPr>
+          <p:cNvPr id="2" name="Text Placeholder 1"/>
+          <p:cNvSpPr>
+            <a:spLocks noGrp="1"/>
+          </p:cNvSpPr>
+          <p:nvPr>
+            <p:ph type="body" sz="quarter" idx="10"/>
+          </p:nvPr>
+        </p:nvSpPr>
+        <p:spPr>
+          <a:xfrm>
+            <a:off x="1923366" y="-80607"/>
+            <a:ext cx="8676456" cy="576064"/>
+          </a:xfrm>
+        </p:spPr>
+        <p:txBody>
+          <a:bodyPr/>
+          <a:lstStyle/>
+          <a:p>
+            <a:r>
+              <a:rPr lang="en-US" altLang="ko-KR" sz="1400" b="1" dirty="0"/>
+              <a:t>Hasil &amp; </a:t>
+            </a:r>
+            <a:r>
+              <a:rPr lang="en-US" altLang="ko-KR" sz="1400" b="1" dirty="0" err="1"/>
+              <a:t>Pembahasan</a:t>
+            </a:r>
+            <a:endParaRPr lang="ko-KR" altLang="en-US" sz="1400" b="1" dirty="0"/>
+          </a:p>
+        </p:txBody>
+      </p:sp>
+      <p:sp>
+        <p:nvSpPr>
+          <p:cNvPr id="3" name="Text Placeholder 2"/>
+          <p:cNvSpPr>
+            <a:spLocks noGrp="1"/>
+          </p:cNvSpPr>
+          <p:nvPr>
+            <p:ph type="body" sz="quarter" idx="11"/>
+          </p:nvPr>
+        </p:nvSpPr>
+        <p:spPr>
+          <a:xfrm>
+            <a:off x="467544" y="973014"/>
+            <a:ext cx="8676456" cy="288032"/>
+          </a:xfrm>
+        </p:spPr>
+        <p:txBody>
+          <a:bodyPr/>
+          <a:lstStyle/>
+          <a:p>
+            <a:pPr lvl="0"/>
+            <a:r>
+              <a:rPr lang="en-US" altLang="ko-KR" b="1" dirty="0">
+                <a:solidFill>
+                  <a:srgbClr val="2B8FED"/>
+                </a:solidFill>
+              </a:rPr>
+              <a:t>Class Diagram</a:t>
+            </a:r>
+          </a:p>
+        </p:txBody>
+      </p:sp>
+      <p:pic>
+        <p:nvPicPr>
+          <p:cNvPr id="35" name="Picture 34">
+            <a:extLst>
+              <a:ext uri="{FF2B5EF4-FFF2-40B4-BE49-F238E27FC236}">
+                <a16:creationId xmlns:a16="http://schemas.microsoft.com/office/drawing/2014/main" id="{14146F34-C2B3-46CB-ADBB-2487210C2558}"/>
               </a:ext>
             </a:extLst>
           </p:cNvPr>
@@ -20596,7 +17516,197 @@
         </p:blipFill>
         <p:spPr>
           <a:xfrm>
-            <a:off x="3328564" y="3147814"/>
+            <a:off x="395536" y="17900"/>
+            <a:ext cx="2486872" cy="993552"/>
+          </a:xfrm>
+          <a:prstGeom prst="rect">
+            <a:avLst/>
+          </a:prstGeom>
+        </p:spPr>
+      </p:pic>
+      <p:pic>
+        <p:nvPicPr>
+          <p:cNvPr id="5" name="Picture 4">
+            <a:extLst>
+              <a:ext uri="{FF2B5EF4-FFF2-40B4-BE49-F238E27FC236}">
+                <a16:creationId xmlns:a16="http://schemas.microsoft.com/office/drawing/2014/main" id="{23514694-6D63-4FAA-88B2-2F9D8144D54B}"/>
+              </a:ext>
+            </a:extLst>
+          </p:cNvPr>
+          <p:cNvPicPr>
+            <a:picLocks noChangeAspect="1"/>
+          </p:cNvPicPr>
+          <p:nvPr/>
+        </p:nvPicPr>
+        <p:blipFill>
+          <a:blip r:embed="rId3">
+            <a:extLst>
+              <a:ext uri="{28A0092B-C50C-407E-A947-70E740481C1C}">
+                <a14:useLocalDpi xmlns:a14="http://schemas.microsoft.com/office/drawing/2010/main" val="0"/>
+              </a:ext>
+            </a:extLst>
+          </a:blip>
+          <a:stretch>
+            <a:fillRect/>
+          </a:stretch>
+        </p:blipFill>
+        <p:spPr>
+          <a:xfrm>
+            <a:off x="539552" y="1261046"/>
+            <a:ext cx="3248025" cy="3800475"/>
+          </a:xfrm>
+          <a:prstGeom prst="rect">
+            <a:avLst/>
+          </a:prstGeom>
+          <a:ln>
+            <a:noFill/>
+          </a:ln>
+          <a:effectLst>
+            <a:outerShdw blurRad="190500" algn="tl" rotWithShape="0">
+              <a:srgbClr val="000000">
+                <a:alpha val="70000"/>
+              </a:srgbClr>
+            </a:outerShdw>
+          </a:effectLst>
+        </p:spPr>
+      </p:pic>
+    </p:spTree>
+    <p:extLst>
+      <p:ext uri="{BB962C8B-B14F-4D97-AF65-F5344CB8AC3E}">
+        <p14:creationId xmlns:p14="http://schemas.microsoft.com/office/powerpoint/2010/main" val="3358895359"/>
+      </p:ext>
+    </p:extLst>
+  </p:cSld>
+  <p:clrMapOvr>
+    <a:masterClrMapping/>
+  </p:clrMapOvr>
+</p:sld>
+</file>
+
+<file path=ppt/slides/slide9.xml><?xml version="1.0" encoding="utf-8"?>
+<p:sld xmlns:a="http://schemas.openxmlformats.org/drawingml/2006/main" xmlns:r="http://schemas.openxmlformats.org/officeDocument/2006/relationships" xmlns:p="http://schemas.openxmlformats.org/presentationml/2006/main">
+  <p:cSld>
+    <p:bg>
+      <p:bgPr>
+        <a:solidFill>
+          <a:schemeClr val="bg1"/>
+        </a:solidFill>
+        <a:effectLst/>
+      </p:bgPr>
+    </p:bg>
+    <p:spTree>
+      <p:nvGrpSpPr>
+        <p:cNvPr id="1" name=""/>
+        <p:cNvGrpSpPr/>
+        <p:nvPr/>
+      </p:nvGrpSpPr>
+      <p:grpSpPr>
+        <a:xfrm>
+          <a:off x="0" y="0"/>
+          <a:ext cx="0" cy="0"/>
+          <a:chOff x="0" y="0"/>
+          <a:chExt cx="0" cy="0"/>
+        </a:xfrm>
+      </p:grpSpPr>
+      <p:sp>
+        <p:nvSpPr>
+          <p:cNvPr id="3" name="Text Placeholder 2"/>
+          <p:cNvSpPr>
+            <a:spLocks noGrp="1"/>
+          </p:cNvSpPr>
+          <p:nvPr>
+            <p:ph type="body" sz="quarter" idx="11"/>
+          </p:nvPr>
+        </p:nvSpPr>
+        <p:spPr>
+          <a:xfrm>
+            <a:off x="547936" y="1059582"/>
+            <a:ext cx="8676456" cy="288032"/>
+          </a:xfrm>
+        </p:spPr>
+        <p:txBody>
+          <a:bodyPr/>
+          <a:lstStyle/>
+          <a:p>
+            <a:pPr lvl="0"/>
+            <a:r>
+              <a:rPr lang="en-US" altLang="ko-KR" b="1" dirty="0" err="1">
+                <a:solidFill>
+                  <a:srgbClr val="2B8FED"/>
+                </a:solidFill>
+              </a:rPr>
+              <a:t>Tampilan</a:t>
+            </a:r>
+            <a:r>
+              <a:rPr lang="en-US" altLang="ko-KR" b="1" dirty="0">
+                <a:solidFill>
+                  <a:srgbClr val="2B8FED"/>
+                </a:solidFill>
+              </a:rPr>
+              <a:t> Web</a:t>
+            </a:r>
+          </a:p>
+        </p:txBody>
+      </p:sp>
+      <p:pic>
+        <p:nvPicPr>
+          <p:cNvPr id="4" name="Picture 3">
+            <a:extLst>
+              <a:ext uri="{FF2B5EF4-FFF2-40B4-BE49-F238E27FC236}">
+                <a16:creationId xmlns:a16="http://schemas.microsoft.com/office/drawing/2014/main" id="{0478020E-8625-4118-AE63-04F52195735C}"/>
+              </a:ext>
+            </a:extLst>
+          </p:cNvPr>
+          <p:cNvPicPr>
+            <a:picLocks noChangeAspect="1"/>
+          </p:cNvPicPr>
+          <p:nvPr/>
+        </p:nvPicPr>
+        <p:blipFill>
+          <a:blip r:embed="rId2"/>
+          <a:stretch>
+            <a:fillRect/>
+          </a:stretch>
+        </p:blipFill>
+        <p:spPr>
+          <a:xfrm>
+            <a:off x="0" y="1347614"/>
+            <a:ext cx="9144000" cy="3854075"/>
+          </a:xfrm>
+          <a:prstGeom prst="rect">
+            <a:avLst/>
+          </a:prstGeom>
+        </p:spPr>
+      </p:pic>
+      <p:pic>
+        <p:nvPicPr>
+          <p:cNvPr id="8" name="Picture 7">
+            <a:extLst>
+              <a:ext uri="{FF2B5EF4-FFF2-40B4-BE49-F238E27FC236}">
+                <a16:creationId xmlns:a16="http://schemas.microsoft.com/office/drawing/2014/main" id="{D79AC3E5-8992-46FC-A2E5-61D0BF298915}"/>
+              </a:ext>
+            </a:extLst>
+          </p:cNvPr>
+          <p:cNvPicPr>
+            <a:picLocks noChangeAspect="1"/>
+          </p:cNvPicPr>
+          <p:nvPr/>
+        </p:nvPicPr>
+        <p:blipFill>
+          <a:blip r:embed="rId3" cstate="print">
+            <a:extLst>
+              <a:ext uri="{28A0092B-C50C-407E-A947-70E740481C1C}">
+                <a14:useLocalDpi xmlns:a14="http://schemas.microsoft.com/office/drawing/2010/main" val="0"/>
+              </a:ext>
+            </a:extLst>
+          </a:blip>
+          <a:stretch>
+            <a:fillRect/>
+          </a:stretch>
+        </p:blipFill>
+        <p:spPr>
+          <a:xfrm>
+            <a:off x="547936" y="170300"/>
             <a:ext cx="2486872" cy="993552"/>
           </a:xfrm>
           <a:prstGeom prst="rect">
@@ -20607,7 +17717,7 @@
     </p:spTree>
     <p:extLst>
       <p:ext uri="{BB962C8B-B14F-4D97-AF65-F5344CB8AC3E}">
-        <p14:creationId xmlns:p14="http://schemas.microsoft.com/office/powerpoint/2010/main" val="61455909"/>
+        <p14:creationId xmlns:p14="http://schemas.microsoft.com/office/powerpoint/2010/main" val="4280936073"/>
       </p:ext>
     </p:extLst>
   </p:cSld>
@@ -21860,285 +18970,4 @@
   <a:objectDefaults/>
   <a:extraClrSchemeLst/>
 </a:theme>
-</file>
-
-<file path=ppt/theme/themeOverride1.xml><?xml version="1.0" encoding="utf-8"?>
-<a:themeOverride xmlns:a="http://schemas.openxmlformats.org/drawingml/2006/main">
-  <a:clrScheme name="Office">
-    <a:dk1>
-      <a:sysClr val="windowText" lastClr="000000"/>
-    </a:dk1>
-    <a:lt1>
-      <a:sysClr val="window" lastClr="FFFFFF"/>
-    </a:lt1>
-    <a:dk2>
-      <a:srgbClr val="1F497D"/>
-    </a:dk2>
-    <a:lt2>
-      <a:srgbClr val="EEECE1"/>
-    </a:lt2>
-    <a:accent1>
-      <a:srgbClr val="4F81BD"/>
-    </a:accent1>
-    <a:accent2>
-      <a:srgbClr val="C0504D"/>
-    </a:accent2>
-    <a:accent3>
-      <a:srgbClr val="9BBB59"/>
-    </a:accent3>
-    <a:accent4>
-      <a:srgbClr val="8064A2"/>
-    </a:accent4>
-    <a:accent5>
-      <a:srgbClr val="4BACC6"/>
-    </a:accent5>
-    <a:accent6>
-      <a:srgbClr val="F79646"/>
-    </a:accent6>
-    <a:hlink>
-      <a:srgbClr val="0000FF"/>
-    </a:hlink>
-    <a:folHlink>
-      <a:srgbClr val="800080"/>
-    </a:folHlink>
-  </a:clrScheme>
-  <a:fontScheme name="Office">
-    <a:majorFont>
-      <a:latin typeface="맑은 고딕"/>
-      <a:ea typeface=""/>
-      <a:cs typeface=""/>
-      <a:font script="Jpan" typeface="ＭＳ Ｐゴシック"/>
-      <a:font script="Hang" typeface="맑은 고딕"/>
-      <a:font script="Hans" typeface="宋体"/>
-      <a:font script="Hant" typeface="新細明體"/>
-      <a:font script="Arab" typeface="Times New Roman"/>
-      <a:font script="Hebr" typeface="Times New Roman"/>
-      <a:font script="Thai" typeface="Angsana New"/>
-      <a:font script="Ethi" typeface="Nyala"/>
-      <a:font script="Beng" typeface="Vrinda"/>
-      <a:font script="Gujr" typeface="Shruti"/>
-      <a:font script="Khmr" typeface="MoolBoran"/>
-      <a:font script="Knda" typeface="Tunga"/>
-      <a:font script="Guru" typeface="Raavi"/>
-      <a:font script="Cans" typeface="Euphemia"/>
-      <a:font script="Cher" typeface="Plantagenet Cherokee"/>
-      <a:font script="Yiii" typeface="Microsoft Yi Baiti"/>
-      <a:font script="Tibt" typeface="Microsoft Himalaya"/>
-      <a:font script="Thaa" typeface="MV Boli"/>
-      <a:font script="Deva" typeface="Mangal"/>
-      <a:font script="Telu" typeface="Gautami"/>
-      <a:font script="Taml" typeface="Latha"/>
-      <a:font script="Syrc" typeface="Estrangelo Edessa"/>
-      <a:font script="Orya" typeface="Kalinga"/>
-      <a:font script="Mlym" typeface="Kartika"/>
-      <a:font script="Laoo" typeface="DokChampa"/>
-      <a:font script="Sinh" typeface="Iskoola Pota"/>
-      <a:font script="Mong" typeface="Mongolian Baiti"/>
-      <a:font script="Viet" typeface="Times New Roman"/>
-      <a:font script="Uigh" typeface="Microsoft Uighur"/>
-      <a:font script="Geor" typeface="Sylfaen"/>
-    </a:majorFont>
-    <a:minorFont>
-      <a:latin typeface="맑은 고딕"/>
-      <a:ea typeface=""/>
-      <a:cs typeface=""/>
-      <a:font script="Jpan" typeface="ＭＳ Ｐゴシック"/>
-      <a:font script="Hang" typeface="맑은 고딕"/>
-      <a:font script="Hans" typeface="宋体"/>
-      <a:font script="Hant" typeface="新細明體"/>
-      <a:font script="Arab" typeface="Arial"/>
-      <a:font script="Hebr" typeface="Arial"/>
-      <a:font script="Thai" typeface="Cordia New"/>
-      <a:font script="Ethi" typeface="Nyala"/>
-      <a:font script="Beng" typeface="Vrinda"/>
-      <a:font script="Gujr" typeface="Shruti"/>
-      <a:font script="Khmr" typeface="DaunPenh"/>
-      <a:font script="Knda" typeface="Tunga"/>
-      <a:font script="Guru" typeface="Raavi"/>
-      <a:font script="Cans" typeface="Euphemia"/>
-      <a:font script="Cher" typeface="Plantagenet Cherokee"/>
-      <a:font script="Yiii" typeface="Microsoft Yi Baiti"/>
-      <a:font script="Tibt" typeface="Microsoft Himalaya"/>
-      <a:font script="Thaa" typeface="MV Boli"/>
-      <a:font script="Deva" typeface="Mangal"/>
-      <a:font script="Telu" typeface="Gautami"/>
-      <a:font script="Taml" typeface="Latha"/>
-      <a:font script="Syrc" typeface="Estrangelo Edessa"/>
-      <a:font script="Orya" typeface="Kalinga"/>
-      <a:font script="Mlym" typeface="Kartika"/>
-      <a:font script="Laoo" typeface="DokChampa"/>
-      <a:font script="Sinh" typeface="Iskoola Pota"/>
-      <a:font script="Mong" typeface="Mongolian Baiti"/>
-      <a:font script="Viet" typeface="Arial"/>
-      <a:font script="Uigh" typeface="Microsoft Uighur"/>
-      <a:font script="Geor" typeface="Sylfaen"/>
-    </a:minorFont>
-  </a:fontScheme>
-  <a:fmtScheme name="Office">
-    <a:fillStyleLst>
-      <a:solidFill>
-        <a:schemeClr val="phClr"/>
-      </a:solidFill>
-      <a:gradFill rotWithShape="1">
-        <a:gsLst>
-          <a:gs pos="0">
-            <a:schemeClr val="phClr">
-              <a:tint val="50000"/>
-              <a:satMod val="300000"/>
-            </a:schemeClr>
-          </a:gs>
-          <a:gs pos="35000">
-            <a:schemeClr val="phClr">
-              <a:tint val="37000"/>
-              <a:satMod val="300000"/>
-            </a:schemeClr>
-          </a:gs>
-          <a:gs pos="100000">
-            <a:schemeClr val="phClr">
-              <a:tint val="15000"/>
-              <a:satMod val="350000"/>
-            </a:schemeClr>
-          </a:gs>
-        </a:gsLst>
-        <a:lin ang="16200000" scaled="1"/>
-      </a:gradFill>
-      <a:gradFill rotWithShape="1">
-        <a:gsLst>
-          <a:gs pos="0">
-            <a:schemeClr val="phClr">
-              <a:shade val="51000"/>
-              <a:satMod val="130000"/>
-            </a:schemeClr>
-          </a:gs>
-          <a:gs pos="80000">
-            <a:schemeClr val="phClr">
-              <a:shade val="93000"/>
-              <a:satMod val="130000"/>
-            </a:schemeClr>
-          </a:gs>
-          <a:gs pos="100000">
-            <a:schemeClr val="phClr">
-              <a:shade val="94000"/>
-              <a:satMod val="135000"/>
-            </a:schemeClr>
-          </a:gs>
-        </a:gsLst>
-        <a:lin ang="16200000" scaled="0"/>
-      </a:gradFill>
-    </a:fillStyleLst>
-    <a:lnStyleLst>
-      <a:ln w="9525" cap="flat" cmpd="sng" algn="ctr">
-        <a:solidFill>
-          <a:schemeClr val="phClr">
-            <a:shade val="95000"/>
-            <a:satMod val="105000"/>
-          </a:schemeClr>
-        </a:solidFill>
-        <a:prstDash val="solid"/>
-      </a:ln>
-      <a:ln w="25400" cap="flat" cmpd="sng" algn="ctr">
-        <a:solidFill>
-          <a:schemeClr val="phClr"/>
-        </a:solidFill>
-        <a:prstDash val="solid"/>
-      </a:ln>
-      <a:ln w="38100" cap="flat" cmpd="sng" algn="ctr">
-        <a:solidFill>
-          <a:schemeClr val="phClr"/>
-        </a:solidFill>
-        <a:prstDash val="solid"/>
-      </a:ln>
-    </a:lnStyleLst>
-    <a:effectStyleLst>
-      <a:effectStyle>
-        <a:effectLst>
-          <a:outerShdw blurRad="40000" dist="20000" dir="5400000" rotWithShape="0">
-            <a:srgbClr val="000000">
-              <a:alpha val="38000"/>
-            </a:srgbClr>
-          </a:outerShdw>
-        </a:effectLst>
-      </a:effectStyle>
-      <a:effectStyle>
-        <a:effectLst>
-          <a:outerShdw blurRad="40000" dist="23000" dir="5400000" rotWithShape="0">
-            <a:srgbClr val="000000">
-              <a:alpha val="35000"/>
-            </a:srgbClr>
-          </a:outerShdw>
-        </a:effectLst>
-      </a:effectStyle>
-      <a:effectStyle>
-        <a:effectLst>
-          <a:outerShdw blurRad="40000" dist="23000" dir="5400000" rotWithShape="0">
-            <a:srgbClr val="000000">
-              <a:alpha val="35000"/>
-            </a:srgbClr>
-          </a:outerShdw>
-        </a:effectLst>
-        <a:scene3d>
-          <a:camera prst="orthographicFront">
-            <a:rot lat="0" lon="0" rev="0"/>
-          </a:camera>
-          <a:lightRig rig="threePt" dir="t">
-            <a:rot lat="0" lon="0" rev="1200000"/>
-          </a:lightRig>
-        </a:scene3d>
-        <a:sp3d>
-          <a:bevelT w="63500" h="25400"/>
-        </a:sp3d>
-      </a:effectStyle>
-    </a:effectStyleLst>
-    <a:bgFillStyleLst>
-      <a:solidFill>
-        <a:schemeClr val="phClr"/>
-      </a:solidFill>
-      <a:gradFill rotWithShape="1">
-        <a:gsLst>
-          <a:gs pos="0">
-            <a:schemeClr val="phClr">
-              <a:tint val="40000"/>
-              <a:satMod val="350000"/>
-            </a:schemeClr>
-          </a:gs>
-          <a:gs pos="40000">
-            <a:schemeClr val="phClr">
-              <a:tint val="45000"/>
-              <a:shade val="99000"/>
-              <a:satMod val="350000"/>
-            </a:schemeClr>
-          </a:gs>
-          <a:gs pos="100000">
-            <a:schemeClr val="phClr">
-              <a:shade val="20000"/>
-              <a:satMod val="255000"/>
-            </a:schemeClr>
-          </a:gs>
-        </a:gsLst>
-        <a:path path="circle">
-          <a:fillToRect l="50000" t="-80000" r="50000" b="180000"/>
-        </a:path>
-      </a:gradFill>
-      <a:gradFill rotWithShape="1">
-        <a:gsLst>
-          <a:gs pos="0">
-            <a:schemeClr val="phClr">
-              <a:tint val="80000"/>
-              <a:satMod val="300000"/>
-            </a:schemeClr>
-          </a:gs>
-          <a:gs pos="100000">
-            <a:schemeClr val="phClr">
-              <a:shade val="30000"/>
-              <a:satMod val="200000"/>
-            </a:schemeClr>
-          </a:gs>
-        </a:gsLst>
-        <a:path path="circle">
-          <a:fillToRect l="50000" t="50000" r="50000" b="50000"/>
-        </a:path>
-      </a:gradFill>
-    </a:bgFillStyleLst>
-  </a:fmtScheme>
-</a:themeOverride>
 </file>